--- a/Lecture1/电气工程建模与仿真.pptx
+++ b/Lecture1/电气工程建模与仿真.pptx
@@ -10,25 +10,26 @@
     <p:sldId id="258" r:id="rId4"/>
     <p:sldId id="260" r:id="rId5"/>
     <p:sldId id="259" r:id="rId6"/>
-    <p:sldId id="261" r:id="rId7"/>
-    <p:sldId id="262" r:id="rId8"/>
-    <p:sldId id="264" r:id="rId9"/>
-    <p:sldId id="263" r:id="rId10"/>
-    <p:sldId id="265" r:id="rId11"/>
-    <p:sldId id="268" r:id="rId12"/>
-    <p:sldId id="269" r:id="rId13"/>
-    <p:sldId id="270" r:id="rId14"/>
-    <p:sldId id="266" r:id="rId15"/>
-    <p:sldId id="275" r:id="rId16"/>
-    <p:sldId id="276" r:id="rId17"/>
-    <p:sldId id="267" r:id="rId18"/>
-    <p:sldId id="274" r:id="rId19"/>
-    <p:sldId id="277" r:id="rId20"/>
-    <p:sldId id="278" r:id="rId21"/>
-    <p:sldId id="279" r:id="rId22"/>
-    <p:sldId id="271" r:id="rId23"/>
-    <p:sldId id="272" r:id="rId24"/>
-    <p:sldId id="273" r:id="rId25"/>
+    <p:sldId id="280" r:id="rId7"/>
+    <p:sldId id="261" r:id="rId8"/>
+    <p:sldId id="262" r:id="rId9"/>
+    <p:sldId id="264" r:id="rId10"/>
+    <p:sldId id="263" r:id="rId11"/>
+    <p:sldId id="265" r:id="rId12"/>
+    <p:sldId id="268" r:id="rId13"/>
+    <p:sldId id="269" r:id="rId14"/>
+    <p:sldId id="270" r:id="rId15"/>
+    <p:sldId id="266" r:id="rId16"/>
+    <p:sldId id="275" r:id="rId17"/>
+    <p:sldId id="276" r:id="rId18"/>
+    <p:sldId id="267" r:id="rId19"/>
+    <p:sldId id="274" r:id="rId20"/>
+    <p:sldId id="277" r:id="rId21"/>
+    <p:sldId id="278" r:id="rId22"/>
+    <p:sldId id="279" r:id="rId23"/>
+    <p:sldId id="271" r:id="rId24"/>
+    <p:sldId id="272" r:id="rId25"/>
+    <p:sldId id="273" r:id="rId26"/>
   </p:sldIdLst>
   <p:sldSz cx="12192000" cy="6858000"/>
   <p:notesSz cx="6858000" cy="9144000"/>
@@ -127,6 +128,11 @@
       </a:defRPr>
     </a:lvl9pPr>
   </p:defaultTextStyle>
+  <p:extLst>
+    <p:ext uri="{EFAFB233-063F-42B5-8137-9DF3F51BA10A}">
+      <p15:sldGuideLst xmlns:p15="http://schemas.microsoft.com/office/powerpoint/2012/main"/>
+    </p:ext>
+  </p:extLst>
 </p:presentation>
 </file>
 
@@ -261,7 +267,7 @@
           <a:p>
             <a:fld id="{37B83D64-13F6-44EC-A0F0-915D08FABEB4}" type="datetimeFigureOut">
               <a:rPr lang="zh-CN" altLang="en-US" smtClean="0"/>
-              <a:t>2021/3/25</a:t>
+              <a:t>2022/3/19</a:t>
             </a:fld>
             <a:endParaRPr lang="zh-CN" altLang="en-US"/>
           </a:p>
@@ -431,7 +437,7 @@
           <a:p>
             <a:fld id="{37B83D64-13F6-44EC-A0F0-915D08FABEB4}" type="datetimeFigureOut">
               <a:rPr lang="zh-CN" altLang="en-US" smtClean="0"/>
-              <a:t>2021/3/25</a:t>
+              <a:t>2022/3/19</a:t>
             </a:fld>
             <a:endParaRPr lang="zh-CN" altLang="en-US"/>
           </a:p>
@@ -611,7 +617,7 @@
           <a:p>
             <a:fld id="{37B83D64-13F6-44EC-A0F0-915D08FABEB4}" type="datetimeFigureOut">
               <a:rPr lang="zh-CN" altLang="en-US" smtClean="0"/>
-              <a:t>2021/3/25</a:t>
+              <a:t>2022/3/19</a:t>
             </a:fld>
             <a:endParaRPr lang="zh-CN" altLang="en-US"/>
           </a:p>
@@ -781,7 +787,7 @@
           <a:p>
             <a:fld id="{37B83D64-13F6-44EC-A0F0-915D08FABEB4}" type="datetimeFigureOut">
               <a:rPr lang="zh-CN" altLang="en-US" smtClean="0"/>
-              <a:t>2021/3/25</a:t>
+              <a:t>2022/3/19</a:t>
             </a:fld>
             <a:endParaRPr lang="zh-CN" altLang="en-US"/>
           </a:p>
@@ -1027,7 +1033,7 @@
           <a:p>
             <a:fld id="{37B83D64-13F6-44EC-A0F0-915D08FABEB4}" type="datetimeFigureOut">
               <a:rPr lang="zh-CN" altLang="en-US" smtClean="0"/>
-              <a:t>2021/3/25</a:t>
+              <a:t>2022/3/19</a:t>
             </a:fld>
             <a:endParaRPr lang="zh-CN" altLang="en-US"/>
           </a:p>
@@ -1259,7 +1265,7 @@
           <a:p>
             <a:fld id="{37B83D64-13F6-44EC-A0F0-915D08FABEB4}" type="datetimeFigureOut">
               <a:rPr lang="zh-CN" altLang="en-US" smtClean="0"/>
-              <a:t>2021/3/25</a:t>
+              <a:t>2022/3/19</a:t>
             </a:fld>
             <a:endParaRPr lang="zh-CN" altLang="en-US"/>
           </a:p>
@@ -1626,7 +1632,7 @@
           <a:p>
             <a:fld id="{37B83D64-13F6-44EC-A0F0-915D08FABEB4}" type="datetimeFigureOut">
               <a:rPr lang="zh-CN" altLang="en-US" smtClean="0"/>
-              <a:t>2021/3/25</a:t>
+              <a:t>2022/3/19</a:t>
             </a:fld>
             <a:endParaRPr lang="zh-CN" altLang="en-US"/>
           </a:p>
@@ -1744,7 +1750,7 @@
           <a:p>
             <a:fld id="{37B83D64-13F6-44EC-A0F0-915D08FABEB4}" type="datetimeFigureOut">
               <a:rPr lang="zh-CN" altLang="en-US" smtClean="0"/>
-              <a:t>2021/3/25</a:t>
+              <a:t>2022/3/19</a:t>
             </a:fld>
             <a:endParaRPr lang="zh-CN" altLang="en-US"/>
           </a:p>
@@ -1839,7 +1845,7 @@
           <a:p>
             <a:fld id="{37B83D64-13F6-44EC-A0F0-915D08FABEB4}" type="datetimeFigureOut">
               <a:rPr lang="zh-CN" altLang="en-US" smtClean="0"/>
-              <a:t>2021/3/25</a:t>
+              <a:t>2022/3/19</a:t>
             </a:fld>
             <a:endParaRPr lang="zh-CN" altLang="en-US"/>
           </a:p>
@@ -2116,7 +2122,7 @@
           <a:p>
             <a:fld id="{37B83D64-13F6-44EC-A0F0-915D08FABEB4}" type="datetimeFigureOut">
               <a:rPr lang="zh-CN" altLang="en-US" smtClean="0"/>
-              <a:t>2021/3/25</a:t>
+              <a:t>2022/3/19</a:t>
             </a:fld>
             <a:endParaRPr lang="zh-CN" altLang="en-US"/>
           </a:p>
@@ -2369,7 +2375,7 @@
           <a:p>
             <a:fld id="{37B83D64-13F6-44EC-A0F0-915D08FABEB4}" type="datetimeFigureOut">
               <a:rPr lang="zh-CN" altLang="en-US" smtClean="0"/>
-              <a:t>2021/3/25</a:t>
+              <a:t>2022/3/19</a:t>
             </a:fld>
             <a:endParaRPr lang="zh-CN" altLang="en-US"/>
           </a:p>
@@ -2582,7 +2588,7 @@
           <a:p>
             <a:fld id="{37B83D64-13F6-44EC-A0F0-915D08FABEB4}" type="datetimeFigureOut">
               <a:rPr lang="zh-CN" altLang="en-US" smtClean="0"/>
-              <a:t>2021/3/25</a:t>
+              <a:t>2022/3/19</a:t>
             </a:fld>
             <a:endParaRPr lang="zh-CN" altLang="en-US"/>
           </a:p>
@@ -3084,24 +3090,18 @@
         </p:nvSpPr>
         <p:spPr/>
         <p:txBody>
-          <a:bodyPr/>
-          <a:lstStyle/>
-          <a:p>
-            <a:r>
-              <a:rPr lang="en-US" altLang="zh-CN" b="1" dirty="0" smtClean="0"/>
-              <a:t>Parameters </a:t>
+          <a:bodyPr>
+            <a:normAutofit/>
+          </a:bodyPr>
+          <a:lstStyle/>
+          <a:p>
+            <a:r>
+              <a:rPr lang="zh-CN" altLang="en-US" b="1" dirty="0"/>
+              <a:t>一些重要的</a:t>
             </a:r>
             <a:r>
               <a:rPr lang="zh-CN" altLang="en-US" b="1" dirty="0" smtClean="0"/>
-              <a:t>参数 </a:t>
-            </a:r>
-            <a:r>
-              <a:rPr lang="en-US" altLang="zh-CN" b="1" dirty="0" smtClean="0"/>
-              <a:t>&amp; Variables </a:t>
-            </a:r>
-            <a:r>
-              <a:rPr lang="zh-CN" altLang="en-US" b="1" dirty="0" smtClean="0"/>
-              <a:t>变量</a:t>
+              <a:t>概念</a:t>
             </a:r>
             <a:endParaRPr lang="zh-CN" altLang="en-US" dirty="0"/>
           </a:p>
@@ -3123,95 +3123,99 @@
           <a:lstStyle/>
           <a:p>
             <a:r>
+              <a:rPr lang="zh-CN" altLang="en-US" dirty="0"/>
+              <a:t>数学建模里面模型一般可以用一个函数</a:t>
+            </a:r>
+            <a:r>
               <a:rPr lang="zh-CN" altLang="en-US" dirty="0" smtClean="0"/>
-              <a:t>模型</a:t>
+              <a:t>表示</a:t>
+            </a:r>
+            <a:endParaRPr lang="en-US" altLang="zh-CN" dirty="0" smtClean="0"/>
+          </a:p>
+          <a:p>
+            <a:r>
+              <a:rPr lang="zh-CN" altLang="en-US" dirty="0" smtClean="0"/>
+              <a:t>这个</a:t>
             </a:r>
             <a:r>
               <a:rPr lang="zh-CN" altLang="en-US" dirty="0"/>
-              <a:t>里面有参数和变量这两个东西，参数一般</a:t>
+              <a:t>函数是广义的函数</a:t>
             </a:r>
             <a:r>
               <a:rPr lang="zh-CN" altLang="en-US" dirty="0" smtClean="0"/>
-              <a:t>用</a:t>
-            </a:r>
-            <a:r>
-              <a:rPr lang="en-US" altLang="zh-CN" i="1" dirty="0" smtClean="0"/>
-              <a:t>θ</a:t>
+              <a:t>哈</a:t>
+            </a:r>
+            <a:endParaRPr lang="en-US" altLang="zh-CN" dirty="0" smtClean="0"/>
+          </a:p>
+          <a:p>
+            <a:r>
+              <a:rPr lang="zh-CN" altLang="en-US" dirty="0" smtClean="0"/>
+              <a:t>我们</a:t>
             </a:r>
             <a:r>
               <a:rPr lang="zh-CN" altLang="en-US" dirty="0"/>
-              <a:t>表示，变量一般就是</a:t>
-            </a:r>
-            <a:r>
-              <a:rPr lang="en-US" altLang="zh-CN" dirty="0"/>
-              <a:t>x</a:t>
+              <a:t>抽象的称他</a:t>
             </a:r>
             <a:r>
               <a:rPr lang="zh-CN" altLang="en-US" dirty="0" smtClean="0"/>
-              <a:t>，</a:t>
-            </a:r>
-            <a:r>
-              <a:rPr lang="en-US" altLang="zh-CN" i="1" dirty="0" smtClean="0"/>
-              <a:t>y</a:t>
-            </a:r>
-            <a:r>
-              <a:rPr lang="zh-CN" altLang="en-US" dirty="0"/>
-              <a:t>表示。它们有什么区别呢？</a:t>
-            </a:r>
-          </a:p>
-          <a:p>
-            <a:endParaRPr lang="en-US" altLang="zh-CN" dirty="0" smtClean="0"/>
-          </a:p>
-          <a:p>
-            <a:r>
-              <a:rPr lang="zh-CN" altLang="en-US" b="1" dirty="0"/>
-              <a:t>参数 </a:t>
-            </a:r>
-            <a:r>
-              <a:rPr lang="en-US" altLang="zh-CN" b="1" dirty="0"/>
-              <a:t>Parameter </a:t>
-            </a:r>
-            <a:r>
-              <a:rPr lang="zh-CN" altLang="en-US" b="1" dirty="0"/>
-              <a:t>的定义是</a:t>
-            </a:r>
-            <a:r>
-              <a:rPr lang="zh-CN" altLang="en-US" dirty="0"/>
-              <a:t>：</a:t>
-            </a:r>
-            <a:r>
-              <a:rPr lang="en-US" altLang="zh-CN" dirty="0"/>
-              <a:t>Parameters are usually used for defining some characteristics of the modeled object</a:t>
-            </a:r>
-            <a:r>
-              <a:rPr lang="en-US" altLang="zh-CN" dirty="0" smtClean="0"/>
-              <a:t>.</a:t>
-            </a:r>
-          </a:p>
-          <a:p>
-            <a:endParaRPr lang="en-US" altLang="zh-CN" dirty="0"/>
-          </a:p>
-          <a:p>
-            <a:r>
-              <a:rPr lang="zh-CN" altLang="en-US" b="1" dirty="0"/>
-              <a:t>变量的定义是</a:t>
-            </a:r>
-            <a:r>
-              <a:rPr lang="zh-CN" altLang="en-US" dirty="0"/>
-              <a:t>：</a:t>
-            </a:r>
-            <a:r>
-              <a:rPr lang="en-US" altLang="zh-CN" dirty="0"/>
-              <a:t>Variables are usually describing the state of the model.</a:t>
+              <a:t>为</a:t>
             </a:r>
             <a:endParaRPr lang="zh-CN" altLang="en-US" dirty="0"/>
           </a:p>
         </p:txBody>
       </p:sp>
+      <p:pic>
+        <p:nvPicPr>
+          <p:cNvPr id="4" name="图片 3"/>
+          <p:cNvPicPr>
+            <a:picLocks noChangeAspect="1"/>
+          </p:cNvPicPr>
+          <p:nvPr/>
+        </p:nvPicPr>
+        <p:blipFill>
+          <a:blip r:embed="rId2"/>
+          <a:stretch>
+            <a:fillRect/>
+          </a:stretch>
+        </p:blipFill>
+        <p:spPr>
+          <a:xfrm>
+            <a:off x="4481287" y="2910265"/>
+            <a:ext cx="3229426" cy="971686"/>
+          </a:xfrm>
+          <a:prstGeom prst="rect">
+            <a:avLst/>
+          </a:prstGeom>
+        </p:spPr>
+      </p:pic>
+      <p:pic>
+        <p:nvPicPr>
+          <p:cNvPr id="5" name="图片 4"/>
+          <p:cNvPicPr>
+            <a:picLocks noChangeAspect="1"/>
+          </p:cNvPicPr>
+          <p:nvPr/>
+        </p:nvPicPr>
+        <p:blipFill>
+          <a:blip r:embed="rId3"/>
+          <a:stretch>
+            <a:fillRect/>
+          </a:stretch>
+        </p:blipFill>
+        <p:spPr>
+          <a:xfrm>
+            <a:off x="3342891" y="4523616"/>
+            <a:ext cx="5506218" cy="885949"/>
+          </a:xfrm>
+          <a:prstGeom prst="rect">
+            <a:avLst/>
+          </a:prstGeom>
+        </p:spPr>
+      </p:pic>
     </p:spTree>
     <p:extLst>
       <p:ext uri="{BB962C8B-B14F-4D97-AF65-F5344CB8AC3E}">
-        <p14:creationId xmlns:p14="http://schemas.microsoft.com/office/powerpoint/2010/main" val="2805642731"/>
+        <p14:creationId xmlns:p14="http://schemas.microsoft.com/office/powerpoint/2010/main" val="3577721939"/>
       </p:ext>
     </p:extLst>
   </p:cSld>
@@ -3260,7 +3264,23 @@
           <a:bodyPr/>
           <a:lstStyle/>
           <a:p>
-            <a:endParaRPr lang="zh-CN" altLang="en-US"/>
+            <a:r>
+              <a:rPr lang="en-US" altLang="zh-CN" b="1" dirty="0" smtClean="0"/>
+              <a:t>Parameters </a:t>
+            </a:r>
+            <a:r>
+              <a:rPr lang="zh-CN" altLang="en-US" b="1" dirty="0" smtClean="0"/>
+              <a:t>参数 </a:t>
+            </a:r>
+            <a:r>
+              <a:rPr lang="en-US" altLang="zh-CN" b="1" dirty="0" smtClean="0"/>
+              <a:t>&amp; Variables </a:t>
+            </a:r>
+            <a:r>
+              <a:rPr lang="zh-CN" altLang="en-US" b="1" dirty="0" smtClean="0"/>
+              <a:t>变量</a:t>
+            </a:r>
+            <a:endParaRPr lang="zh-CN" altLang="en-US" dirty="0"/>
           </a:p>
         </p:txBody>
       </p:sp>
@@ -3274,15 +3294,51 @@
             <p:ph idx="1"/>
           </p:nvPr>
         </p:nvSpPr>
-        <p:spPr>
-          <a:xfrm>
-            <a:off x="838200" y="1917723"/>
-            <a:ext cx="10515600" cy="4351338"/>
-          </a:xfrm>
-        </p:spPr>
-        <p:txBody>
-          <a:bodyPr/>
-          <a:lstStyle/>
+        <p:spPr/>
+        <p:txBody>
+          <a:bodyPr/>
+          <a:lstStyle/>
+          <a:p>
+            <a:r>
+              <a:rPr lang="zh-CN" altLang="en-US" dirty="0" smtClean="0"/>
+              <a:t>模型</a:t>
+            </a:r>
+            <a:r>
+              <a:rPr lang="zh-CN" altLang="en-US" dirty="0"/>
+              <a:t>里面有参数和变量这两个东西，参数一般</a:t>
+            </a:r>
+            <a:r>
+              <a:rPr lang="zh-CN" altLang="en-US" dirty="0" smtClean="0"/>
+              <a:t>用</a:t>
+            </a:r>
+            <a:r>
+              <a:rPr lang="en-US" altLang="zh-CN" i="1" dirty="0" smtClean="0"/>
+              <a:t>θ</a:t>
+            </a:r>
+            <a:r>
+              <a:rPr lang="zh-CN" altLang="en-US" dirty="0"/>
+              <a:t>表示，变量一般就是</a:t>
+            </a:r>
+            <a:r>
+              <a:rPr lang="en-US" altLang="zh-CN" dirty="0"/>
+              <a:t>x</a:t>
+            </a:r>
+            <a:r>
+              <a:rPr lang="zh-CN" altLang="en-US" dirty="0" smtClean="0"/>
+              <a:t>，</a:t>
+            </a:r>
+            <a:r>
+              <a:rPr lang="en-US" altLang="zh-CN" i="1" dirty="0" smtClean="0"/>
+              <a:t>y</a:t>
+            </a:r>
+            <a:r>
+              <a:rPr lang="zh-CN" altLang="en-US" dirty="0"/>
+              <a:t>表示。它们有什么区别呢？</a:t>
+            </a:r>
+          </a:p>
+          <a:p>
+            <a:endParaRPr lang="en-US" altLang="zh-CN" dirty="0" smtClean="0"/>
+          </a:p>
           <a:p>
             <a:r>
               <a:rPr lang="zh-CN" altLang="en-US" b="1" dirty="0"/>
@@ -3314,27 +3370,17 @@
           </a:p>
           <a:p>
             <a:r>
+              <a:rPr lang="zh-CN" altLang="en-US" b="1" dirty="0"/>
+              <a:t>变量的定义是</a:t>
+            </a:r>
+            <a:r>
               <a:rPr lang="zh-CN" altLang="en-US" dirty="0"/>
-              <a:t>他的意思是说参数，是定义了一个模型的特征。例如一个车的模型，他的参数可以有，车的马力，车的重量，甚至有几个轮子。对于一个车来说这些量是固定的，不会改变，如果改变和几个量就变成了不同的模型。比如一个法拉利可以有 </a:t>
+              <a:t>：</a:t>
             </a:r>
             <a:r>
               <a:rPr lang="en-US" altLang="zh-CN" dirty="0"/>
-              <a:t>500 </a:t>
-            </a:r>
-            <a:r>
-              <a:rPr lang="zh-CN" altLang="en-US" dirty="0"/>
-              <a:t>马力，而一辆特斯拉可以有 </a:t>
-            </a:r>
-            <a:r>
-              <a:rPr lang="en-US" altLang="zh-CN" dirty="0"/>
-              <a:t>1100 </a:t>
-            </a:r>
-            <a:r>
-              <a:rPr lang="zh-CN" altLang="en-US" dirty="0"/>
-              <a:t>马力</a:t>
-            </a:r>
-          </a:p>
-          <a:p>
+              <a:t>Variables are usually describing the state of the model.</a:t>
+            </a:r>
             <a:endParaRPr lang="zh-CN" altLang="en-US" dirty="0"/>
           </a:p>
         </p:txBody>
@@ -3342,7 +3388,7 @@
     </p:spTree>
     <p:extLst>
       <p:ext uri="{BB962C8B-B14F-4D97-AF65-F5344CB8AC3E}">
-        <p14:creationId xmlns:p14="http://schemas.microsoft.com/office/powerpoint/2010/main" val="166814081"/>
+        <p14:creationId xmlns:p14="http://schemas.microsoft.com/office/powerpoint/2010/main" val="2805642731"/>
       </p:ext>
     </p:extLst>
   </p:cSld>
@@ -3405,6 +3451,137 @@
             <p:ph idx="1"/>
           </p:nvPr>
         </p:nvSpPr>
+        <p:spPr>
+          <a:xfrm>
+            <a:off x="838200" y="1917723"/>
+            <a:ext cx="10515600" cy="4351338"/>
+          </a:xfrm>
+        </p:spPr>
+        <p:txBody>
+          <a:bodyPr/>
+          <a:lstStyle/>
+          <a:p>
+            <a:r>
+              <a:rPr lang="zh-CN" altLang="en-US" b="1" dirty="0"/>
+              <a:t>参数 </a:t>
+            </a:r>
+            <a:r>
+              <a:rPr lang="en-US" altLang="zh-CN" b="1" dirty="0"/>
+              <a:t>Parameter </a:t>
+            </a:r>
+            <a:r>
+              <a:rPr lang="zh-CN" altLang="en-US" b="1" dirty="0"/>
+              <a:t>的定义是</a:t>
+            </a:r>
+            <a:r>
+              <a:rPr lang="zh-CN" altLang="en-US" dirty="0"/>
+              <a:t>：</a:t>
+            </a:r>
+            <a:r>
+              <a:rPr lang="en-US" altLang="zh-CN" dirty="0"/>
+              <a:t>Parameters are usually used for defining some characteristics of the modeled object</a:t>
+            </a:r>
+            <a:r>
+              <a:rPr lang="en-US" altLang="zh-CN" dirty="0" smtClean="0"/>
+              <a:t>.</a:t>
+            </a:r>
+          </a:p>
+          <a:p>
+            <a:endParaRPr lang="en-US" altLang="zh-CN" dirty="0"/>
+          </a:p>
+          <a:p>
+            <a:r>
+              <a:rPr lang="zh-CN" altLang="en-US" dirty="0"/>
+              <a:t>他的意思是说参数，是定义了一个模型的特征。例如一个车的模型，他的参数可以有，车的马力，车的重量，甚至有几个轮子。对于一个车来说这些量是固定的，不会改变，如果改变和几个量就变成了不同的模型。比如一个法拉利可以有 </a:t>
+            </a:r>
+            <a:r>
+              <a:rPr lang="en-US" altLang="zh-CN" dirty="0"/>
+              <a:t>500 </a:t>
+            </a:r>
+            <a:r>
+              <a:rPr lang="zh-CN" altLang="en-US" dirty="0"/>
+              <a:t>马力，而一辆特斯拉可以有 </a:t>
+            </a:r>
+            <a:r>
+              <a:rPr lang="en-US" altLang="zh-CN" dirty="0"/>
+              <a:t>1100 </a:t>
+            </a:r>
+            <a:r>
+              <a:rPr lang="zh-CN" altLang="en-US" dirty="0"/>
+              <a:t>马力</a:t>
+            </a:r>
+          </a:p>
+          <a:p>
+            <a:endParaRPr lang="zh-CN" altLang="en-US" dirty="0"/>
+          </a:p>
+        </p:txBody>
+      </p:sp>
+    </p:spTree>
+    <p:extLst>
+      <p:ext uri="{BB962C8B-B14F-4D97-AF65-F5344CB8AC3E}">
+        <p14:creationId xmlns:p14="http://schemas.microsoft.com/office/powerpoint/2010/main" val="166814081"/>
+      </p:ext>
+    </p:extLst>
+  </p:cSld>
+  <p:clrMapOvr>
+    <a:masterClrMapping/>
+  </p:clrMapOvr>
+  <p:timing>
+    <p:tnLst>
+      <p:par>
+        <p:cTn id="1" dur="indefinite" restart="never" nodeType="tmRoot"/>
+      </p:par>
+    </p:tnLst>
+  </p:timing>
+</p:sld>
+</file>
+
+<file path=ppt/slides/slide13.xml><?xml version="1.0" encoding="utf-8"?>
+<p:sld xmlns:a="http://schemas.openxmlformats.org/drawingml/2006/main" xmlns:r="http://schemas.openxmlformats.org/officeDocument/2006/relationships" xmlns:p="http://schemas.openxmlformats.org/presentationml/2006/main">
+  <p:cSld>
+    <p:spTree>
+      <p:nvGrpSpPr>
+        <p:cNvPr id="1" name=""/>
+        <p:cNvGrpSpPr/>
+        <p:nvPr/>
+      </p:nvGrpSpPr>
+      <p:grpSpPr>
+        <a:xfrm>
+          <a:off x="0" y="0"/>
+          <a:ext cx="0" cy="0"/>
+          <a:chOff x="0" y="0"/>
+          <a:chExt cx="0" cy="0"/>
+        </a:xfrm>
+      </p:grpSpPr>
+      <p:sp>
+        <p:nvSpPr>
+          <p:cNvPr id="2" name="标题 1"/>
+          <p:cNvSpPr>
+            <a:spLocks noGrp="1"/>
+          </p:cNvSpPr>
+          <p:nvPr>
+            <p:ph type="title"/>
+          </p:nvPr>
+        </p:nvSpPr>
+        <p:spPr/>
+        <p:txBody>
+          <a:bodyPr/>
+          <a:lstStyle/>
+          <a:p>
+            <a:endParaRPr lang="zh-CN" altLang="en-US"/>
+          </a:p>
+        </p:txBody>
+      </p:sp>
+      <p:sp>
+        <p:nvSpPr>
+          <p:cNvPr id="3" name="内容占位符 2"/>
+          <p:cNvSpPr>
+            <a:spLocks noGrp="1"/>
+          </p:cNvSpPr>
+          <p:nvPr>
+            <p:ph idx="1"/>
+          </p:nvPr>
+        </p:nvSpPr>
         <p:spPr/>
         <p:txBody>
           <a:bodyPr/>
@@ -3518,7 +3695,7 @@
 </p:sld>
 </file>
 
-<file path=ppt/slides/slide13.xml><?xml version="1.0" encoding="utf-8"?>
+<file path=ppt/slides/slide14.xml><?xml version="1.0" encoding="utf-8"?>
 <p:sld xmlns:a="http://schemas.openxmlformats.org/drawingml/2006/main" xmlns:r="http://schemas.openxmlformats.org/officeDocument/2006/relationships" xmlns:p="http://schemas.openxmlformats.org/presentationml/2006/main">
   <p:cSld>
     <p:spTree>
@@ -3659,7 +3836,7 @@
 </p:sld>
 </file>
 
-<file path=ppt/slides/slide14.xml><?xml version="1.0" encoding="utf-8"?>
+<file path=ppt/slides/slide15.xml><?xml version="1.0" encoding="utf-8"?>
 <p:sld xmlns:a="http://schemas.openxmlformats.org/drawingml/2006/main" xmlns:r="http://schemas.openxmlformats.org/officeDocument/2006/relationships" xmlns:p="http://schemas.openxmlformats.org/presentationml/2006/main">
   <p:cSld>
     <p:spTree>
@@ -3782,7 +3959,7 @@
 </p:sld>
 </file>
 
-<file path=ppt/slides/slide15.xml><?xml version="1.0" encoding="utf-8"?>
+<file path=ppt/slides/slide16.xml><?xml version="1.0" encoding="utf-8"?>
 <p:sld xmlns:a="http://schemas.openxmlformats.org/drawingml/2006/main" xmlns:r="http://schemas.openxmlformats.org/officeDocument/2006/relationships" xmlns:p="http://schemas.openxmlformats.org/presentationml/2006/main">
   <p:cSld>
     <p:spTree>
@@ -4173,163 +4350,6 @@
 </p:sld>
 </file>
 
-<file path=ppt/slides/slide16.xml><?xml version="1.0" encoding="utf-8"?>
-<p:sld xmlns:a="http://schemas.openxmlformats.org/drawingml/2006/main" xmlns:r="http://schemas.openxmlformats.org/officeDocument/2006/relationships" xmlns:p="http://schemas.openxmlformats.org/presentationml/2006/main">
-  <p:cSld>
-    <p:spTree>
-      <p:nvGrpSpPr>
-        <p:cNvPr id="1" name=""/>
-        <p:cNvGrpSpPr/>
-        <p:nvPr/>
-      </p:nvGrpSpPr>
-      <p:grpSpPr>
-        <a:xfrm>
-          <a:off x="0" y="0"/>
-          <a:ext cx="0" cy="0"/>
-          <a:chOff x="0" y="0"/>
-          <a:chExt cx="0" cy="0"/>
-        </a:xfrm>
-      </p:grpSpPr>
-      <p:sp>
-        <p:nvSpPr>
-          <p:cNvPr id="2" name="标题 1"/>
-          <p:cNvSpPr>
-            <a:spLocks noGrp="1"/>
-          </p:cNvSpPr>
-          <p:nvPr>
-            <p:ph type="title"/>
-          </p:nvPr>
-        </p:nvSpPr>
-        <p:spPr/>
-        <p:txBody>
-          <a:bodyPr/>
-          <a:lstStyle/>
-          <a:p>
-            <a:r>
-              <a:rPr lang="zh-CN" altLang="en-US" dirty="0" smtClean="0"/>
-              <a:t>数学建模主要方法</a:t>
-            </a:r>
-            <a:endParaRPr lang="zh-CN" altLang="en-US" dirty="0"/>
-          </a:p>
-        </p:txBody>
-      </p:sp>
-      <p:sp>
-        <p:nvSpPr>
-          <p:cNvPr id="3" name="内容占位符 2"/>
-          <p:cNvSpPr>
-            <a:spLocks noGrp="1"/>
-          </p:cNvSpPr>
-          <p:nvPr>
-            <p:ph idx="1"/>
-          </p:nvPr>
-        </p:nvSpPr>
-        <p:spPr/>
-        <p:txBody>
-          <a:bodyPr/>
-          <a:lstStyle/>
-          <a:p>
-            <a:r>
-              <a:rPr lang="zh-CN" altLang="en-US" dirty="0" smtClean="0"/>
-              <a:t>基于机理</a:t>
-            </a:r>
-            <a:endParaRPr lang="en-US" altLang="zh-CN" dirty="0" smtClean="0"/>
-          </a:p>
-          <a:p>
-            <a:pPr lvl="1"/>
-            <a:r>
-              <a:rPr lang="zh-CN" altLang="en-US" dirty="0" smtClean="0"/>
-              <a:t>代数方法：建立各个变量之间的联系</a:t>
-            </a:r>
-            <a:endParaRPr lang="en-US" altLang="zh-CN" dirty="0" smtClean="0"/>
-          </a:p>
-          <a:p>
-            <a:pPr lvl="1"/>
-            <a:r>
-              <a:rPr lang="zh-CN" altLang="en-US" dirty="0"/>
-              <a:t>逻辑</a:t>
-            </a:r>
-            <a:r>
-              <a:rPr lang="zh-CN" altLang="en-US" dirty="0" smtClean="0"/>
-              <a:t>方法：通过逻辑判断实现模型</a:t>
-            </a:r>
-            <a:endParaRPr lang="en-US" altLang="zh-CN" dirty="0" smtClean="0"/>
-          </a:p>
-          <a:p>
-            <a:pPr lvl="1"/>
-            <a:r>
-              <a:rPr lang="zh-CN" altLang="en-US" dirty="0" smtClean="0"/>
-              <a:t>微分方程：世界万物间的关系都可以用微分方程表示</a:t>
-            </a:r>
-            <a:endParaRPr lang="en-US" altLang="zh-CN" dirty="0" smtClean="0"/>
-          </a:p>
-          <a:p>
-            <a:r>
-              <a:rPr lang="zh-CN" altLang="en-US" dirty="0" smtClean="0"/>
-              <a:t>优化问题：</a:t>
-            </a:r>
-            <a:endParaRPr lang="en-US" altLang="zh-CN" dirty="0" smtClean="0"/>
-          </a:p>
-          <a:p>
-            <a:pPr lvl="1"/>
-            <a:r>
-              <a:rPr lang="zh-CN" altLang="en-US" dirty="0" smtClean="0"/>
-              <a:t>寻找一个目标的最小值</a:t>
-            </a:r>
-            <a:endParaRPr lang="en-US" altLang="zh-CN" dirty="0" smtClean="0"/>
-          </a:p>
-          <a:p>
-            <a:r>
-              <a:rPr lang="zh-CN" altLang="en-US" dirty="0"/>
-              <a:t>基于</a:t>
-            </a:r>
-            <a:r>
-              <a:rPr lang="zh-CN" altLang="en-US" dirty="0" smtClean="0"/>
-              <a:t>数据</a:t>
-            </a:r>
-            <a:endParaRPr lang="en-US" altLang="zh-CN" dirty="0" smtClean="0"/>
-          </a:p>
-          <a:p>
-            <a:pPr lvl="1"/>
-            <a:r>
-              <a:rPr lang="zh-CN" altLang="en-US" dirty="0" smtClean="0"/>
-              <a:t>基本统计学</a:t>
-            </a:r>
-            <a:endParaRPr lang="en-US" altLang="zh-CN" dirty="0" smtClean="0"/>
-          </a:p>
-          <a:p>
-            <a:pPr lvl="1"/>
-            <a:r>
-              <a:rPr lang="zh-CN" altLang="en-US" dirty="0" smtClean="0"/>
-              <a:t>回归分析，分类，聚类</a:t>
-            </a:r>
-            <a:endParaRPr lang="en-US" altLang="zh-CN" dirty="0" smtClean="0"/>
-          </a:p>
-          <a:p>
-            <a:pPr lvl="1"/>
-            <a:endParaRPr lang="en-US" altLang="zh-CN" dirty="0" smtClean="0"/>
-          </a:p>
-        </p:txBody>
-      </p:sp>
-    </p:spTree>
-    <p:extLst>
-      <p:ext uri="{BB962C8B-B14F-4D97-AF65-F5344CB8AC3E}">
-        <p14:creationId xmlns:p14="http://schemas.microsoft.com/office/powerpoint/2010/main" val="3807848905"/>
-      </p:ext>
-    </p:extLst>
-  </p:cSld>
-  <p:clrMapOvr>
-    <a:masterClrMapping/>
-  </p:clrMapOvr>
-  <p:timing>
-    <p:tnLst>
-      <p:par>
-        <p:cTn id="1" dur="indefinite" restart="never" nodeType="tmRoot"/>
-      </p:par>
-    </p:tnLst>
-  </p:timing>
-</p:sld>
-</file>
-
 <file path=ppt/slides/slide17.xml><?xml version="1.0" encoding="utf-8"?>
 <p:sld xmlns:a="http://schemas.openxmlformats.org/drawingml/2006/main" xmlns:r="http://schemas.openxmlformats.org/officeDocument/2006/relationships" xmlns:p="http://schemas.openxmlformats.org/presentationml/2006/main">
   <p:cSld>
@@ -4363,12 +4383,8 @@
           <a:lstStyle/>
           <a:p>
             <a:r>
-              <a:rPr lang="zh-CN" altLang="en-US" b="1" dirty="0"/>
-              <a:t>为什么我们要学 </a:t>
-            </a:r>
-            <a:r>
-              <a:rPr lang="en-US" altLang="zh-CN" b="1" dirty="0" smtClean="0"/>
-              <a:t>Python</a:t>
+              <a:rPr lang="zh-CN" altLang="en-US" dirty="0" smtClean="0"/>
+              <a:t>数学建模主要方法</a:t>
             </a:r>
             <a:endParaRPr lang="zh-CN" altLang="en-US" dirty="0"/>
           </a:p>
@@ -4390,40 +4406,91 @@
           <a:lstStyle/>
           <a:p>
             <a:r>
+              <a:rPr lang="zh-CN" altLang="en-US" dirty="0" smtClean="0"/>
+              <a:t>基于机理</a:t>
+            </a:r>
+            <a:endParaRPr lang="en-US" altLang="zh-CN" dirty="0" smtClean="0"/>
+          </a:p>
+          <a:p>
+            <a:pPr lvl="1"/>
+            <a:r>
+              <a:rPr lang="zh-CN" altLang="en-US" dirty="0" smtClean="0"/>
+              <a:t>代数方法：建立各个变量之间的联系</a:t>
+            </a:r>
+            <a:endParaRPr lang="en-US" altLang="zh-CN" dirty="0" smtClean="0"/>
+          </a:p>
+          <a:p>
+            <a:pPr lvl="1"/>
+            <a:r>
               <a:rPr lang="zh-CN" altLang="en-US" dirty="0"/>
-              <a:t>数学建模啥的，不一定要用 </a:t>
-            </a:r>
-            <a:r>
-              <a:rPr lang="en-US" altLang="zh-CN" dirty="0"/>
-              <a:t>Python</a:t>
-            </a:r>
+              <a:t>逻辑</a:t>
+            </a:r>
+            <a:r>
+              <a:rPr lang="zh-CN" altLang="en-US" dirty="0" smtClean="0"/>
+              <a:t>方法：通过逻辑判断实现模型</a:t>
+            </a:r>
+            <a:endParaRPr lang="en-US" altLang="zh-CN" dirty="0" smtClean="0"/>
+          </a:p>
+          <a:p>
+            <a:pPr lvl="1"/>
+            <a:r>
+              <a:rPr lang="zh-CN" altLang="en-US" dirty="0" smtClean="0"/>
+              <a:t>微分方程：世界万物间的关系都可以用微分方程表示</a:t>
+            </a:r>
+            <a:endParaRPr lang="en-US" altLang="zh-CN" dirty="0" smtClean="0"/>
+          </a:p>
+          <a:p>
+            <a:r>
+              <a:rPr lang="zh-CN" altLang="en-US" dirty="0" smtClean="0"/>
+              <a:t>优化问题：</a:t>
+            </a:r>
+            <a:endParaRPr lang="en-US" altLang="zh-CN" dirty="0" smtClean="0"/>
+          </a:p>
+          <a:p>
+            <a:pPr lvl="1"/>
+            <a:r>
+              <a:rPr lang="zh-CN" altLang="en-US" dirty="0" smtClean="0"/>
+              <a:t>寻找一个目标的最小值</a:t>
+            </a:r>
+            <a:endParaRPr lang="en-US" altLang="zh-CN" dirty="0" smtClean="0"/>
+          </a:p>
+          <a:p>
             <a:r>
               <a:rPr lang="zh-CN" altLang="en-US" dirty="0"/>
-              <a:t>，但是是需要使用计算机编程</a:t>
-            </a:r>
-          </a:p>
-          <a:p>
+              <a:t>基于</a:t>
+            </a:r>
             <a:r>
               <a:rPr lang="zh-CN" altLang="en-US" dirty="0" smtClean="0"/>
-              <a:t>为啥不用</a:t>
-            </a:r>
-            <a:r>
-              <a:rPr lang="en-US" altLang="zh-CN" dirty="0" smtClean="0"/>
-              <a:t>C/C++?</a:t>
-            </a:r>
-          </a:p>
-          <a:p>
-            <a:r>
-              <a:rPr lang="zh-CN" altLang="en-US" dirty="0"/>
-              <a:t>其实学啥都一样，别纠结。</a:t>
-            </a:r>
+              <a:t>数据</a:t>
+            </a:r>
+            <a:endParaRPr lang="en-US" altLang="zh-CN" dirty="0" smtClean="0"/>
+          </a:p>
+          <a:p>
+            <a:pPr lvl="1"/>
+            <a:r>
+              <a:rPr lang="zh-CN" altLang="en-US" dirty="0" smtClean="0"/>
+              <a:t>基本统计学</a:t>
+            </a:r>
+            <a:endParaRPr lang="en-US" altLang="zh-CN" dirty="0" smtClean="0"/>
+          </a:p>
+          <a:p>
+            <a:pPr lvl="1"/>
+            <a:r>
+              <a:rPr lang="zh-CN" altLang="en-US" dirty="0" smtClean="0"/>
+              <a:t>回归分析，分类，聚类</a:t>
+            </a:r>
+            <a:endParaRPr lang="en-US" altLang="zh-CN" dirty="0" smtClean="0"/>
+          </a:p>
+          <a:p>
+            <a:pPr lvl="1"/>
+            <a:endParaRPr lang="en-US" altLang="zh-CN" dirty="0" smtClean="0"/>
           </a:p>
         </p:txBody>
       </p:sp>
     </p:spTree>
     <p:extLst>
       <p:ext uri="{BB962C8B-B14F-4D97-AF65-F5344CB8AC3E}">
-        <p14:creationId xmlns:p14="http://schemas.microsoft.com/office/powerpoint/2010/main" val="3164419399"/>
+        <p14:creationId xmlns:p14="http://schemas.microsoft.com/office/powerpoint/2010/main" val="3807848905"/>
       </p:ext>
     </p:extLst>
   </p:cSld>
@@ -4473,82 +4540,67 @@
           <a:lstStyle/>
           <a:p>
             <a:r>
+              <a:rPr lang="zh-CN" altLang="en-US" b="1" dirty="0"/>
+              <a:t>为什么我们要学 </a:t>
+            </a:r>
+            <a:r>
+              <a:rPr lang="en-US" altLang="zh-CN" b="1" dirty="0" smtClean="0"/>
+              <a:t>Python</a:t>
+            </a:r>
+            <a:endParaRPr lang="zh-CN" altLang="en-US" dirty="0"/>
+          </a:p>
+        </p:txBody>
+      </p:sp>
+      <p:sp>
+        <p:nvSpPr>
+          <p:cNvPr id="3" name="内容占位符 2"/>
+          <p:cNvSpPr>
+            <a:spLocks noGrp="1"/>
+          </p:cNvSpPr>
+          <p:nvPr>
+            <p:ph idx="1"/>
+          </p:nvPr>
+        </p:nvSpPr>
+        <p:spPr/>
+        <p:txBody>
+          <a:bodyPr/>
+          <a:lstStyle/>
+          <a:p>
+            <a:r>
+              <a:rPr lang="zh-CN" altLang="en-US" dirty="0"/>
+              <a:t>数学建模啥的，不一定要用 </a:t>
+            </a:r>
+            <a:r>
+              <a:rPr lang="en-US" altLang="zh-CN" dirty="0"/>
+              <a:t>Python</a:t>
+            </a:r>
+            <a:r>
+              <a:rPr lang="zh-CN" altLang="en-US" dirty="0"/>
+              <a:t>，但是是需要使用计算机编程</a:t>
+            </a:r>
+          </a:p>
+          <a:p>
+            <a:r>
               <a:rPr lang="zh-CN" altLang="en-US" dirty="0" smtClean="0"/>
-              <a:t>关于这个课</a:t>
-            </a:r>
-            <a:endParaRPr lang="zh-CN" altLang="en-US" dirty="0"/>
-          </a:p>
-        </p:txBody>
-      </p:sp>
-      <p:sp>
-        <p:nvSpPr>
-          <p:cNvPr id="3" name="内容占位符 2"/>
-          <p:cNvSpPr>
-            <a:spLocks noGrp="1"/>
-          </p:cNvSpPr>
-          <p:nvPr>
-            <p:ph idx="1"/>
-          </p:nvPr>
-        </p:nvSpPr>
-        <p:spPr/>
-        <p:txBody>
-          <a:bodyPr/>
-          <a:lstStyle/>
-          <a:p>
-            <a:r>
-              <a:rPr lang="zh-CN" altLang="en-US" dirty="0" smtClean="0"/>
-              <a:t>我们主要讲面向工程应用的</a:t>
+              <a:t>为啥不用</a:t>
             </a:r>
             <a:r>
               <a:rPr lang="en-US" altLang="zh-CN" dirty="0" smtClean="0"/>
-              <a:t>Python</a:t>
-            </a:r>
-            <a:r>
-              <a:rPr lang="zh-CN" altLang="en-US" dirty="0" smtClean="0"/>
-              <a:t>和数学技术</a:t>
-            </a:r>
-            <a:endParaRPr lang="en-US" altLang="zh-CN" dirty="0" smtClean="0"/>
-          </a:p>
-          <a:p>
-            <a:r>
-              <a:rPr lang="zh-CN" altLang="en-US" dirty="0" smtClean="0"/>
-              <a:t>其中有很多都可以引用与数学建模比赛，因为比赛也是是基于实际</a:t>
-            </a:r>
+              <a:t>C/C++?</a:t>
+            </a:r>
+          </a:p>
+          <a:p>
             <a:r>
               <a:rPr lang="zh-CN" altLang="en-US" dirty="0"/>
-              <a:t>应用</a:t>
-            </a:r>
-            <a:r>
-              <a:rPr lang="zh-CN" altLang="en-US" dirty="0" smtClean="0"/>
-              <a:t>的</a:t>
-            </a:r>
-            <a:endParaRPr lang="en-US" altLang="zh-CN" dirty="0" smtClean="0"/>
-          </a:p>
-          <a:p>
-            <a:r>
-              <a:rPr lang="zh-CN" altLang="en-US" dirty="0"/>
-              <a:t>是一</a:t>
-            </a:r>
-            <a:r>
-              <a:rPr lang="zh-CN" altLang="en-US" dirty="0" smtClean="0"/>
-              <a:t>门非常实用的课，你以后科研、工作，只要不是转文科了，</a:t>
-            </a:r>
-            <a:r>
-              <a:rPr lang="en-US" altLang="zh-CN" dirty="0" smtClean="0"/>
-              <a:t>100%</a:t>
-            </a:r>
-            <a:r>
-              <a:rPr lang="zh-CN" altLang="en-US" dirty="0" smtClean="0"/>
-              <a:t>用得上。</a:t>
-            </a:r>
-            <a:endParaRPr lang="en-US" altLang="zh-CN" dirty="0" smtClean="0"/>
+              <a:t>其实学啥都一样，别纠结。</a:t>
+            </a:r>
           </a:p>
         </p:txBody>
       </p:sp>
     </p:spTree>
     <p:extLst>
       <p:ext uri="{BB962C8B-B14F-4D97-AF65-F5344CB8AC3E}">
-        <p14:creationId xmlns:p14="http://schemas.microsoft.com/office/powerpoint/2010/main" val="3784256098"/>
+        <p14:creationId xmlns:p14="http://schemas.microsoft.com/office/powerpoint/2010/main" val="3164419399"/>
       </p:ext>
     </p:extLst>
   </p:cSld>
@@ -4621,55 +4673,59 @@
           <a:lstStyle/>
           <a:p>
             <a:r>
+              <a:rPr lang="zh-CN" altLang="en-US" dirty="0" smtClean="0"/>
+              <a:t>我们主要讲面向工程应用的</a:t>
+            </a:r>
+            <a:r>
               <a:rPr lang="en-US" altLang="zh-CN" dirty="0" smtClean="0"/>
               <a:t>Python</a:t>
             </a:r>
             <a:r>
               <a:rPr lang="zh-CN" altLang="en-US" dirty="0" smtClean="0"/>
-              <a:t>基础</a:t>
+              <a:t>和数学技术</a:t>
             </a:r>
             <a:endParaRPr lang="en-US" altLang="zh-CN" dirty="0" smtClean="0"/>
           </a:p>
           <a:p>
             <a:r>
               <a:rPr lang="zh-CN" altLang="en-US" dirty="0" smtClean="0"/>
-              <a:t>基于微分方程的建模</a:t>
+              <a:t>其中有很多都可以引用与数学建模比赛，因为比赛也是是基于实际</a:t>
+            </a:r>
+            <a:r>
+              <a:rPr lang="zh-CN" altLang="en-US" dirty="0"/>
+              <a:t>应用</a:t>
+            </a:r>
+            <a:r>
+              <a:rPr lang="zh-CN" altLang="en-US" dirty="0" smtClean="0"/>
+              <a:t>的</a:t>
             </a:r>
             <a:endParaRPr lang="en-US" altLang="zh-CN" dirty="0" smtClean="0"/>
           </a:p>
           <a:p>
             <a:r>
+              <a:rPr lang="zh-CN" altLang="en-US" dirty="0"/>
+              <a:t>是一</a:t>
+            </a:r>
+            <a:r>
               <a:rPr lang="zh-CN" altLang="en-US" dirty="0" smtClean="0"/>
-              <a:t>线性规划问题</a:t>
+              <a:t>门非常实用的课，你以后科研、工作，只要不是转文科了，</a:t>
+            </a:r>
+            <a:r>
+              <a:rPr lang="en-US" altLang="zh-CN" dirty="0" smtClean="0"/>
+              <a:t>100%</a:t>
+            </a:r>
+            <a:r>
+              <a:rPr lang="zh-CN" altLang="en-US" dirty="0" smtClean="0"/>
+              <a:t>用得上。</a:t>
             </a:r>
             <a:endParaRPr lang="en-US" altLang="zh-CN" dirty="0" smtClean="0"/>
-          </a:p>
-          <a:p>
-            <a:r>
-              <a:rPr lang="zh-CN" altLang="en-US" dirty="0" smtClean="0"/>
-              <a:t>优化问题</a:t>
-            </a:r>
-            <a:endParaRPr lang="en-US" altLang="zh-CN" dirty="0" smtClean="0"/>
-          </a:p>
-          <a:p>
-            <a:r>
-              <a:rPr lang="zh-CN" altLang="en-US" dirty="0" smtClean="0"/>
-              <a:t>基本的数据统计</a:t>
-            </a:r>
-            <a:endParaRPr lang="en-US" altLang="zh-CN" dirty="0" smtClean="0"/>
-          </a:p>
-          <a:p>
-            <a:r>
-              <a:rPr lang="zh-CN" altLang="en-US" dirty="0"/>
-              <a:t>机器学习</a:t>
-            </a:r>
           </a:p>
         </p:txBody>
       </p:sp>
     </p:spTree>
     <p:extLst>
       <p:ext uri="{BB962C8B-B14F-4D97-AF65-F5344CB8AC3E}">
-        <p14:creationId xmlns:p14="http://schemas.microsoft.com/office/powerpoint/2010/main" val="3552787960"/>
+        <p14:creationId xmlns:p14="http://schemas.microsoft.com/office/powerpoint/2010/main" val="3784256098"/>
       </p:ext>
     </p:extLst>
   </p:cSld>
@@ -4780,6 +4836,127 @@
 </file>
 
 <file path=ppt/slides/slide20.xml><?xml version="1.0" encoding="utf-8"?>
+<p:sld xmlns:a="http://schemas.openxmlformats.org/drawingml/2006/main" xmlns:r="http://schemas.openxmlformats.org/officeDocument/2006/relationships" xmlns:p="http://schemas.openxmlformats.org/presentationml/2006/main">
+  <p:cSld>
+    <p:spTree>
+      <p:nvGrpSpPr>
+        <p:cNvPr id="1" name=""/>
+        <p:cNvGrpSpPr/>
+        <p:nvPr/>
+      </p:nvGrpSpPr>
+      <p:grpSpPr>
+        <a:xfrm>
+          <a:off x="0" y="0"/>
+          <a:ext cx="0" cy="0"/>
+          <a:chOff x="0" y="0"/>
+          <a:chExt cx="0" cy="0"/>
+        </a:xfrm>
+      </p:grpSpPr>
+      <p:sp>
+        <p:nvSpPr>
+          <p:cNvPr id="2" name="标题 1"/>
+          <p:cNvSpPr>
+            <a:spLocks noGrp="1"/>
+          </p:cNvSpPr>
+          <p:nvPr>
+            <p:ph type="title"/>
+          </p:nvPr>
+        </p:nvSpPr>
+        <p:spPr/>
+        <p:txBody>
+          <a:bodyPr/>
+          <a:lstStyle/>
+          <a:p>
+            <a:r>
+              <a:rPr lang="zh-CN" altLang="en-US" dirty="0" smtClean="0"/>
+              <a:t>关于这个课</a:t>
+            </a:r>
+            <a:endParaRPr lang="zh-CN" altLang="en-US" dirty="0"/>
+          </a:p>
+        </p:txBody>
+      </p:sp>
+      <p:sp>
+        <p:nvSpPr>
+          <p:cNvPr id="3" name="内容占位符 2"/>
+          <p:cNvSpPr>
+            <a:spLocks noGrp="1"/>
+          </p:cNvSpPr>
+          <p:nvPr>
+            <p:ph idx="1"/>
+          </p:nvPr>
+        </p:nvSpPr>
+        <p:spPr/>
+        <p:txBody>
+          <a:bodyPr/>
+          <a:lstStyle/>
+          <a:p>
+            <a:r>
+              <a:rPr lang="en-US" altLang="zh-CN" dirty="0" smtClean="0"/>
+              <a:t>Python</a:t>
+            </a:r>
+            <a:r>
+              <a:rPr lang="zh-CN" altLang="en-US" dirty="0" smtClean="0"/>
+              <a:t>基础</a:t>
+            </a:r>
+            <a:endParaRPr lang="en-US" altLang="zh-CN" dirty="0" smtClean="0"/>
+          </a:p>
+          <a:p>
+            <a:r>
+              <a:rPr lang="zh-CN" altLang="en-US" dirty="0" smtClean="0"/>
+              <a:t>基于微分方程的建模</a:t>
+            </a:r>
+            <a:endParaRPr lang="en-US" altLang="zh-CN" dirty="0" smtClean="0"/>
+          </a:p>
+          <a:p>
+            <a:r>
+              <a:rPr lang="zh-CN" altLang="en-US" dirty="0" smtClean="0"/>
+              <a:t>线性规划问题</a:t>
+            </a:r>
+            <a:endParaRPr lang="en-US" altLang="zh-CN" dirty="0" smtClean="0"/>
+          </a:p>
+          <a:p>
+            <a:r>
+              <a:rPr lang="zh-CN" altLang="en-US" dirty="0" smtClean="0"/>
+              <a:t>优化问题</a:t>
+            </a:r>
+            <a:endParaRPr lang="en-US" altLang="zh-CN" dirty="0" smtClean="0"/>
+          </a:p>
+          <a:p>
+            <a:r>
+              <a:rPr lang="zh-CN" altLang="en-US" dirty="0" smtClean="0"/>
+              <a:t>基本的数据统计</a:t>
+            </a:r>
+            <a:endParaRPr lang="en-US" altLang="zh-CN" dirty="0" smtClean="0"/>
+          </a:p>
+          <a:p>
+            <a:r>
+              <a:rPr lang="zh-CN" altLang="en-US" dirty="0"/>
+              <a:t>机器学习</a:t>
+            </a:r>
+          </a:p>
+        </p:txBody>
+      </p:sp>
+    </p:spTree>
+    <p:extLst>
+      <p:ext uri="{BB962C8B-B14F-4D97-AF65-F5344CB8AC3E}">
+        <p14:creationId xmlns:p14="http://schemas.microsoft.com/office/powerpoint/2010/main" val="3552787960"/>
+      </p:ext>
+    </p:extLst>
+  </p:cSld>
+  <p:clrMapOvr>
+    <a:masterClrMapping/>
+  </p:clrMapOvr>
+  <p:timing>
+    <p:tnLst>
+      <p:par>
+        <p:cTn id="1" dur="indefinite" restart="never" nodeType="tmRoot"/>
+      </p:par>
+    </p:tnLst>
+  </p:timing>
+</p:sld>
+</file>
+
+<file path=ppt/slides/slide21.xml><?xml version="1.0" encoding="utf-8"?>
 <p:sld xmlns:a="http://schemas.openxmlformats.org/drawingml/2006/main" xmlns:r="http://schemas.openxmlformats.org/officeDocument/2006/relationships" xmlns:p="http://schemas.openxmlformats.org/presentationml/2006/main">
   <p:cSld>
     <p:spTree>
@@ -6187,92 +6364,6 @@
 </p:sld>
 </file>
 
-<file path=ppt/slides/slide21.xml><?xml version="1.0" encoding="utf-8"?>
-<p:sld xmlns:a="http://schemas.openxmlformats.org/drawingml/2006/main" xmlns:r="http://schemas.openxmlformats.org/officeDocument/2006/relationships" xmlns:p="http://schemas.openxmlformats.org/presentationml/2006/main">
-  <p:cSld>
-    <p:spTree>
-      <p:nvGrpSpPr>
-        <p:cNvPr id="1" name=""/>
-        <p:cNvGrpSpPr/>
-        <p:nvPr/>
-      </p:nvGrpSpPr>
-      <p:grpSpPr>
-        <a:xfrm>
-          <a:off x="0" y="0"/>
-          <a:ext cx="0" cy="0"/>
-          <a:chOff x="0" y="0"/>
-          <a:chExt cx="0" cy="0"/>
-        </a:xfrm>
-      </p:grpSpPr>
-      <p:sp>
-        <p:nvSpPr>
-          <p:cNvPr id="2" name="标题 1"/>
-          <p:cNvSpPr>
-            <a:spLocks noGrp="1"/>
-          </p:cNvSpPr>
-          <p:nvPr>
-            <p:ph type="title"/>
-          </p:nvPr>
-        </p:nvSpPr>
-        <p:spPr/>
-        <p:txBody>
-          <a:bodyPr/>
-          <a:lstStyle/>
-          <a:p>
-            <a:r>
-              <a:rPr lang="zh-CN" altLang="en-US" dirty="0"/>
-              <a:t>本节课</a:t>
-            </a:r>
-          </a:p>
-        </p:txBody>
-      </p:sp>
-      <p:sp>
-        <p:nvSpPr>
-          <p:cNvPr id="3" name="内容占位符 2"/>
-          <p:cNvSpPr>
-            <a:spLocks noGrp="1"/>
-          </p:cNvSpPr>
-          <p:nvPr>
-            <p:ph idx="1"/>
-          </p:nvPr>
-        </p:nvSpPr>
-        <p:spPr/>
-        <p:txBody>
-          <a:bodyPr/>
-          <a:lstStyle/>
-          <a:p>
-            <a:r>
-              <a:rPr lang="en-US" altLang="zh-CN" b="1" dirty="0" smtClean="0"/>
-              <a:t>Python </a:t>
-            </a:r>
-            <a:r>
-              <a:rPr lang="zh-CN" altLang="en-US" b="1" dirty="0" smtClean="0"/>
-              <a:t>基础</a:t>
-            </a:r>
-            <a:endParaRPr lang="zh-CN" altLang="en-US" dirty="0"/>
-          </a:p>
-        </p:txBody>
-      </p:sp>
-    </p:spTree>
-    <p:extLst>
-      <p:ext uri="{BB962C8B-B14F-4D97-AF65-F5344CB8AC3E}">
-        <p14:creationId xmlns:p14="http://schemas.microsoft.com/office/powerpoint/2010/main" val="3100484949"/>
-      </p:ext>
-    </p:extLst>
-  </p:cSld>
-  <p:clrMapOvr>
-    <a:masterClrMapping/>
-  </p:clrMapOvr>
-  <p:timing>
-    <p:tnLst>
-      <p:par>
-        <p:cTn id="1" dur="indefinite" restart="never" nodeType="tmRoot"/>
-      </p:par>
-    </p:tnLst>
-  </p:timing>
-</p:sld>
-</file>
-
 <file path=ppt/slides/slide22.xml><?xml version="1.0" encoding="utf-8"?>
 <p:sld xmlns:a="http://schemas.openxmlformats.org/drawingml/2006/main" xmlns:r="http://schemas.openxmlformats.org/officeDocument/2006/relationships" xmlns:p="http://schemas.openxmlformats.org/presentationml/2006/main">
   <p:cSld>
@@ -6306,72 +6397,35 @@
           <a:lstStyle/>
           <a:p>
             <a:r>
-              <a:rPr lang="en-US" altLang="zh-CN" b="1" dirty="0"/>
+              <a:rPr lang="zh-CN" altLang="en-US" dirty="0"/>
+              <a:t>本节课</a:t>
+            </a:r>
+          </a:p>
+        </p:txBody>
+      </p:sp>
+      <p:sp>
+        <p:nvSpPr>
+          <p:cNvPr id="3" name="内容占位符 2"/>
+          <p:cNvSpPr>
+            <a:spLocks noGrp="1"/>
+          </p:cNvSpPr>
+          <p:nvPr>
+            <p:ph idx="1"/>
+          </p:nvPr>
+        </p:nvSpPr>
+        <p:spPr/>
+        <p:txBody>
+          <a:bodyPr/>
+          <a:lstStyle/>
+          <a:p>
+            <a:r>
+              <a:rPr lang="en-US" altLang="zh-CN" b="1" dirty="0" smtClean="0"/>
               <a:t>Python </a:t>
             </a:r>
             <a:r>
               <a:rPr lang="zh-CN" altLang="en-US" b="1" dirty="0" smtClean="0"/>
               <a:t>基础</a:t>
             </a:r>
-            <a:endParaRPr lang="zh-CN" altLang="en-US" dirty="0"/>
-          </a:p>
-        </p:txBody>
-      </p:sp>
-      <p:sp>
-        <p:nvSpPr>
-          <p:cNvPr id="3" name="内容占位符 2"/>
-          <p:cNvSpPr>
-            <a:spLocks noGrp="1"/>
-          </p:cNvSpPr>
-          <p:nvPr>
-            <p:ph idx="1"/>
-          </p:nvPr>
-        </p:nvSpPr>
-        <p:spPr/>
-        <p:txBody>
-          <a:bodyPr/>
-          <a:lstStyle/>
-          <a:p>
-            <a:r>
-              <a:rPr lang="zh-CN" altLang="en-US" dirty="0"/>
-              <a:t>基本的数值操作</a:t>
-            </a:r>
-          </a:p>
-          <a:p>
-            <a:r>
-              <a:rPr lang="zh-CN" altLang="en-US" dirty="0"/>
-              <a:t>变量和赋值</a:t>
-            </a:r>
-          </a:p>
-          <a:p>
-            <a:r>
-              <a:rPr lang="zh-CN" altLang="en-US" dirty="0"/>
-              <a:t>流程控制</a:t>
-            </a:r>
-          </a:p>
-          <a:p>
-            <a:r>
-              <a:rPr lang="zh-CN" altLang="en-US" dirty="0"/>
-              <a:t>定义函数</a:t>
-            </a:r>
-          </a:p>
-          <a:p>
-            <a:r>
-              <a:rPr lang="zh-CN" altLang="en-US" dirty="0"/>
-              <a:t>基本数据结构</a:t>
-            </a:r>
-          </a:p>
-          <a:p>
-            <a:r>
-              <a:rPr lang="en-US" altLang="zh-CN" dirty="0" err="1"/>
-              <a:t>NumPy</a:t>
-            </a:r>
-            <a:endParaRPr lang="en-US" altLang="zh-CN" dirty="0"/>
-          </a:p>
-          <a:p>
-            <a:pPr marL="0" indent="0">
-              <a:buNone/>
-            </a:pPr>
             <a:endParaRPr lang="zh-CN" altLang="en-US" dirty="0"/>
           </a:p>
         </p:txBody>
@@ -6379,7 +6433,7 @@
     </p:spTree>
     <p:extLst>
       <p:ext uri="{BB962C8B-B14F-4D97-AF65-F5344CB8AC3E}">
-        <p14:creationId xmlns:p14="http://schemas.microsoft.com/office/powerpoint/2010/main" val="2346951991"/>
+        <p14:creationId xmlns:p14="http://schemas.microsoft.com/office/powerpoint/2010/main" val="3100484949"/>
       </p:ext>
     </p:extLst>
   </p:cSld>
@@ -6433,6 +6487,129 @@
               <a:t>Python </a:t>
             </a:r>
             <a:r>
+              <a:rPr lang="zh-CN" altLang="en-US" b="1" dirty="0" smtClean="0"/>
+              <a:t>基础</a:t>
+            </a:r>
+            <a:endParaRPr lang="zh-CN" altLang="en-US" dirty="0"/>
+          </a:p>
+        </p:txBody>
+      </p:sp>
+      <p:sp>
+        <p:nvSpPr>
+          <p:cNvPr id="3" name="内容占位符 2"/>
+          <p:cNvSpPr>
+            <a:spLocks noGrp="1"/>
+          </p:cNvSpPr>
+          <p:nvPr>
+            <p:ph idx="1"/>
+          </p:nvPr>
+        </p:nvSpPr>
+        <p:spPr/>
+        <p:txBody>
+          <a:bodyPr/>
+          <a:lstStyle/>
+          <a:p>
+            <a:r>
+              <a:rPr lang="zh-CN" altLang="en-US" dirty="0"/>
+              <a:t>基本的数值操作</a:t>
+            </a:r>
+          </a:p>
+          <a:p>
+            <a:r>
+              <a:rPr lang="zh-CN" altLang="en-US" dirty="0"/>
+              <a:t>变量和赋值</a:t>
+            </a:r>
+          </a:p>
+          <a:p>
+            <a:r>
+              <a:rPr lang="zh-CN" altLang="en-US" dirty="0"/>
+              <a:t>流程控制</a:t>
+            </a:r>
+          </a:p>
+          <a:p>
+            <a:r>
+              <a:rPr lang="zh-CN" altLang="en-US" dirty="0"/>
+              <a:t>定义函数</a:t>
+            </a:r>
+          </a:p>
+          <a:p>
+            <a:r>
+              <a:rPr lang="zh-CN" altLang="en-US" dirty="0"/>
+              <a:t>基本数据结构</a:t>
+            </a:r>
+          </a:p>
+          <a:p>
+            <a:r>
+              <a:rPr lang="en-US" altLang="zh-CN" dirty="0" err="1"/>
+              <a:t>NumPy</a:t>
+            </a:r>
+            <a:endParaRPr lang="en-US" altLang="zh-CN" dirty="0"/>
+          </a:p>
+          <a:p>
+            <a:pPr marL="0" indent="0">
+              <a:buNone/>
+            </a:pPr>
+            <a:endParaRPr lang="zh-CN" altLang="en-US" dirty="0"/>
+          </a:p>
+        </p:txBody>
+      </p:sp>
+    </p:spTree>
+    <p:extLst>
+      <p:ext uri="{BB962C8B-B14F-4D97-AF65-F5344CB8AC3E}">
+        <p14:creationId xmlns:p14="http://schemas.microsoft.com/office/powerpoint/2010/main" val="2346951991"/>
+      </p:ext>
+    </p:extLst>
+  </p:cSld>
+  <p:clrMapOvr>
+    <a:masterClrMapping/>
+  </p:clrMapOvr>
+  <p:timing>
+    <p:tnLst>
+      <p:par>
+        <p:cTn id="1" dur="indefinite" restart="never" nodeType="tmRoot"/>
+      </p:par>
+    </p:tnLst>
+  </p:timing>
+</p:sld>
+</file>
+
+<file path=ppt/slides/slide24.xml><?xml version="1.0" encoding="utf-8"?>
+<p:sld xmlns:a="http://schemas.openxmlformats.org/drawingml/2006/main" xmlns:r="http://schemas.openxmlformats.org/officeDocument/2006/relationships" xmlns:p="http://schemas.openxmlformats.org/presentationml/2006/main">
+  <p:cSld>
+    <p:spTree>
+      <p:nvGrpSpPr>
+        <p:cNvPr id="1" name=""/>
+        <p:cNvGrpSpPr/>
+        <p:nvPr/>
+      </p:nvGrpSpPr>
+      <p:grpSpPr>
+        <a:xfrm>
+          <a:off x="0" y="0"/>
+          <a:ext cx="0" cy="0"/>
+          <a:chOff x="0" y="0"/>
+          <a:chExt cx="0" cy="0"/>
+        </a:xfrm>
+      </p:grpSpPr>
+      <p:sp>
+        <p:nvSpPr>
+          <p:cNvPr id="2" name="标题 1"/>
+          <p:cNvSpPr>
+            <a:spLocks noGrp="1"/>
+          </p:cNvSpPr>
+          <p:nvPr>
+            <p:ph type="title"/>
+          </p:nvPr>
+        </p:nvSpPr>
+        <p:spPr/>
+        <p:txBody>
+          <a:bodyPr/>
+          <a:lstStyle/>
+          <a:p>
+            <a:r>
+              <a:rPr lang="en-US" altLang="zh-CN" b="1" dirty="0"/>
+              <a:t>Python </a:t>
+            </a:r>
+            <a:r>
               <a:rPr lang="zh-CN" altLang="en-US" b="1" dirty="0"/>
               <a:t>基础 </a:t>
             </a:r>
@@ -6533,7 +6710,7 @@
 </p:sld>
 </file>
 
-<file path=ppt/slides/slide24.xml><?xml version="1.0" encoding="utf-8"?>
+<file path=ppt/slides/slide25.xml><?xml version="1.0" encoding="utf-8"?>
 <p:sld xmlns:a="http://schemas.openxmlformats.org/drawingml/2006/main" xmlns:r="http://schemas.openxmlformats.org/officeDocument/2006/relationships" xmlns:p="http://schemas.openxmlformats.org/presentationml/2006/main">
   <p:cSld>
     <p:spTree>
@@ -7505,7 +7682,23 @@
           <a:p>
             <a:r>
               <a:rPr lang="zh-CN" altLang="en-US" dirty="0"/>
-              <a:t>模型的作用是让你能够用你已经掌握的知道去理解、定义、量化、可视化或者</a:t>
+              <a:t>模型的作用是让你能够用你已经掌握的知道</a:t>
+            </a:r>
+            <a:r>
+              <a:rPr lang="zh-CN" altLang="en-US" dirty="0" smtClean="0"/>
+              <a:t>去</a:t>
+            </a:r>
+            <a:r>
+              <a:rPr lang="zh-CN" altLang="en-US" dirty="0" smtClean="0"/>
+              <a:t>沟通、</a:t>
+            </a:r>
+            <a:r>
+              <a:rPr lang="zh-CN" altLang="en-US" dirty="0" smtClean="0"/>
+              <a:t>理解</a:t>
+            </a:r>
+            <a:r>
+              <a:rPr lang="zh-CN" altLang="en-US" dirty="0"/>
+              <a:t>、定义、量化、可视化或者</a:t>
             </a:r>
             <a:r>
               <a:rPr lang="zh-CN" altLang="en-US" dirty="0" smtClean="0"/>
@@ -8067,12 +8260,8 @@
           <a:lstStyle/>
           <a:p>
             <a:r>
-              <a:rPr lang="zh-CN" altLang="en-US" b="1" dirty="0"/>
-              <a:t>什么是</a:t>
-            </a:r>
-            <a:r>
-              <a:rPr lang="zh-CN" altLang="en-US" b="1" dirty="0" smtClean="0"/>
-              <a:t>建模</a:t>
+              <a:rPr lang="zh-CN" altLang="en-US" dirty="0" smtClean="0"/>
+              <a:t>模型的特点</a:t>
             </a:r>
             <a:endParaRPr lang="zh-CN" altLang="en-US" dirty="0"/>
           </a:p>
@@ -8090,12 +8279,78 @@
         </p:nvSpPr>
         <p:spPr/>
         <p:txBody>
-          <a:bodyPr/>
-          <a:lstStyle/>
-          <a:p>
+          <a:bodyPr>
+            <a:normAutofit lnSpcReduction="10000"/>
+          </a:bodyPr>
+          <a:lstStyle/>
+          <a:p>
+            <a:pPr>
+              <a:lnSpc>
+                <a:spcPct val="150000"/>
+              </a:lnSpc>
+              <a:spcAft>
+                <a:spcPts val="600"/>
+              </a:spcAft>
+            </a:pPr>
+            <a:r>
+              <a:rPr lang="en-US" altLang="zh-CN" dirty="0"/>
+              <a:t>1.</a:t>
+            </a:r>
             <a:r>
               <a:rPr lang="zh-CN" altLang="en-US" dirty="0"/>
-              <a:t>建模就是建立模型的一个操作，废话。</a:t>
+              <a:t> 抽象、简化，剥离掉不必要的细节和干扰因素，模型是用来解决问题的，你只用保留对解决问题关键的要素就可以了。例如</a:t>
+            </a:r>
+          </a:p>
+          <a:p>
+            <a:pPr>
+              <a:lnSpc>
+                <a:spcPct val="150000"/>
+              </a:lnSpc>
+              <a:spcAft>
+                <a:spcPts val="600"/>
+              </a:spcAft>
+            </a:pPr>
+            <a:r>
+              <a:rPr lang="en-US" altLang="zh-CN" dirty="0"/>
+              <a:t>2.</a:t>
+            </a:r>
+            <a:r>
+              <a:rPr lang="zh-CN" altLang="en-US" dirty="0"/>
+              <a:t> 都是形式化的（（</a:t>
+            </a:r>
+            <a:r>
+              <a:rPr lang="en-US" altLang="zh-CN" dirty="0"/>
+              <a:t>formal</a:t>
+            </a:r>
+            <a:r>
+              <a:rPr lang="zh-CN" altLang="en-US" dirty="0"/>
+              <a:t>）模型的一切都是有准去的定义和描述的，即便是随机和概率的模型，对概率分布也是有准确描述的</a:t>
+            </a:r>
+          </a:p>
+          <a:p>
+            <a:pPr>
+              <a:lnSpc>
+                <a:spcPct val="150000"/>
+              </a:lnSpc>
+              <a:spcAft>
+                <a:spcPts val="600"/>
+              </a:spcAft>
+            </a:pPr>
+            <a:r>
+              <a:rPr lang="en-US" altLang="zh-CN" dirty="0"/>
+              <a:t>3.</a:t>
+            </a:r>
+            <a:r>
+              <a:rPr lang="zh-CN" altLang="en-US" dirty="0"/>
+              <a:t> 一定会有一定的错误。模型不可能 </a:t>
+            </a:r>
+            <a:r>
+              <a:rPr lang="en-US" altLang="zh-CN" dirty="0"/>
+              <a:t>100%</a:t>
+            </a:r>
+            <a:r>
+              <a:rPr lang="zh-CN" altLang="en-US" dirty="0"/>
+              <a:t>的还原真实的情况，或多或少都是由误差的，这个误差也是可以定量分析的</a:t>
             </a:r>
           </a:p>
           <a:p>
@@ -8106,20 +8361,13 @@
     </p:spTree>
     <p:extLst>
       <p:ext uri="{BB962C8B-B14F-4D97-AF65-F5344CB8AC3E}">
-        <p14:creationId xmlns:p14="http://schemas.microsoft.com/office/powerpoint/2010/main" val="3069497260"/>
+        <p14:creationId xmlns:p14="http://schemas.microsoft.com/office/powerpoint/2010/main" val="2249616365"/>
       </p:ext>
     </p:extLst>
   </p:cSld>
   <p:clrMapOvr>
     <a:masterClrMapping/>
   </p:clrMapOvr>
-  <p:timing>
-    <p:tnLst>
-      <p:par>
-        <p:cTn id="1" dur="indefinite" restart="never" nodeType="tmRoot"/>
-      </p:par>
-    </p:tnLst>
-  </p:timing>
 </p:sld>
 </file>
 
@@ -8156,124 +8404,36 @@
           <a:lstStyle/>
           <a:p>
             <a:r>
+              <a:rPr lang="zh-CN" altLang="en-US" b="1" dirty="0"/>
+              <a:t>什么是</a:t>
+            </a:r>
+            <a:r>
+              <a:rPr lang="zh-CN" altLang="en-US" b="1" dirty="0" smtClean="0"/>
+              <a:t>建模</a:t>
+            </a:r>
+            <a:endParaRPr lang="zh-CN" altLang="en-US" dirty="0"/>
+          </a:p>
+        </p:txBody>
+      </p:sp>
+      <p:sp>
+        <p:nvSpPr>
+          <p:cNvPr id="3" name="内容占位符 2"/>
+          <p:cNvSpPr>
+            <a:spLocks noGrp="1"/>
+          </p:cNvSpPr>
+          <p:nvPr>
+            <p:ph idx="1"/>
+          </p:nvPr>
+        </p:nvSpPr>
+        <p:spPr/>
+        <p:txBody>
+          <a:bodyPr/>
+          <a:lstStyle/>
+          <a:p>
+            <a:r>
               <a:rPr lang="zh-CN" altLang="en-US" dirty="0"/>
-              <a:t>那怎么建模</a:t>
-            </a:r>
-            <a:r>
-              <a:rPr lang="zh-CN" altLang="en-US" dirty="0" smtClean="0"/>
-              <a:t>的？</a:t>
-            </a:r>
-            <a:endParaRPr lang="zh-CN" altLang="en-US" dirty="0"/>
-          </a:p>
-        </p:txBody>
-      </p:sp>
-      <p:sp>
-        <p:nvSpPr>
-          <p:cNvPr id="3" name="内容占位符 2"/>
-          <p:cNvSpPr>
-            <a:spLocks noGrp="1"/>
-          </p:cNvSpPr>
-          <p:nvPr>
-            <p:ph idx="1"/>
-          </p:nvPr>
-        </p:nvSpPr>
-        <p:spPr>
-          <a:xfrm>
-            <a:off x="838199" y="1825625"/>
-            <a:ext cx="10939999" cy="4351338"/>
-          </a:xfrm>
-        </p:spPr>
-        <p:txBody>
-          <a:bodyPr/>
-          <a:lstStyle/>
-          <a:p>
-            <a:r>
-              <a:rPr lang="en-US" altLang="zh-CN" dirty="0"/>
-              <a:t>1.</a:t>
-            </a:r>
-            <a:r>
-              <a:rPr lang="zh-CN" altLang="en-US" dirty="0"/>
-              <a:t> </a:t>
-            </a:r>
-            <a:r>
-              <a:rPr lang="en-US" altLang="zh-CN" dirty="0"/>
-              <a:t>scale</a:t>
-            </a:r>
-            <a:r>
-              <a:rPr lang="zh-CN" altLang="en-US" dirty="0"/>
-              <a:t>，就是缩小或方法，在小东西上得到的结论也许可以放大，对大东西也灵，或者反过来。</a:t>
-            </a:r>
-          </a:p>
-          <a:p>
-            <a:r>
-              <a:rPr lang="en-US" altLang="zh-CN" dirty="0"/>
-              <a:t>2.</a:t>
-            </a:r>
-            <a:r>
-              <a:rPr lang="zh-CN" altLang="en-US" dirty="0"/>
-              <a:t> </a:t>
-            </a:r>
-            <a:r>
-              <a:rPr lang="en-US" altLang="zh-CN" dirty="0"/>
-              <a:t>Symbolize</a:t>
-            </a:r>
-            <a:r>
-              <a:rPr lang="zh-CN" altLang="en-US" dirty="0"/>
-              <a:t>：就是符号化，对关键信息进行抽象，发明对应的符号</a:t>
-            </a:r>
-          </a:p>
-          <a:p>
-            <a:r>
-              <a:rPr lang="en-US" altLang="zh-CN" dirty="0"/>
-              <a:t>3.</a:t>
-            </a:r>
-            <a:r>
-              <a:rPr lang="zh-CN" altLang="en-US" dirty="0"/>
-              <a:t> </a:t>
-            </a:r>
-            <a:r>
-              <a:rPr lang="en-US" altLang="zh-CN" dirty="0"/>
-              <a:t>Quantify</a:t>
-            </a:r>
-            <a:r>
-              <a:rPr lang="zh-CN" altLang="en-US" dirty="0"/>
-              <a:t>：就是量化，这里可以理解为列方程</a:t>
-            </a:r>
-          </a:p>
-          <a:p>
-            <a:r>
-              <a:rPr lang="en-US" altLang="zh-CN" dirty="0"/>
-              <a:t>4.</a:t>
-            </a:r>
-            <a:r>
-              <a:rPr lang="zh-CN" altLang="en-US" dirty="0"/>
-              <a:t> </a:t>
-            </a:r>
-            <a:r>
-              <a:rPr lang="en-US" altLang="zh-CN" dirty="0"/>
-              <a:t>Simplify</a:t>
-            </a:r>
-            <a:r>
-              <a:rPr lang="zh-CN" altLang="en-US" dirty="0"/>
-              <a:t>：简化，就是把没用的东西去掉，剩下的就是一个模型</a:t>
-            </a:r>
-            <a:r>
-              <a:rPr lang="zh-CN" altLang="en-US" dirty="0" smtClean="0"/>
-              <a:t>了</a:t>
-            </a:r>
-            <a:endParaRPr lang="en-US" altLang="zh-CN" dirty="0" smtClean="0"/>
-          </a:p>
-          <a:p>
-            <a:endParaRPr lang="en-US" altLang="zh-CN" dirty="0"/>
-          </a:p>
-          <a:p>
-            <a:r>
-              <a:rPr lang="zh-CN" altLang="en-US" dirty="0"/>
-              <a:t>很多时候这个是混合起来使用的，并不是只用一种方法。</a:t>
-            </a:r>
-          </a:p>
-          <a:p>
-            <a:endParaRPr lang="zh-CN" altLang="en-US" dirty="0"/>
+              <a:t>建模就是建立模型的一个操作，废话。</a:t>
+            </a:r>
           </a:p>
           <a:p>
             <a:endParaRPr lang="zh-CN" altLang="en-US" dirty="0"/>
@@ -8283,7 +8443,7 @@
     </p:spTree>
     <p:extLst>
       <p:ext uri="{BB962C8B-B14F-4D97-AF65-F5344CB8AC3E}">
-        <p14:creationId xmlns:p14="http://schemas.microsoft.com/office/powerpoint/2010/main" val="972471103"/>
+        <p14:creationId xmlns:p14="http://schemas.microsoft.com/office/powerpoint/2010/main" val="3069497260"/>
       </p:ext>
     </p:extLst>
   </p:cSld>
@@ -8329,18 +8489,16 @@
         </p:nvSpPr>
         <p:spPr/>
         <p:txBody>
-          <a:bodyPr>
-            <a:normAutofit/>
-          </a:bodyPr>
+          <a:bodyPr/>
           <a:lstStyle/>
           <a:p>
             <a:r>
               <a:rPr lang="zh-CN" altLang="en-US" dirty="0"/>
-              <a:t>数据建模的模型，是用数学的语言描述实际现实中的事物</a:t>
+              <a:t>那怎么建模</a:t>
             </a:r>
             <a:r>
               <a:rPr lang="zh-CN" altLang="en-US" dirty="0" smtClean="0"/>
-              <a:t>模型</a:t>
+              <a:t>的？</a:t>
             </a:r>
             <a:endParaRPr lang="zh-CN" altLang="en-US" dirty="0"/>
           </a:p>
@@ -8356,93 +8514,113 @@
             <p:ph idx="1"/>
           </p:nvPr>
         </p:nvSpPr>
-        <p:spPr/>
-        <p:txBody>
-          <a:bodyPr/>
-          <a:lstStyle/>
-          <a:p>
-            <a:r>
-              <a:rPr lang="zh-CN" altLang="en-US" dirty="0"/>
-              <a:t>比如： </a:t>
-            </a:r>
-            <a:r>
-              <a:rPr lang="en-US" altLang="zh-CN" i="1" dirty="0" smtClean="0"/>
-              <a:t>F</a:t>
-            </a:r>
-            <a:r>
-              <a:rPr lang="en-US" altLang="zh-CN" dirty="0" smtClean="0"/>
-              <a:t>=</a:t>
-            </a:r>
-            <a:r>
-              <a:rPr lang="en-US" altLang="zh-CN" i="1" dirty="0" smtClean="0"/>
-              <a:t>ma</a:t>
-            </a:r>
-          </a:p>
-        </p:txBody>
-      </p:sp>
-      <p:pic>
-        <p:nvPicPr>
-          <p:cNvPr id="5" name="图片 4"/>
-          <p:cNvPicPr>
-            <a:picLocks noChangeAspect="1"/>
-          </p:cNvPicPr>
-          <p:nvPr/>
-        </p:nvPicPr>
-        <p:blipFill>
-          <a:blip r:embed="rId2"/>
-          <a:stretch>
-            <a:fillRect/>
-          </a:stretch>
-        </p:blipFill>
         <p:spPr>
           <a:xfrm>
-            <a:off x="1685958" y="2628155"/>
-            <a:ext cx="3840813" cy="899238"/>
+            <a:off x="838199" y="1825625"/>
+            <a:ext cx="10939999" cy="4351338"/>
           </a:xfrm>
-          <a:prstGeom prst="rect">
-            <a:avLst/>
-          </a:prstGeom>
         </p:spPr>
-      </p:pic>
-      <p:sp>
-        <p:nvSpPr>
-          <p:cNvPr id="4" name="矩形 3"/>
-          <p:cNvSpPr/>
-          <p:nvPr/>
-        </p:nvSpPr>
-        <p:spPr>
-          <a:xfrm>
-            <a:off x="2357267" y="3757355"/>
-            <a:ext cx="8437916" cy="1938992"/>
-          </a:xfrm>
-          <a:prstGeom prst="rect">
-            <a:avLst/>
-          </a:prstGeom>
-        </p:spPr>
-        <p:txBody>
-          <a:bodyPr wrap="square">
-            <a:spAutoFit/>
-          </a:bodyPr>
-          <a:lstStyle/>
-          <a:p>
-            <a:r>
-              <a:rPr lang="zh-CN" altLang="en-US" sz="4000" b="0" i="0" dirty="0" smtClean="0">
-                <a:solidFill>
-                  <a:srgbClr val="333333"/>
-                </a:solidFill>
-                <a:effectLst/>
-                <a:latin typeface="Helvetica Neue"/>
-              </a:rPr>
-              <a:t>数学建模就是建模和其他的建模没啥区别，最大的特点就是他用的是数学的语言来描述的。</a:t>
-            </a:r>
-            <a:endParaRPr lang="zh-CN" altLang="en-US" sz="4000" dirty="0"/>
+        <p:txBody>
+          <a:bodyPr/>
+          <a:lstStyle/>
+          <a:p>
+            <a:r>
+              <a:rPr lang="en-US" altLang="zh-CN" dirty="0"/>
+              <a:t>1.</a:t>
+            </a:r>
+            <a:r>
+              <a:rPr lang="zh-CN" altLang="en-US" dirty="0"/>
+              <a:t> </a:t>
+            </a:r>
+            <a:r>
+              <a:rPr lang="en-US" altLang="zh-CN" dirty="0"/>
+              <a:t>scale</a:t>
+            </a:r>
+            <a:r>
+              <a:rPr lang="zh-CN" altLang="en-US" dirty="0"/>
+              <a:t>，就是缩小或方法，在小东西上得到的结论也许可以放大，对大东西也灵，或者反过来。</a:t>
+            </a:r>
+          </a:p>
+          <a:p>
+            <a:r>
+              <a:rPr lang="en-US" altLang="zh-CN" dirty="0"/>
+              <a:t>2.</a:t>
+            </a:r>
+            <a:r>
+              <a:rPr lang="zh-CN" altLang="en-US" dirty="0"/>
+              <a:t> </a:t>
+            </a:r>
+            <a:r>
+              <a:rPr lang="en-US" altLang="zh-CN" dirty="0"/>
+              <a:t>Symbolize</a:t>
+            </a:r>
+            <a:r>
+              <a:rPr lang="zh-CN" altLang="en-US" dirty="0"/>
+              <a:t>：就是符号化，对关键信息进行抽象，发明对应的符号</a:t>
+            </a:r>
+          </a:p>
+          <a:p>
+            <a:r>
+              <a:rPr lang="en-US" altLang="zh-CN" dirty="0"/>
+              <a:t>3.</a:t>
+            </a:r>
+            <a:r>
+              <a:rPr lang="zh-CN" altLang="en-US" dirty="0"/>
+              <a:t> </a:t>
+            </a:r>
+            <a:r>
+              <a:rPr lang="en-US" altLang="zh-CN" dirty="0"/>
+              <a:t>Quantify</a:t>
+            </a:r>
+            <a:r>
+              <a:rPr lang="zh-CN" altLang="en-US" dirty="0"/>
+              <a:t>：就是量化，这里可以理解为列方程</a:t>
+            </a:r>
+          </a:p>
+          <a:p>
+            <a:r>
+              <a:rPr lang="en-US" altLang="zh-CN" dirty="0"/>
+              <a:t>4.</a:t>
+            </a:r>
+            <a:r>
+              <a:rPr lang="zh-CN" altLang="en-US" dirty="0"/>
+              <a:t> </a:t>
+            </a:r>
+            <a:r>
+              <a:rPr lang="en-US" altLang="zh-CN" dirty="0"/>
+              <a:t>Simplify</a:t>
+            </a:r>
+            <a:r>
+              <a:rPr lang="zh-CN" altLang="en-US" dirty="0"/>
+              <a:t>：简化，就是把没用的东西去掉，剩下的就是一个模型</a:t>
+            </a:r>
+            <a:r>
+              <a:rPr lang="zh-CN" altLang="en-US" dirty="0" smtClean="0"/>
+              <a:t>了</a:t>
+            </a:r>
+            <a:endParaRPr lang="en-US" altLang="zh-CN" dirty="0" smtClean="0"/>
+          </a:p>
+          <a:p>
+            <a:endParaRPr lang="en-US" altLang="zh-CN" dirty="0"/>
+          </a:p>
+          <a:p>
+            <a:r>
+              <a:rPr lang="zh-CN" altLang="en-US" dirty="0"/>
+              <a:t>很多时候这个是混合起来使用的，并不是只用一种方法。</a:t>
+            </a:r>
+          </a:p>
+          <a:p>
+            <a:endParaRPr lang="zh-CN" altLang="en-US" dirty="0"/>
+          </a:p>
+          <a:p>
+            <a:endParaRPr lang="zh-CN" altLang="en-US" dirty="0"/>
           </a:p>
         </p:txBody>
       </p:sp>
     </p:spTree>
     <p:extLst>
       <p:ext uri="{BB962C8B-B14F-4D97-AF65-F5344CB8AC3E}">
-        <p14:creationId xmlns:p14="http://schemas.microsoft.com/office/powerpoint/2010/main" val="2193503045"/>
+        <p14:creationId xmlns:p14="http://schemas.microsoft.com/office/powerpoint/2010/main" val="972471103"/>
       </p:ext>
     </p:extLst>
   </p:cSld>
@@ -8494,12 +8672,12 @@
           <a:lstStyle/>
           <a:p>
             <a:r>
-              <a:rPr lang="zh-CN" altLang="en-US" b="1" dirty="0"/>
-              <a:t>一些重要的</a:t>
-            </a:r>
-            <a:r>
-              <a:rPr lang="zh-CN" altLang="en-US" b="1" dirty="0" smtClean="0"/>
-              <a:t>概念</a:t>
+              <a:rPr lang="zh-CN" altLang="en-US" dirty="0"/>
+              <a:t>数据建模的模型，是用数学的语言描述实际现实中的事物</a:t>
+            </a:r>
+            <a:r>
+              <a:rPr lang="zh-CN" altLang="en-US" dirty="0" smtClean="0"/>
+              <a:t>模型</a:t>
             </a:r>
             <a:endParaRPr lang="zh-CN" altLang="en-US" dirty="0"/>
           </a:p>
@@ -8522,49 +8700,26 @@
           <a:p>
             <a:r>
               <a:rPr lang="zh-CN" altLang="en-US" dirty="0"/>
-              <a:t>数学建模里面模型一般可以用一个函数</a:t>
-            </a:r>
-            <a:r>
-              <a:rPr lang="zh-CN" altLang="en-US" dirty="0" smtClean="0"/>
-              <a:t>表示</a:t>
-            </a:r>
-            <a:endParaRPr lang="en-US" altLang="zh-CN" dirty="0" smtClean="0"/>
-          </a:p>
-          <a:p>
-            <a:r>
-              <a:rPr lang="zh-CN" altLang="en-US" dirty="0" smtClean="0"/>
-              <a:t>这个</a:t>
-            </a:r>
-            <a:r>
-              <a:rPr lang="zh-CN" altLang="en-US" dirty="0"/>
-              <a:t>函数是广义的函数</a:t>
-            </a:r>
-            <a:r>
-              <a:rPr lang="zh-CN" altLang="en-US" dirty="0" smtClean="0"/>
-              <a:t>哈</a:t>
-            </a:r>
-            <a:endParaRPr lang="en-US" altLang="zh-CN" dirty="0" smtClean="0"/>
-          </a:p>
-          <a:p>
-            <a:r>
-              <a:rPr lang="zh-CN" altLang="en-US" dirty="0" smtClean="0"/>
-              <a:t>我们</a:t>
-            </a:r>
-            <a:r>
-              <a:rPr lang="zh-CN" altLang="en-US" dirty="0"/>
-              <a:t>抽象的称他</a:t>
-            </a:r>
-            <a:r>
-              <a:rPr lang="zh-CN" altLang="en-US" dirty="0" smtClean="0"/>
-              <a:t>为</a:t>
-            </a:r>
-            <a:endParaRPr lang="zh-CN" altLang="en-US" dirty="0"/>
+              <a:t>比如： </a:t>
+            </a:r>
+            <a:r>
+              <a:rPr lang="en-US" altLang="zh-CN" i="1" dirty="0" smtClean="0"/>
+              <a:t>F</a:t>
+            </a:r>
+            <a:r>
+              <a:rPr lang="en-US" altLang="zh-CN" dirty="0" smtClean="0"/>
+              <a:t>=</a:t>
+            </a:r>
+            <a:r>
+              <a:rPr lang="en-US" altLang="zh-CN" i="1" dirty="0" smtClean="0"/>
+              <a:t>ma</a:t>
+            </a:r>
           </a:p>
         </p:txBody>
       </p:sp>
       <p:pic>
         <p:nvPicPr>
-          <p:cNvPr id="4" name="图片 3"/>
+          <p:cNvPr id="5" name="图片 4"/>
           <p:cNvPicPr>
             <a:picLocks noChangeAspect="1"/>
           </p:cNvPicPr>
@@ -8578,42 +8733,53 @@
         </p:blipFill>
         <p:spPr>
           <a:xfrm>
-            <a:off x="4481287" y="2910265"/>
-            <a:ext cx="3229426" cy="971686"/>
+            <a:off x="1685958" y="2628155"/>
+            <a:ext cx="3840813" cy="899238"/>
           </a:xfrm>
           <a:prstGeom prst="rect">
             <a:avLst/>
           </a:prstGeom>
         </p:spPr>
       </p:pic>
-      <p:pic>
-        <p:nvPicPr>
-          <p:cNvPr id="5" name="图片 4"/>
-          <p:cNvPicPr>
-            <a:picLocks noChangeAspect="1"/>
-          </p:cNvPicPr>
+      <p:sp>
+        <p:nvSpPr>
+          <p:cNvPr id="4" name="矩形 3"/>
+          <p:cNvSpPr/>
           <p:nvPr/>
-        </p:nvPicPr>
-        <p:blipFill>
-          <a:blip r:embed="rId3"/>
-          <a:stretch>
-            <a:fillRect/>
-          </a:stretch>
-        </p:blipFill>
+        </p:nvSpPr>
         <p:spPr>
           <a:xfrm>
-            <a:off x="3342891" y="4523616"/>
-            <a:ext cx="5506218" cy="885949"/>
+            <a:off x="2357267" y="3757355"/>
+            <a:ext cx="8437916" cy="1938992"/>
           </a:xfrm>
           <a:prstGeom prst="rect">
             <a:avLst/>
           </a:prstGeom>
         </p:spPr>
-      </p:pic>
+        <p:txBody>
+          <a:bodyPr wrap="square">
+            <a:spAutoFit/>
+          </a:bodyPr>
+          <a:lstStyle/>
+          <a:p>
+            <a:r>
+              <a:rPr lang="zh-CN" altLang="en-US" sz="4000" b="0" i="0" dirty="0" smtClean="0">
+                <a:solidFill>
+                  <a:srgbClr val="333333"/>
+                </a:solidFill>
+                <a:effectLst/>
+                <a:latin typeface="Helvetica Neue"/>
+              </a:rPr>
+              <a:t>数学建模就是建模和其他的建模没啥区别，最大的特点就是他用的是数学的语言来描述的。</a:t>
+            </a:r>
+            <a:endParaRPr lang="zh-CN" altLang="en-US" sz="4000" dirty="0"/>
+          </a:p>
+        </p:txBody>
+      </p:sp>
     </p:spTree>
     <p:extLst>
       <p:ext uri="{BB962C8B-B14F-4D97-AF65-F5344CB8AC3E}">
-        <p14:creationId xmlns:p14="http://schemas.microsoft.com/office/powerpoint/2010/main" val="3577721939"/>
+        <p14:creationId xmlns:p14="http://schemas.microsoft.com/office/powerpoint/2010/main" val="2193503045"/>
       </p:ext>
     </p:extLst>
   </p:cSld>

--- a/Lecture1/电气工程建模与仿真.pptx
+++ b/Lecture1/电气工程建模与仿真.pptx
@@ -6,30 +6,32 @@
   </p:sldMasterIdLst>
   <p:sldIdLst>
     <p:sldId id="256" r:id="rId2"/>
-    <p:sldId id="257" r:id="rId3"/>
-    <p:sldId id="258" r:id="rId4"/>
-    <p:sldId id="260" r:id="rId5"/>
-    <p:sldId id="259" r:id="rId6"/>
-    <p:sldId id="280" r:id="rId7"/>
-    <p:sldId id="261" r:id="rId8"/>
-    <p:sldId id="262" r:id="rId9"/>
-    <p:sldId id="264" r:id="rId10"/>
-    <p:sldId id="263" r:id="rId11"/>
-    <p:sldId id="265" r:id="rId12"/>
-    <p:sldId id="268" r:id="rId13"/>
-    <p:sldId id="269" r:id="rId14"/>
-    <p:sldId id="270" r:id="rId15"/>
-    <p:sldId id="266" r:id="rId16"/>
-    <p:sldId id="275" r:id="rId17"/>
-    <p:sldId id="276" r:id="rId18"/>
-    <p:sldId id="267" r:id="rId19"/>
-    <p:sldId id="274" r:id="rId20"/>
-    <p:sldId id="277" r:id="rId21"/>
-    <p:sldId id="278" r:id="rId22"/>
-    <p:sldId id="279" r:id="rId23"/>
-    <p:sldId id="271" r:id="rId24"/>
-    <p:sldId id="272" r:id="rId25"/>
-    <p:sldId id="273" r:id="rId26"/>
+    <p:sldId id="281" r:id="rId3"/>
+    <p:sldId id="257" r:id="rId4"/>
+    <p:sldId id="258" r:id="rId5"/>
+    <p:sldId id="260" r:id="rId6"/>
+    <p:sldId id="259" r:id="rId7"/>
+    <p:sldId id="280" r:id="rId8"/>
+    <p:sldId id="261" r:id="rId9"/>
+    <p:sldId id="262" r:id="rId10"/>
+    <p:sldId id="264" r:id="rId11"/>
+    <p:sldId id="263" r:id="rId12"/>
+    <p:sldId id="265" r:id="rId13"/>
+    <p:sldId id="268" r:id="rId14"/>
+    <p:sldId id="269" r:id="rId15"/>
+    <p:sldId id="270" r:id="rId16"/>
+    <p:sldId id="266" r:id="rId17"/>
+    <p:sldId id="275" r:id="rId18"/>
+    <p:sldId id="282" r:id="rId19"/>
+    <p:sldId id="276" r:id="rId20"/>
+    <p:sldId id="267" r:id="rId21"/>
+    <p:sldId id="274" r:id="rId22"/>
+    <p:sldId id="277" r:id="rId23"/>
+    <p:sldId id="278" r:id="rId24"/>
+    <p:sldId id="279" r:id="rId25"/>
+    <p:sldId id="271" r:id="rId26"/>
+    <p:sldId id="272" r:id="rId27"/>
+    <p:sldId id="273" r:id="rId28"/>
   </p:sldIdLst>
   <p:sldSz cx="12192000" cy="6858000"/>
   <p:notesSz cx="6858000" cy="9144000"/>
@@ -267,7 +269,7 @@
           <a:p>
             <a:fld id="{37B83D64-13F6-44EC-A0F0-915D08FABEB4}" type="datetimeFigureOut">
               <a:rPr lang="zh-CN" altLang="en-US" smtClean="0"/>
-              <a:t>2022/3/19</a:t>
+              <a:t>2022/3/21</a:t>
             </a:fld>
             <a:endParaRPr lang="zh-CN" altLang="en-US"/>
           </a:p>
@@ -437,7 +439,7 @@
           <a:p>
             <a:fld id="{37B83D64-13F6-44EC-A0F0-915D08FABEB4}" type="datetimeFigureOut">
               <a:rPr lang="zh-CN" altLang="en-US" smtClean="0"/>
-              <a:t>2022/3/19</a:t>
+              <a:t>2022/3/21</a:t>
             </a:fld>
             <a:endParaRPr lang="zh-CN" altLang="en-US"/>
           </a:p>
@@ -617,7 +619,7 @@
           <a:p>
             <a:fld id="{37B83D64-13F6-44EC-A0F0-915D08FABEB4}" type="datetimeFigureOut">
               <a:rPr lang="zh-CN" altLang="en-US" smtClean="0"/>
-              <a:t>2022/3/19</a:t>
+              <a:t>2022/3/21</a:t>
             </a:fld>
             <a:endParaRPr lang="zh-CN" altLang="en-US"/>
           </a:p>
@@ -787,7 +789,7 @@
           <a:p>
             <a:fld id="{37B83D64-13F6-44EC-A0F0-915D08FABEB4}" type="datetimeFigureOut">
               <a:rPr lang="zh-CN" altLang="en-US" smtClean="0"/>
-              <a:t>2022/3/19</a:t>
+              <a:t>2022/3/21</a:t>
             </a:fld>
             <a:endParaRPr lang="zh-CN" altLang="en-US"/>
           </a:p>
@@ -1033,7 +1035,7 @@
           <a:p>
             <a:fld id="{37B83D64-13F6-44EC-A0F0-915D08FABEB4}" type="datetimeFigureOut">
               <a:rPr lang="zh-CN" altLang="en-US" smtClean="0"/>
-              <a:t>2022/3/19</a:t>
+              <a:t>2022/3/21</a:t>
             </a:fld>
             <a:endParaRPr lang="zh-CN" altLang="en-US"/>
           </a:p>
@@ -1265,7 +1267,7 @@
           <a:p>
             <a:fld id="{37B83D64-13F6-44EC-A0F0-915D08FABEB4}" type="datetimeFigureOut">
               <a:rPr lang="zh-CN" altLang="en-US" smtClean="0"/>
-              <a:t>2022/3/19</a:t>
+              <a:t>2022/3/21</a:t>
             </a:fld>
             <a:endParaRPr lang="zh-CN" altLang="en-US"/>
           </a:p>
@@ -1632,7 +1634,7 @@
           <a:p>
             <a:fld id="{37B83D64-13F6-44EC-A0F0-915D08FABEB4}" type="datetimeFigureOut">
               <a:rPr lang="zh-CN" altLang="en-US" smtClean="0"/>
-              <a:t>2022/3/19</a:t>
+              <a:t>2022/3/21</a:t>
             </a:fld>
             <a:endParaRPr lang="zh-CN" altLang="en-US"/>
           </a:p>
@@ -1750,7 +1752,7 @@
           <a:p>
             <a:fld id="{37B83D64-13F6-44EC-A0F0-915D08FABEB4}" type="datetimeFigureOut">
               <a:rPr lang="zh-CN" altLang="en-US" smtClean="0"/>
-              <a:t>2022/3/19</a:t>
+              <a:t>2022/3/21</a:t>
             </a:fld>
             <a:endParaRPr lang="zh-CN" altLang="en-US"/>
           </a:p>
@@ -1845,7 +1847,7 @@
           <a:p>
             <a:fld id="{37B83D64-13F6-44EC-A0F0-915D08FABEB4}" type="datetimeFigureOut">
               <a:rPr lang="zh-CN" altLang="en-US" smtClean="0"/>
-              <a:t>2022/3/19</a:t>
+              <a:t>2022/3/21</a:t>
             </a:fld>
             <a:endParaRPr lang="zh-CN" altLang="en-US"/>
           </a:p>
@@ -2122,7 +2124,7 @@
           <a:p>
             <a:fld id="{37B83D64-13F6-44EC-A0F0-915D08FABEB4}" type="datetimeFigureOut">
               <a:rPr lang="zh-CN" altLang="en-US" smtClean="0"/>
-              <a:t>2022/3/19</a:t>
+              <a:t>2022/3/21</a:t>
             </a:fld>
             <a:endParaRPr lang="zh-CN" altLang="en-US"/>
           </a:p>
@@ -2375,7 +2377,7 @@
           <a:p>
             <a:fld id="{37B83D64-13F6-44EC-A0F0-915D08FABEB4}" type="datetimeFigureOut">
               <a:rPr lang="zh-CN" altLang="en-US" smtClean="0"/>
-              <a:t>2022/3/19</a:t>
+              <a:t>2022/3/21</a:t>
             </a:fld>
             <a:endParaRPr lang="zh-CN" altLang="en-US"/>
           </a:p>
@@ -2588,7 +2590,7 @@
           <a:p>
             <a:fld id="{37B83D64-13F6-44EC-A0F0-915D08FABEB4}" type="datetimeFigureOut">
               <a:rPr lang="zh-CN" altLang="en-US" smtClean="0"/>
-              <a:t>2022/3/19</a:t>
+              <a:t>2022/3/21</a:t>
             </a:fld>
             <a:endParaRPr lang="zh-CN" altLang="en-US"/>
           </a:p>
@@ -3096,6 +3098,165 @@
           <a:lstStyle/>
           <a:p>
             <a:r>
+              <a:rPr lang="zh-CN" altLang="en-US" dirty="0"/>
+              <a:t>数据建模的模型，是用数学的语言描述实际现实中的事物</a:t>
+            </a:r>
+            <a:r>
+              <a:rPr lang="zh-CN" altLang="en-US" dirty="0" smtClean="0"/>
+              <a:t>模型</a:t>
+            </a:r>
+            <a:endParaRPr lang="zh-CN" altLang="en-US" dirty="0"/>
+          </a:p>
+        </p:txBody>
+      </p:sp>
+      <p:sp>
+        <p:nvSpPr>
+          <p:cNvPr id="3" name="内容占位符 2"/>
+          <p:cNvSpPr>
+            <a:spLocks noGrp="1"/>
+          </p:cNvSpPr>
+          <p:nvPr>
+            <p:ph idx="1"/>
+          </p:nvPr>
+        </p:nvSpPr>
+        <p:spPr/>
+        <p:txBody>
+          <a:bodyPr/>
+          <a:lstStyle/>
+          <a:p>
+            <a:r>
+              <a:rPr lang="zh-CN" altLang="en-US" dirty="0"/>
+              <a:t>比如： </a:t>
+            </a:r>
+            <a:r>
+              <a:rPr lang="en-US" altLang="zh-CN" i="1" dirty="0" smtClean="0"/>
+              <a:t>F</a:t>
+            </a:r>
+            <a:r>
+              <a:rPr lang="en-US" altLang="zh-CN" dirty="0" smtClean="0"/>
+              <a:t>=</a:t>
+            </a:r>
+            <a:r>
+              <a:rPr lang="en-US" altLang="zh-CN" i="1" dirty="0" smtClean="0"/>
+              <a:t>ma</a:t>
+            </a:r>
+          </a:p>
+        </p:txBody>
+      </p:sp>
+      <p:pic>
+        <p:nvPicPr>
+          <p:cNvPr id="5" name="图片 4"/>
+          <p:cNvPicPr>
+            <a:picLocks noChangeAspect="1"/>
+          </p:cNvPicPr>
+          <p:nvPr/>
+        </p:nvPicPr>
+        <p:blipFill>
+          <a:blip r:embed="rId2"/>
+          <a:stretch>
+            <a:fillRect/>
+          </a:stretch>
+        </p:blipFill>
+        <p:spPr>
+          <a:xfrm>
+            <a:off x="1685958" y="2628155"/>
+            <a:ext cx="3840813" cy="899238"/>
+          </a:xfrm>
+          <a:prstGeom prst="rect">
+            <a:avLst/>
+          </a:prstGeom>
+        </p:spPr>
+      </p:pic>
+      <p:sp>
+        <p:nvSpPr>
+          <p:cNvPr id="4" name="矩形 3"/>
+          <p:cNvSpPr/>
+          <p:nvPr/>
+        </p:nvSpPr>
+        <p:spPr>
+          <a:xfrm>
+            <a:off x="2357267" y="3757355"/>
+            <a:ext cx="8437916" cy="1938992"/>
+          </a:xfrm>
+          <a:prstGeom prst="rect">
+            <a:avLst/>
+          </a:prstGeom>
+        </p:spPr>
+        <p:txBody>
+          <a:bodyPr wrap="square">
+            <a:spAutoFit/>
+          </a:bodyPr>
+          <a:lstStyle/>
+          <a:p>
+            <a:r>
+              <a:rPr lang="zh-CN" altLang="en-US" sz="4000" b="0" i="0" dirty="0" smtClean="0">
+                <a:solidFill>
+                  <a:srgbClr val="333333"/>
+                </a:solidFill>
+                <a:effectLst/>
+                <a:latin typeface="Helvetica Neue"/>
+              </a:rPr>
+              <a:t>数学建模就是建模和其他的建模没啥区别，最大的特点就是他用的是数学的语言来描述的。</a:t>
+            </a:r>
+            <a:endParaRPr lang="zh-CN" altLang="en-US" sz="4000" dirty="0"/>
+          </a:p>
+        </p:txBody>
+      </p:sp>
+    </p:spTree>
+    <p:extLst>
+      <p:ext uri="{BB962C8B-B14F-4D97-AF65-F5344CB8AC3E}">
+        <p14:creationId xmlns:p14="http://schemas.microsoft.com/office/powerpoint/2010/main" val="2193503045"/>
+      </p:ext>
+    </p:extLst>
+  </p:cSld>
+  <p:clrMapOvr>
+    <a:masterClrMapping/>
+  </p:clrMapOvr>
+  <p:timing>
+    <p:tnLst>
+      <p:par>
+        <p:cTn id="1" dur="indefinite" restart="never" nodeType="tmRoot"/>
+      </p:par>
+    </p:tnLst>
+  </p:timing>
+</p:sld>
+</file>
+
+<file path=ppt/slides/slide11.xml><?xml version="1.0" encoding="utf-8"?>
+<p:sld xmlns:a="http://schemas.openxmlformats.org/drawingml/2006/main" xmlns:r="http://schemas.openxmlformats.org/officeDocument/2006/relationships" xmlns:p="http://schemas.openxmlformats.org/presentationml/2006/main">
+  <p:cSld>
+    <p:spTree>
+      <p:nvGrpSpPr>
+        <p:cNvPr id="1" name=""/>
+        <p:cNvGrpSpPr/>
+        <p:nvPr/>
+      </p:nvGrpSpPr>
+      <p:grpSpPr>
+        <a:xfrm>
+          <a:off x="0" y="0"/>
+          <a:ext cx="0" cy="0"/>
+          <a:chOff x="0" y="0"/>
+          <a:chExt cx="0" cy="0"/>
+        </a:xfrm>
+      </p:grpSpPr>
+      <p:sp>
+        <p:nvSpPr>
+          <p:cNvPr id="2" name="标题 1"/>
+          <p:cNvSpPr>
+            <a:spLocks noGrp="1"/>
+          </p:cNvSpPr>
+          <p:nvPr>
+            <p:ph type="title"/>
+          </p:nvPr>
+        </p:nvSpPr>
+        <p:spPr/>
+        <p:txBody>
+          <a:bodyPr>
+            <a:normAutofit/>
+          </a:bodyPr>
+          <a:lstStyle/>
+          <a:p>
+            <a:r>
               <a:rPr lang="zh-CN" altLang="en-US" b="1" dirty="0"/>
               <a:t>一些重要的</a:t>
             </a:r>
@@ -3232,179 +3393,6 @@
 </p:sld>
 </file>
 
-<file path=ppt/slides/slide11.xml><?xml version="1.0" encoding="utf-8"?>
-<p:sld xmlns:a="http://schemas.openxmlformats.org/drawingml/2006/main" xmlns:r="http://schemas.openxmlformats.org/officeDocument/2006/relationships" xmlns:p="http://schemas.openxmlformats.org/presentationml/2006/main">
-  <p:cSld>
-    <p:spTree>
-      <p:nvGrpSpPr>
-        <p:cNvPr id="1" name=""/>
-        <p:cNvGrpSpPr/>
-        <p:nvPr/>
-      </p:nvGrpSpPr>
-      <p:grpSpPr>
-        <a:xfrm>
-          <a:off x="0" y="0"/>
-          <a:ext cx="0" cy="0"/>
-          <a:chOff x="0" y="0"/>
-          <a:chExt cx="0" cy="0"/>
-        </a:xfrm>
-      </p:grpSpPr>
-      <p:sp>
-        <p:nvSpPr>
-          <p:cNvPr id="2" name="标题 1"/>
-          <p:cNvSpPr>
-            <a:spLocks noGrp="1"/>
-          </p:cNvSpPr>
-          <p:nvPr>
-            <p:ph type="title"/>
-          </p:nvPr>
-        </p:nvSpPr>
-        <p:spPr/>
-        <p:txBody>
-          <a:bodyPr/>
-          <a:lstStyle/>
-          <a:p>
-            <a:r>
-              <a:rPr lang="en-US" altLang="zh-CN" b="1" dirty="0" smtClean="0"/>
-              <a:t>Parameters </a:t>
-            </a:r>
-            <a:r>
-              <a:rPr lang="zh-CN" altLang="en-US" b="1" dirty="0" smtClean="0"/>
-              <a:t>参数 </a:t>
-            </a:r>
-            <a:r>
-              <a:rPr lang="en-US" altLang="zh-CN" b="1" dirty="0" smtClean="0"/>
-              <a:t>&amp; Variables </a:t>
-            </a:r>
-            <a:r>
-              <a:rPr lang="zh-CN" altLang="en-US" b="1" dirty="0" smtClean="0"/>
-              <a:t>变量</a:t>
-            </a:r>
-            <a:endParaRPr lang="zh-CN" altLang="en-US" dirty="0"/>
-          </a:p>
-        </p:txBody>
-      </p:sp>
-      <p:sp>
-        <p:nvSpPr>
-          <p:cNvPr id="3" name="内容占位符 2"/>
-          <p:cNvSpPr>
-            <a:spLocks noGrp="1"/>
-          </p:cNvSpPr>
-          <p:nvPr>
-            <p:ph idx="1"/>
-          </p:nvPr>
-        </p:nvSpPr>
-        <p:spPr/>
-        <p:txBody>
-          <a:bodyPr/>
-          <a:lstStyle/>
-          <a:p>
-            <a:r>
-              <a:rPr lang="zh-CN" altLang="en-US" dirty="0" smtClean="0"/>
-              <a:t>模型</a:t>
-            </a:r>
-            <a:r>
-              <a:rPr lang="zh-CN" altLang="en-US" dirty="0"/>
-              <a:t>里面有参数和变量这两个东西，参数一般</a:t>
-            </a:r>
-            <a:r>
-              <a:rPr lang="zh-CN" altLang="en-US" dirty="0" smtClean="0"/>
-              <a:t>用</a:t>
-            </a:r>
-            <a:r>
-              <a:rPr lang="en-US" altLang="zh-CN" i="1" dirty="0" smtClean="0"/>
-              <a:t>θ</a:t>
-            </a:r>
-            <a:r>
-              <a:rPr lang="zh-CN" altLang="en-US" dirty="0"/>
-              <a:t>表示，变量一般就是</a:t>
-            </a:r>
-            <a:r>
-              <a:rPr lang="en-US" altLang="zh-CN" dirty="0"/>
-              <a:t>x</a:t>
-            </a:r>
-            <a:r>
-              <a:rPr lang="zh-CN" altLang="en-US" dirty="0" smtClean="0"/>
-              <a:t>，</a:t>
-            </a:r>
-            <a:r>
-              <a:rPr lang="en-US" altLang="zh-CN" i="1" dirty="0" smtClean="0"/>
-              <a:t>y</a:t>
-            </a:r>
-            <a:r>
-              <a:rPr lang="zh-CN" altLang="en-US" dirty="0"/>
-              <a:t>表示。它们有什么区别呢？</a:t>
-            </a:r>
-          </a:p>
-          <a:p>
-            <a:endParaRPr lang="en-US" altLang="zh-CN" dirty="0" smtClean="0"/>
-          </a:p>
-          <a:p>
-            <a:r>
-              <a:rPr lang="zh-CN" altLang="en-US" b="1" dirty="0"/>
-              <a:t>参数 </a:t>
-            </a:r>
-            <a:r>
-              <a:rPr lang="en-US" altLang="zh-CN" b="1" dirty="0"/>
-              <a:t>Parameter </a:t>
-            </a:r>
-            <a:r>
-              <a:rPr lang="zh-CN" altLang="en-US" b="1" dirty="0"/>
-              <a:t>的定义是</a:t>
-            </a:r>
-            <a:r>
-              <a:rPr lang="zh-CN" altLang="en-US" dirty="0"/>
-              <a:t>：</a:t>
-            </a:r>
-            <a:r>
-              <a:rPr lang="en-US" altLang="zh-CN" dirty="0"/>
-              <a:t>Parameters are usually used for defining some characteristics of the modeled object</a:t>
-            </a:r>
-            <a:r>
-              <a:rPr lang="en-US" altLang="zh-CN" dirty="0" smtClean="0"/>
-              <a:t>.</a:t>
-            </a:r>
-          </a:p>
-          <a:p>
-            <a:endParaRPr lang="en-US" altLang="zh-CN" dirty="0"/>
-          </a:p>
-          <a:p>
-            <a:r>
-              <a:rPr lang="zh-CN" altLang="en-US" b="1" dirty="0"/>
-              <a:t>变量的定义是</a:t>
-            </a:r>
-            <a:r>
-              <a:rPr lang="zh-CN" altLang="en-US" dirty="0"/>
-              <a:t>：</a:t>
-            </a:r>
-            <a:r>
-              <a:rPr lang="en-US" altLang="zh-CN" dirty="0"/>
-              <a:t>Variables are usually describing the state of the model.</a:t>
-            </a:r>
-            <a:endParaRPr lang="zh-CN" altLang="en-US" dirty="0"/>
-          </a:p>
-        </p:txBody>
-      </p:sp>
-    </p:spTree>
-    <p:extLst>
-      <p:ext uri="{BB962C8B-B14F-4D97-AF65-F5344CB8AC3E}">
-        <p14:creationId xmlns:p14="http://schemas.microsoft.com/office/powerpoint/2010/main" val="2805642731"/>
-      </p:ext>
-    </p:extLst>
-  </p:cSld>
-  <p:clrMapOvr>
-    <a:masterClrMapping/>
-  </p:clrMapOvr>
-  <p:timing>
-    <p:tnLst>
-      <p:par>
-        <p:cTn id="1" dur="indefinite" restart="never" nodeType="tmRoot"/>
-      </p:par>
-    </p:tnLst>
-  </p:timing>
-</p:sld>
-</file>
-
 <file path=ppt/slides/slide12.xml><?xml version="1.0" encoding="utf-8"?>
 <p:sld xmlns:a="http://schemas.openxmlformats.org/drawingml/2006/main" xmlns:r="http://schemas.openxmlformats.org/officeDocument/2006/relationships" xmlns:p="http://schemas.openxmlformats.org/presentationml/2006/main">
   <p:cSld>
@@ -3437,7 +3425,23 @@
           <a:bodyPr/>
           <a:lstStyle/>
           <a:p>
-            <a:endParaRPr lang="zh-CN" altLang="en-US"/>
+            <a:r>
+              <a:rPr lang="en-US" altLang="zh-CN" b="1" dirty="0" smtClean="0"/>
+              <a:t>Parameters </a:t>
+            </a:r>
+            <a:r>
+              <a:rPr lang="zh-CN" altLang="en-US" b="1" dirty="0" smtClean="0"/>
+              <a:t>参数 </a:t>
+            </a:r>
+            <a:r>
+              <a:rPr lang="en-US" altLang="zh-CN" b="1" dirty="0" smtClean="0"/>
+              <a:t>&amp; Variables </a:t>
+            </a:r>
+            <a:r>
+              <a:rPr lang="zh-CN" altLang="en-US" b="1" dirty="0" smtClean="0"/>
+              <a:t>变量</a:t>
+            </a:r>
+            <a:endParaRPr lang="zh-CN" altLang="en-US" dirty="0"/>
           </a:p>
         </p:txBody>
       </p:sp>
@@ -3451,15 +3455,51 @@
             <p:ph idx="1"/>
           </p:nvPr>
         </p:nvSpPr>
-        <p:spPr>
-          <a:xfrm>
-            <a:off x="838200" y="1917723"/>
-            <a:ext cx="10515600" cy="4351338"/>
-          </a:xfrm>
-        </p:spPr>
-        <p:txBody>
-          <a:bodyPr/>
-          <a:lstStyle/>
+        <p:spPr/>
+        <p:txBody>
+          <a:bodyPr/>
+          <a:lstStyle/>
+          <a:p>
+            <a:r>
+              <a:rPr lang="zh-CN" altLang="en-US" dirty="0" smtClean="0"/>
+              <a:t>模型</a:t>
+            </a:r>
+            <a:r>
+              <a:rPr lang="zh-CN" altLang="en-US" dirty="0"/>
+              <a:t>里面有参数和变量这两个东西，参数一般</a:t>
+            </a:r>
+            <a:r>
+              <a:rPr lang="zh-CN" altLang="en-US" dirty="0" smtClean="0"/>
+              <a:t>用</a:t>
+            </a:r>
+            <a:r>
+              <a:rPr lang="en-US" altLang="zh-CN" i="1" dirty="0" smtClean="0"/>
+              <a:t>θ</a:t>
+            </a:r>
+            <a:r>
+              <a:rPr lang="zh-CN" altLang="en-US" dirty="0"/>
+              <a:t>表示，变量一般就是</a:t>
+            </a:r>
+            <a:r>
+              <a:rPr lang="en-US" altLang="zh-CN" dirty="0"/>
+              <a:t>x</a:t>
+            </a:r>
+            <a:r>
+              <a:rPr lang="zh-CN" altLang="en-US" dirty="0" smtClean="0"/>
+              <a:t>，</a:t>
+            </a:r>
+            <a:r>
+              <a:rPr lang="en-US" altLang="zh-CN" i="1" dirty="0" smtClean="0"/>
+              <a:t>y</a:t>
+            </a:r>
+            <a:r>
+              <a:rPr lang="zh-CN" altLang="en-US" dirty="0"/>
+              <a:t>表示。它们有什么区别呢？</a:t>
+            </a:r>
+          </a:p>
+          <a:p>
+            <a:endParaRPr lang="en-US" altLang="zh-CN" dirty="0" smtClean="0"/>
+          </a:p>
           <a:p>
             <a:r>
               <a:rPr lang="zh-CN" altLang="en-US" b="1" dirty="0"/>
@@ -3491,27 +3531,17 @@
           </a:p>
           <a:p>
             <a:r>
+              <a:rPr lang="zh-CN" altLang="en-US" b="1" dirty="0"/>
+              <a:t>变量的定义是</a:t>
+            </a:r>
+            <a:r>
               <a:rPr lang="zh-CN" altLang="en-US" dirty="0"/>
-              <a:t>他的意思是说参数，是定义了一个模型的特征。例如一个车的模型，他的参数可以有，车的马力，车的重量，甚至有几个轮子。对于一个车来说这些量是固定的，不会改变，如果改变和几个量就变成了不同的模型。比如一个法拉利可以有 </a:t>
+              <a:t>：</a:t>
             </a:r>
             <a:r>
               <a:rPr lang="en-US" altLang="zh-CN" dirty="0"/>
-              <a:t>500 </a:t>
-            </a:r>
-            <a:r>
-              <a:rPr lang="zh-CN" altLang="en-US" dirty="0"/>
-              <a:t>马力，而一辆特斯拉可以有 </a:t>
-            </a:r>
-            <a:r>
-              <a:rPr lang="en-US" altLang="zh-CN" dirty="0"/>
-              <a:t>1100 </a:t>
-            </a:r>
-            <a:r>
-              <a:rPr lang="zh-CN" altLang="en-US" dirty="0"/>
-              <a:t>马力</a:t>
-            </a:r>
-          </a:p>
-          <a:p>
+              <a:t>Variables are usually describing the state of the model.</a:t>
+            </a:r>
             <a:endParaRPr lang="zh-CN" altLang="en-US" dirty="0"/>
           </a:p>
         </p:txBody>
@@ -3519,7 +3549,7 @@
     </p:spTree>
     <p:extLst>
       <p:ext uri="{BB962C8B-B14F-4D97-AF65-F5344CB8AC3E}">
-        <p14:creationId xmlns:p14="http://schemas.microsoft.com/office/powerpoint/2010/main" val="166814081"/>
+        <p14:creationId xmlns:p14="http://schemas.microsoft.com/office/powerpoint/2010/main" val="2805642731"/>
       </p:ext>
     </p:extLst>
   </p:cSld>
@@ -3582,6 +3612,137 @@
             <p:ph idx="1"/>
           </p:nvPr>
         </p:nvSpPr>
+        <p:spPr>
+          <a:xfrm>
+            <a:off x="838200" y="1917723"/>
+            <a:ext cx="10515600" cy="4351338"/>
+          </a:xfrm>
+        </p:spPr>
+        <p:txBody>
+          <a:bodyPr/>
+          <a:lstStyle/>
+          <a:p>
+            <a:r>
+              <a:rPr lang="zh-CN" altLang="en-US" b="1" dirty="0"/>
+              <a:t>参数 </a:t>
+            </a:r>
+            <a:r>
+              <a:rPr lang="en-US" altLang="zh-CN" b="1" dirty="0"/>
+              <a:t>Parameter </a:t>
+            </a:r>
+            <a:r>
+              <a:rPr lang="zh-CN" altLang="en-US" b="1" dirty="0"/>
+              <a:t>的定义是</a:t>
+            </a:r>
+            <a:r>
+              <a:rPr lang="zh-CN" altLang="en-US" dirty="0"/>
+              <a:t>：</a:t>
+            </a:r>
+            <a:r>
+              <a:rPr lang="en-US" altLang="zh-CN" dirty="0"/>
+              <a:t>Parameters are usually used for defining some characteristics of the modeled object</a:t>
+            </a:r>
+            <a:r>
+              <a:rPr lang="en-US" altLang="zh-CN" dirty="0" smtClean="0"/>
+              <a:t>.</a:t>
+            </a:r>
+          </a:p>
+          <a:p>
+            <a:endParaRPr lang="en-US" altLang="zh-CN" dirty="0"/>
+          </a:p>
+          <a:p>
+            <a:r>
+              <a:rPr lang="zh-CN" altLang="en-US" dirty="0"/>
+              <a:t>他的意思是说参数，是定义了一个模型的特征。例如一个车的模型，他的参数可以有，车的马力，车的重量，甚至有几个轮子。对于一个车来说这些量是固定的，不会改变，如果改变和几个量就变成了不同的模型。比如一个法拉利可以有 </a:t>
+            </a:r>
+            <a:r>
+              <a:rPr lang="en-US" altLang="zh-CN" dirty="0"/>
+              <a:t>500 </a:t>
+            </a:r>
+            <a:r>
+              <a:rPr lang="zh-CN" altLang="en-US" dirty="0"/>
+              <a:t>马力，而一辆特斯拉可以有 </a:t>
+            </a:r>
+            <a:r>
+              <a:rPr lang="en-US" altLang="zh-CN" dirty="0"/>
+              <a:t>1100 </a:t>
+            </a:r>
+            <a:r>
+              <a:rPr lang="zh-CN" altLang="en-US" dirty="0"/>
+              <a:t>马力</a:t>
+            </a:r>
+          </a:p>
+          <a:p>
+            <a:endParaRPr lang="zh-CN" altLang="en-US" dirty="0"/>
+          </a:p>
+        </p:txBody>
+      </p:sp>
+    </p:spTree>
+    <p:extLst>
+      <p:ext uri="{BB962C8B-B14F-4D97-AF65-F5344CB8AC3E}">
+        <p14:creationId xmlns:p14="http://schemas.microsoft.com/office/powerpoint/2010/main" val="166814081"/>
+      </p:ext>
+    </p:extLst>
+  </p:cSld>
+  <p:clrMapOvr>
+    <a:masterClrMapping/>
+  </p:clrMapOvr>
+  <p:timing>
+    <p:tnLst>
+      <p:par>
+        <p:cTn id="1" dur="indefinite" restart="never" nodeType="tmRoot"/>
+      </p:par>
+    </p:tnLst>
+  </p:timing>
+</p:sld>
+</file>
+
+<file path=ppt/slides/slide14.xml><?xml version="1.0" encoding="utf-8"?>
+<p:sld xmlns:a="http://schemas.openxmlformats.org/drawingml/2006/main" xmlns:r="http://schemas.openxmlformats.org/officeDocument/2006/relationships" xmlns:p="http://schemas.openxmlformats.org/presentationml/2006/main">
+  <p:cSld>
+    <p:spTree>
+      <p:nvGrpSpPr>
+        <p:cNvPr id="1" name=""/>
+        <p:cNvGrpSpPr/>
+        <p:nvPr/>
+      </p:nvGrpSpPr>
+      <p:grpSpPr>
+        <a:xfrm>
+          <a:off x="0" y="0"/>
+          <a:ext cx="0" cy="0"/>
+          <a:chOff x="0" y="0"/>
+          <a:chExt cx="0" cy="0"/>
+        </a:xfrm>
+      </p:grpSpPr>
+      <p:sp>
+        <p:nvSpPr>
+          <p:cNvPr id="2" name="标题 1"/>
+          <p:cNvSpPr>
+            <a:spLocks noGrp="1"/>
+          </p:cNvSpPr>
+          <p:nvPr>
+            <p:ph type="title"/>
+          </p:nvPr>
+        </p:nvSpPr>
+        <p:spPr/>
+        <p:txBody>
+          <a:bodyPr/>
+          <a:lstStyle/>
+          <a:p>
+            <a:endParaRPr lang="zh-CN" altLang="en-US"/>
+          </a:p>
+        </p:txBody>
+      </p:sp>
+      <p:sp>
+        <p:nvSpPr>
+          <p:cNvPr id="3" name="内容占位符 2"/>
+          <p:cNvSpPr>
+            <a:spLocks noGrp="1"/>
+          </p:cNvSpPr>
+          <p:nvPr>
+            <p:ph idx="1"/>
+          </p:nvPr>
+        </p:nvSpPr>
         <p:spPr/>
         <p:txBody>
           <a:bodyPr/>
@@ -3695,7 +3856,7 @@
 </p:sld>
 </file>
 
-<file path=ppt/slides/slide14.xml><?xml version="1.0" encoding="utf-8"?>
+<file path=ppt/slides/slide15.xml><?xml version="1.0" encoding="utf-8"?>
 <p:sld xmlns:a="http://schemas.openxmlformats.org/drawingml/2006/main" xmlns:r="http://schemas.openxmlformats.org/officeDocument/2006/relationships" xmlns:p="http://schemas.openxmlformats.org/presentationml/2006/main">
   <p:cSld>
     <p:spTree>
@@ -3836,7 +3997,7 @@
 </p:sld>
 </file>
 
-<file path=ppt/slides/slide15.xml><?xml version="1.0" encoding="utf-8"?>
+<file path=ppt/slides/slide16.xml><?xml version="1.0" encoding="utf-8"?>
 <p:sld xmlns:a="http://schemas.openxmlformats.org/drawingml/2006/main" xmlns:r="http://schemas.openxmlformats.org/officeDocument/2006/relationships" xmlns:p="http://schemas.openxmlformats.org/presentationml/2006/main">
   <p:cSld>
     <p:spTree>
@@ -3959,7 +4120,7 @@
 </p:sld>
 </file>
 
-<file path=ppt/slides/slide16.xml><?xml version="1.0" encoding="utf-8"?>
+<file path=ppt/slides/slide17.xml><?xml version="1.0" encoding="utf-8"?>
 <p:sld xmlns:a="http://schemas.openxmlformats.org/drawingml/2006/main" xmlns:r="http://schemas.openxmlformats.org/officeDocument/2006/relationships" xmlns:p="http://schemas.openxmlformats.org/presentationml/2006/main">
   <p:cSld>
     <p:spTree>
@@ -4350,163 +4511,6 @@
 </p:sld>
 </file>
 
-<file path=ppt/slides/slide17.xml><?xml version="1.0" encoding="utf-8"?>
-<p:sld xmlns:a="http://schemas.openxmlformats.org/drawingml/2006/main" xmlns:r="http://schemas.openxmlformats.org/officeDocument/2006/relationships" xmlns:p="http://schemas.openxmlformats.org/presentationml/2006/main">
-  <p:cSld>
-    <p:spTree>
-      <p:nvGrpSpPr>
-        <p:cNvPr id="1" name=""/>
-        <p:cNvGrpSpPr/>
-        <p:nvPr/>
-      </p:nvGrpSpPr>
-      <p:grpSpPr>
-        <a:xfrm>
-          <a:off x="0" y="0"/>
-          <a:ext cx="0" cy="0"/>
-          <a:chOff x="0" y="0"/>
-          <a:chExt cx="0" cy="0"/>
-        </a:xfrm>
-      </p:grpSpPr>
-      <p:sp>
-        <p:nvSpPr>
-          <p:cNvPr id="2" name="标题 1"/>
-          <p:cNvSpPr>
-            <a:spLocks noGrp="1"/>
-          </p:cNvSpPr>
-          <p:nvPr>
-            <p:ph type="title"/>
-          </p:nvPr>
-        </p:nvSpPr>
-        <p:spPr/>
-        <p:txBody>
-          <a:bodyPr/>
-          <a:lstStyle/>
-          <a:p>
-            <a:r>
-              <a:rPr lang="zh-CN" altLang="en-US" dirty="0" smtClean="0"/>
-              <a:t>数学建模主要方法</a:t>
-            </a:r>
-            <a:endParaRPr lang="zh-CN" altLang="en-US" dirty="0"/>
-          </a:p>
-        </p:txBody>
-      </p:sp>
-      <p:sp>
-        <p:nvSpPr>
-          <p:cNvPr id="3" name="内容占位符 2"/>
-          <p:cNvSpPr>
-            <a:spLocks noGrp="1"/>
-          </p:cNvSpPr>
-          <p:nvPr>
-            <p:ph idx="1"/>
-          </p:nvPr>
-        </p:nvSpPr>
-        <p:spPr/>
-        <p:txBody>
-          <a:bodyPr/>
-          <a:lstStyle/>
-          <a:p>
-            <a:r>
-              <a:rPr lang="zh-CN" altLang="en-US" dirty="0" smtClean="0"/>
-              <a:t>基于机理</a:t>
-            </a:r>
-            <a:endParaRPr lang="en-US" altLang="zh-CN" dirty="0" smtClean="0"/>
-          </a:p>
-          <a:p>
-            <a:pPr lvl="1"/>
-            <a:r>
-              <a:rPr lang="zh-CN" altLang="en-US" dirty="0" smtClean="0"/>
-              <a:t>代数方法：建立各个变量之间的联系</a:t>
-            </a:r>
-            <a:endParaRPr lang="en-US" altLang="zh-CN" dirty="0" smtClean="0"/>
-          </a:p>
-          <a:p>
-            <a:pPr lvl="1"/>
-            <a:r>
-              <a:rPr lang="zh-CN" altLang="en-US" dirty="0"/>
-              <a:t>逻辑</a:t>
-            </a:r>
-            <a:r>
-              <a:rPr lang="zh-CN" altLang="en-US" dirty="0" smtClean="0"/>
-              <a:t>方法：通过逻辑判断实现模型</a:t>
-            </a:r>
-            <a:endParaRPr lang="en-US" altLang="zh-CN" dirty="0" smtClean="0"/>
-          </a:p>
-          <a:p>
-            <a:pPr lvl="1"/>
-            <a:r>
-              <a:rPr lang="zh-CN" altLang="en-US" dirty="0" smtClean="0"/>
-              <a:t>微分方程：世界万物间的关系都可以用微分方程表示</a:t>
-            </a:r>
-            <a:endParaRPr lang="en-US" altLang="zh-CN" dirty="0" smtClean="0"/>
-          </a:p>
-          <a:p>
-            <a:r>
-              <a:rPr lang="zh-CN" altLang="en-US" dirty="0" smtClean="0"/>
-              <a:t>优化问题：</a:t>
-            </a:r>
-            <a:endParaRPr lang="en-US" altLang="zh-CN" dirty="0" smtClean="0"/>
-          </a:p>
-          <a:p>
-            <a:pPr lvl="1"/>
-            <a:r>
-              <a:rPr lang="zh-CN" altLang="en-US" dirty="0" smtClean="0"/>
-              <a:t>寻找一个目标的最小值</a:t>
-            </a:r>
-            <a:endParaRPr lang="en-US" altLang="zh-CN" dirty="0" smtClean="0"/>
-          </a:p>
-          <a:p>
-            <a:r>
-              <a:rPr lang="zh-CN" altLang="en-US" dirty="0"/>
-              <a:t>基于</a:t>
-            </a:r>
-            <a:r>
-              <a:rPr lang="zh-CN" altLang="en-US" dirty="0" smtClean="0"/>
-              <a:t>数据</a:t>
-            </a:r>
-            <a:endParaRPr lang="en-US" altLang="zh-CN" dirty="0" smtClean="0"/>
-          </a:p>
-          <a:p>
-            <a:pPr lvl="1"/>
-            <a:r>
-              <a:rPr lang="zh-CN" altLang="en-US" dirty="0" smtClean="0"/>
-              <a:t>基本统计学</a:t>
-            </a:r>
-            <a:endParaRPr lang="en-US" altLang="zh-CN" dirty="0" smtClean="0"/>
-          </a:p>
-          <a:p>
-            <a:pPr lvl="1"/>
-            <a:r>
-              <a:rPr lang="zh-CN" altLang="en-US" dirty="0" smtClean="0"/>
-              <a:t>回归分析，分类，聚类</a:t>
-            </a:r>
-            <a:endParaRPr lang="en-US" altLang="zh-CN" dirty="0" smtClean="0"/>
-          </a:p>
-          <a:p>
-            <a:pPr lvl="1"/>
-            <a:endParaRPr lang="en-US" altLang="zh-CN" dirty="0" smtClean="0"/>
-          </a:p>
-        </p:txBody>
-      </p:sp>
-    </p:spTree>
-    <p:extLst>
-      <p:ext uri="{BB962C8B-B14F-4D97-AF65-F5344CB8AC3E}">
-        <p14:creationId xmlns:p14="http://schemas.microsoft.com/office/powerpoint/2010/main" val="3807848905"/>
-      </p:ext>
-    </p:extLst>
-  </p:cSld>
-  <p:clrMapOvr>
-    <a:masterClrMapping/>
-  </p:clrMapOvr>
-  <p:timing>
-    <p:tnLst>
-      <p:par>
-        <p:cTn id="1" dur="indefinite" restart="never" nodeType="tmRoot"/>
-      </p:par>
-    </p:tnLst>
-  </p:timing>
-</p:sld>
-</file>
-
 <file path=ppt/slides/slide18.xml><?xml version="1.0" encoding="utf-8"?>
 <p:sld xmlns:a="http://schemas.openxmlformats.org/drawingml/2006/main" xmlns:r="http://schemas.openxmlformats.org/officeDocument/2006/relationships" xmlns:p="http://schemas.openxmlformats.org/presentationml/2006/main">
   <p:cSld>
@@ -4541,11 +4545,11 @@
           <a:p>
             <a:r>
               <a:rPr lang="zh-CN" altLang="en-US" b="1" dirty="0"/>
-              <a:t>为什么我们要学 </a:t>
-            </a:r>
-            <a:r>
-              <a:rPr lang="en-US" altLang="zh-CN" b="1" dirty="0" smtClean="0"/>
-              <a:t>Python</a:t>
+              <a:t>数学建模的</a:t>
+            </a:r>
+            <a:r>
+              <a:rPr lang="zh-CN" altLang="en-US" b="1" dirty="0" smtClean="0"/>
+              <a:t>步骤</a:t>
             </a:r>
             <a:endParaRPr lang="zh-CN" altLang="en-US" dirty="0"/>
           </a:p>
@@ -4563,57 +4567,117 @@
         </p:nvSpPr>
         <p:spPr/>
         <p:txBody>
-          <a:bodyPr/>
+          <a:bodyPr>
+            <a:normAutofit/>
+          </a:bodyPr>
           <a:lstStyle/>
           <a:p>
             <a:r>
               <a:rPr lang="zh-CN" altLang="en-US" dirty="0"/>
-              <a:t>数学建模啥的，不一定要用 </a:t>
-            </a:r>
+              <a:t/>
+            </a:r>
+            <a:br>
+              <a:rPr lang="zh-CN" altLang="en-US" dirty="0"/>
+            </a:br>
             <a:r>
               <a:rPr lang="en-US" altLang="zh-CN" dirty="0"/>
-              <a:t>Python</a:t>
+              <a:t>1.</a:t>
             </a:r>
             <a:r>
               <a:rPr lang="zh-CN" altLang="en-US" dirty="0"/>
-              <a:t>，但是是需要使用计算机编程</a:t>
-            </a:r>
-          </a:p>
-          <a:p>
-            <a:r>
-              <a:rPr lang="zh-CN" altLang="en-US" dirty="0" smtClean="0"/>
-              <a:t>为啥不用</a:t>
-            </a:r>
+              <a:t> </a:t>
+            </a:r>
+            <a:r>
+              <a:rPr lang="zh-CN" altLang="en-US" b="1" dirty="0" smtClean="0"/>
+              <a:t>首先</a:t>
+            </a:r>
+            <a:r>
+              <a:rPr lang="zh-CN" altLang="en-US" b="1" dirty="0"/>
+              <a:t>要定义</a:t>
+            </a:r>
+            <a:r>
+              <a:rPr lang="zh-CN" altLang="en-US" b="1" dirty="0" smtClean="0"/>
+              <a:t>问题</a:t>
+            </a:r>
+            <a:endParaRPr lang="en-US" altLang="zh-CN" b="1" dirty="0" smtClean="0"/>
+          </a:p>
+          <a:p>
             <a:r>
               <a:rPr lang="en-US" altLang="zh-CN" dirty="0" smtClean="0"/>
-              <a:t>C/C++?</a:t>
-            </a:r>
-          </a:p>
-          <a:p>
+              <a:t>2</a:t>
+            </a:r>
+            <a:r>
+              <a:rPr lang="en-US" altLang="zh-CN" dirty="0"/>
+              <a:t>.</a:t>
+            </a:r>
             <a:r>
               <a:rPr lang="zh-CN" altLang="en-US" dirty="0"/>
-              <a:t>其实学啥都一样，别纠结。</a:t>
-            </a:r>
+              <a:t> </a:t>
+            </a:r>
+            <a:r>
+              <a:rPr lang="zh-CN" altLang="en-US" b="1" dirty="0" smtClean="0"/>
+              <a:t>然后</a:t>
+            </a:r>
+            <a:r>
+              <a:rPr lang="zh-CN" altLang="en-US" b="1" dirty="0"/>
+              <a:t>需要定义一些参数和</a:t>
+            </a:r>
+            <a:r>
+              <a:rPr lang="zh-CN" altLang="en-US" b="1" dirty="0" smtClean="0"/>
+              <a:t>变量</a:t>
+            </a:r>
+            <a:endParaRPr lang="en-US" altLang="zh-CN" b="1" dirty="0" smtClean="0"/>
+          </a:p>
+          <a:p>
+            <a:r>
+              <a:rPr lang="en-US" altLang="zh-CN" dirty="0" smtClean="0"/>
+              <a:t>3.</a:t>
+            </a:r>
+            <a:r>
+              <a:rPr lang="zh-CN" altLang="en-US" b="1" dirty="0" smtClean="0"/>
+              <a:t>然后</a:t>
+            </a:r>
+            <a:r>
+              <a:rPr lang="zh-CN" altLang="en-US" b="1" dirty="0"/>
+              <a:t>就是建模</a:t>
+            </a:r>
+            <a:r>
+              <a:rPr lang="zh-CN" altLang="en-US" b="1" dirty="0" smtClean="0"/>
+              <a:t>求解</a:t>
+            </a:r>
+            <a:endParaRPr lang="en-US" altLang="zh-CN" b="1" dirty="0" smtClean="0"/>
+          </a:p>
+          <a:p>
+            <a:r>
+              <a:rPr lang="en-US" altLang="zh-CN" dirty="0" smtClean="0"/>
+              <a:t>4.</a:t>
+            </a:r>
+            <a:r>
+              <a:rPr lang="zh-CN" altLang="en-US" b="1" dirty="0" smtClean="0"/>
+              <a:t>然后</a:t>
+            </a:r>
+            <a:r>
+              <a:rPr lang="zh-CN" altLang="en-US" b="1" dirty="0"/>
+              <a:t>就是评价你的</a:t>
+            </a:r>
+            <a:r>
+              <a:rPr lang="zh-CN" altLang="en-US" b="1" dirty="0" smtClean="0"/>
+              <a:t>模型</a:t>
+            </a:r>
+            <a:endParaRPr lang="zh-CN" altLang="en-US" dirty="0"/>
           </a:p>
         </p:txBody>
       </p:sp>
     </p:spTree>
     <p:extLst>
       <p:ext uri="{BB962C8B-B14F-4D97-AF65-F5344CB8AC3E}">
-        <p14:creationId xmlns:p14="http://schemas.microsoft.com/office/powerpoint/2010/main" val="3164419399"/>
+        <p14:creationId xmlns:p14="http://schemas.microsoft.com/office/powerpoint/2010/main" val="637436147"/>
       </p:ext>
     </p:extLst>
   </p:cSld>
   <p:clrMapOvr>
     <a:masterClrMapping/>
   </p:clrMapOvr>
-  <p:timing>
-    <p:tnLst>
-      <p:par>
-        <p:cTn id="1" dur="indefinite" restart="never" nodeType="tmRoot"/>
-      </p:par>
-    </p:tnLst>
-  </p:timing>
 </p:sld>
 </file>
 
@@ -4651,7 +4715,7 @@
           <a:p>
             <a:r>
               <a:rPr lang="zh-CN" altLang="en-US" dirty="0" smtClean="0"/>
-              <a:t>关于这个课</a:t>
+              <a:t>数学建模主要方法</a:t>
             </a:r>
             <a:endParaRPr lang="zh-CN" altLang="en-US" dirty="0"/>
           </a:p>
@@ -4674,50 +4738,82 @@
           <a:p>
             <a:r>
               <a:rPr lang="zh-CN" altLang="en-US" dirty="0" smtClean="0"/>
-              <a:t>我们主要讲面向工程应用的</a:t>
-            </a:r>
-            <a:r>
-              <a:rPr lang="en-US" altLang="zh-CN" dirty="0" smtClean="0"/>
-              <a:t>Python</a:t>
-            </a:r>
+              <a:t>基于机理</a:t>
+            </a:r>
+            <a:endParaRPr lang="en-US" altLang="zh-CN" dirty="0" smtClean="0"/>
+          </a:p>
+          <a:p>
+            <a:pPr lvl="1"/>
             <a:r>
               <a:rPr lang="zh-CN" altLang="en-US" dirty="0" smtClean="0"/>
-              <a:t>和数学技术</a:t>
+              <a:t>代数方法：建立各个变量之间的联系</a:t>
             </a:r>
             <a:endParaRPr lang="en-US" altLang="zh-CN" dirty="0" smtClean="0"/>
           </a:p>
           <a:p>
+            <a:pPr lvl="1"/>
+            <a:r>
+              <a:rPr lang="zh-CN" altLang="en-US" dirty="0"/>
+              <a:t>逻辑</a:t>
+            </a:r>
             <a:r>
               <a:rPr lang="zh-CN" altLang="en-US" dirty="0" smtClean="0"/>
-              <a:t>其中有很多都可以引用与数学建模比赛，因为比赛也是是基于实际</a:t>
-            </a:r>
+              <a:t>方法：通过逻辑判断实现模型</a:t>
+            </a:r>
+            <a:endParaRPr lang="en-US" altLang="zh-CN" dirty="0" smtClean="0"/>
+          </a:p>
+          <a:p>
+            <a:pPr lvl="1"/>
+            <a:r>
+              <a:rPr lang="zh-CN" altLang="en-US" dirty="0" smtClean="0"/>
+              <a:t>微分方程：世界万物间的关系都可以用微分方程表示</a:t>
+            </a:r>
+            <a:endParaRPr lang="en-US" altLang="zh-CN" dirty="0" smtClean="0"/>
+          </a:p>
+          <a:p>
+            <a:r>
+              <a:rPr lang="zh-CN" altLang="en-US" dirty="0" smtClean="0"/>
+              <a:t>优化问题：</a:t>
+            </a:r>
+            <a:endParaRPr lang="en-US" altLang="zh-CN" dirty="0" smtClean="0"/>
+          </a:p>
+          <a:p>
+            <a:pPr lvl="1"/>
+            <a:r>
+              <a:rPr lang="zh-CN" altLang="en-US" dirty="0" smtClean="0"/>
+              <a:t>寻找一个目标的最小值</a:t>
+            </a:r>
+            <a:endParaRPr lang="en-US" altLang="zh-CN" dirty="0" smtClean="0"/>
+          </a:p>
+          <a:p>
             <a:r>
               <a:rPr lang="zh-CN" altLang="en-US" dirty="0"/>
-              <a:t>应用</a:t>
+              <a:t>基于</a:t>
             </a:r>
             <a:r>
               <a:rPr lang="zh-CN" altLang="en-US" dirty="0" smtClean="0"/>
-              <a:t>的</a:t>
+              <a:t>数据</a:t>
             </a:r>
             <a:endParaRPr lang="en-US" altLang="zh-CN" dirty="0" smtClean="0"/>
           </a:p>
           <a:p>
-            <a:r>
-              <a:rPr lang="zh-CN" altLang="en-US" dirty="0"/>
-              <a:t>是一</a:t>
-            </a:r>
+            <a:pPr lvl="1"/>
             <a:r>
               <a:rPr lang="zh-CN" altLang="en-US" dirty="0" smtClean="0"/>
-              <a:t>门非常实用的课，你以后科研、工作，只要不是转文科了，</a:t>
-            </a:r>
-            <a:r>
-              <a:rPr lang="en-US" altLang="zh-CN" dirty="0" smtClean="0"/>
-              <a:t>100%</a:t>
-            </a:r>
+              <a:t>基本统计学</a:t>
+            </a:r>
+            <a:endParaRPr lang="en-US" altLang="zh-CN" dirty="0" smtClean="0"/>
+          </a:p>
+          <a:p>
+            <a:pPr lvl="1"/>
             <a:r>
               <a:rPr lang="zh-CN" altLang="en-US" dirty="0" smtClean="0"/>
-              <a:t>用得上。</a:t>
-            </a:r>
+              <a:t>回归分析，分类，聚类</a:t>
+            </a:r>
+            <a:endParaRPr lang="en-US" altLang="zh-CN" dirty="0" smtClean="0"/>
+          </a:p>
+          <a:p>
+            <a:pPr lvl="1"/>
             <a:endParaRPr lang="en-US" altLang="zh-CN" dirty="0" smtClean="0"/>
           </a:p>
         </p:txBody>
@@ -4725,7 +4821,7 @@
     </p:spTree>
     <p:extLst>
       <p:ext uri="{BB962C8B-B14F-4D97-AF65-F5344CB8AC3E}">
-        <p14:creationId xmlns:p14="http://schemas.microsoft.com/office/powerpoint/2010/main" val="3784256098"/>
+        <p14:creationId xmlns:p14="http://schemas.microsoft.com/office/powerpoint/2010/main" val="3807848905"/>
       </p:ext>
     </p:extLst>
   </p:cSld>
@@ -4775,8 +4871,8 @@
           <a:lstStyle/>
           <a:p>
             <a:r>
-              <a:rPr lang="zh-CN" altLang="en-US" b="1" dirty="0"/>
-              <a:t>什么是数学建模？</a:t>
+              <a:rPr lang="zh-CN" altLang="en-US" dirty="0" smtClean="0"/>
+              <a:t>开始之前</a:t>
             </a:r>
             <a:endParaRPr lang="zh-CN" altLang="en-US" dirty="0"/>
           </a:p>
@@ -4794,20 +4890,67 @@
         </p:nvSpPr>
         <p:spPr/>
         <p:txBody>
-          <a:bodyPr/>
-          <a:lstStyle/>
-          <a:p>
-            <a:pPr algn="ctr"/>
-            <a:r>
-              <a:rPr lang="zh-CN" altLang="en-US" sz="4400" dirty="0"/>
-              <a:t>什么是模型？</a:t>
-            </a:r>
-          </a:p>
-          <a:p>
-            <a:pPr lvl="1" algn="ctr"/>
-            <a:r>
-              <a:rPr lang="en-US" altLang="zh-CN" sz="3600" dirty="0"/>
-              <a:t>“A model is an informative representation of an object, person or system.”</a:t>
+          <a:bodyPr>
+            <a:normAutofit/>
+          </a:bodyPr>
+          <a:lstStyle/>
+          <a:p>
+            <a:r>
+              <a:rPr lang="zh-CN" altLang="en-US" dirty="0" smtClean="0"/>
+              <a:t>这个</a:t>
+            </a:r>
+            <a:r>
+              <a:rPr lang="zh-CN" altLang="en-US" dirty="0"/>
+              <a:t>课，虽然叫做电气工程建模与仿真，单并不完全是</a:t>
+            </a:r>
+            <a:r>
+              <a:rPr lang="zh-CN" altLang="en-US" dirty="0" smtClean="0"/>
+              <a:t>，</a:t>
+            </a:r>
+            <a:endParaRPr lang="en-US" altLang="zh-CN" dirty="0" smtClean="0"/>
+          </a:p>
+          <a:p>
+            <a:r>
+              <a:rPr lang="zh-CN" altLang="en-US" dirty="0" smtClean="0"/>
+              <a:t>我</a:t>
+            </a:r>
+            <a:r>
+              <a:rPr lang="zh-CN" altLang="en-US" dirty="0"/>
+              <a:t>觉得</a:t>
+            </a:r>
+            <a:r>
+              <a:rPr lang="zh-CN" altLang="en-US" dirty="0" smtClean="0"/>
+              <a:t>叫</a:t>
+            </a:r>
+            <a:endParaRPr lang="en-US" altLang="zh-CN" dirty="0" smtClean="0"/>
+          </a:p>
+          <a:p>
+            <a:r>
+              <a:rPr lang="zh-CN" altLang="en-US" dirty="0"/>
+              <a:t> </a:t>
+            </a:r>
+            <a:r>
+              <a:rPr lang="en-US" altLang="zh-CN" dirty="0"/>
+              <a:t>intro mathematical modelling for engineering in python</a:t>
+            </a:r>
+            <a:r>
+              <a:rPr lang="zh-CN" altLang="en-US" dirty="0"/>
+              <a:t>，</a:t>
+            </a:r>
+            <a:r>
+              <a:rPr lang="en-US" altLang="zh-CN" dirty="0"/>
+              <a:t>Python </a:t>
+            </a:r>
+            <a:endParaRPr lang="en-US" altLang="zh-CN" dirty="0" smtClean="0"/>
+          </a:p>
+          <a:p>
+            <a:r>
+              <a:rPr lang="zh-CN" altLang="en-US" dirty="0" smtClean="0"/>
+              <a:t>工程</a:t>
+            </a:r>
+            <a:r>
+              <a:rPr lang="zh-CN" altLang="en-US" dirty="0"/>
+              <a:t>数学建模入门</a:t>
             </a:r>
           </a:p>
           <a:p>
@@ -4818,20 +4961,13 @@
     </p:spTree>
     <p:extLst>
       <p:ext uri="{BB962C8B-B14F-4D97-AF65-F5344CB8AC3E}">
-        <p14:creationId xmlns:p14="http://schemas.microsoft.com/office/powerpoint/2010/main" val="2433825118"/>
+        <p14:creationId xmlns:p14="http://schemas.microsoft.com/office/powerpoint/2010/main" val="646852894"/>
       </p:ext>
     </p:extLst>
   </p:cSld>
   <p:clrMapOvr>
     <a:masterClrMapping/>
   </p:clrMapOvr>
-  <p:timing>
-    <p:tnLst>
-      <p:par>
-        <p:cTn id="1" dur="indefinite" restart="never" nodeType="tmRoot"/>
-      </p:par>
-    </p:tnLst>
-  </p:timing>
 </p:sld>
 </file>
 
@@ -4868,6 +5004,241 @@
           <a:lstStyle/>
           <a:p>
             <a:r>
+              <a:rPr lang="zh-CN" altLang="en-US" b="1" dirty="0"/>
+              <a:t>为什么我们要学 </a:t>
+            </a:r>
+            <a:r>
+              <a:rPr lang="en-US" altLang="zh-CN" b="1" dirty="0" smtClean="0"/>
+              <a:t>Python</a:t>
+            </a:r>
+            <a:endParaRPr lang="zh-CN" altLang="en-US" dirty="0"/>
+          </a:p>
+        </p:txBody>
+      </p:sp>
+      <p:sp>
+        <p:nvSpPr>
+          <p:cNvPr id="3" name="内容占位符 2"/>
+          <p:cNvSpPr>
+            <a:spLocks noGrp="1"/>
+          </p:cNvSpPr>
+          <p:nvPr>
+            <p:ph idx="1"/>
+          </p:nvPr>
+        </p:nvSpPr>
+        <p:spPr/>
+        <p:txBody>
+          <a:bodyPr/>
+          <a:lstStyle/>
+          <a:p>
+            <a:r>
+              <a:rPr lang="zh-CN" altLang="en-US" dirty="0"/>
+              <a:t>数学建模啥的，不一定要用 </a:t>
+            </a:r>
+            <a:r>
+              <a:rPr lang="en-US" altLang="zh-CN" dirty="0"/>
+              <a:t>Python</a:t>
+            </a:r>
+            <a:r>
+              <a:rPr lang="zh-CN" altLang="en-US" dirty="0"/>
+              <a:t>，但是是需要使用计算机编程</a:t>
+            </a:r>
+          </a:p>
+          <a:p>
+            <a:r>
+              <a:rPr lang="zh-CN" altLang="en-US" dirty="0" smtClean="0"/>
+              <a:t>为啥不用</a:t>
+            </a:r>
+            <a:r>
+              <a:rPr lang="en-US" altLang="zh-CN" dirty="0" smtClean="0"/>
+              <a:t>C/C++?</a:t>
+            </a:r>
+          </a:p>
+          <a:p>
+            <a:r>
+              <a:rPr lang="zh-CN" altLang="en-US" dirty="0"/>
+              <a:t>其实学啥都一样，别纠结。</a:t>
+            </a:r>
+          </a:p>
+        </p:txBody>
+      </p:sp>
+    </p:spTree>
+    <p:extLst>
+      <p:ext uri="{BB962C8B-B14F-4D97-AF65-F5344CB8AC3E}">
+        <p14:creationId xmlns:p14="http://schemas.microsoft.com/office/powerpoint/2010/main" val="3164419399"/>
+      </p:ext>
+    </p:extLst>
+  </p:cSld>
+  <p:clrMapOvr>
+    <a:masterClrMapping/>
+  </p:clrMapOvr>
+  <p:timing>
+    <p:tnLst>
+      <p:par>
+        <p:cTn id="1" dur="indefinite" restart="never" nodeType="tmRoot"/>
+      </p:par>
+    </p:tnLst>
+  </p:timing>
+</p:sld>
+</file>
+
+<file path=ppt/slides/slide21.xml><?xml version="1.0" encoding="utf-8"?>
+<p:sld xmlns:a="http://schemas.openxmlformats.org/drawingml/2006/main" xmlns:r="http://schemas.openxmlformats.org/officeDocument/2006/relationships" xmlns:p="http://schemas.openxmlformats.org/presentationml/2006/main">
+  <p:cSld>
+    <p:spTree>
+      <p:nvGrpSpPr>
+        <p:cNvPr id="1" name=""/>
+        <p:cNvGrpSpPr/>
+        <p:nvPr/>
+      </p:nvGrpSpPr>
+      <p:grpSpPr>
+        <a:xfrm>
+          <a:off x="0" y="0"/>
+          <a:ext cx="0" cy="0"/>
+          <a:chOff x="0" y="0"/>
+          <a:chExt cx="0" cy="0"/>
+        </a:xfrm>
+      </p:grpSpPr>
+      <p:sp>
+        <p:nvSpPr>
+          <p:cNvPr id="2" name="标题 1"/>
+          <p:cNvSpPr>
+            <a:spLocks noGrp="1"/>
+          </p:cNvSpPr>
+          <p:nvPr>
+            <p:ph type="title"/>
+          </p:nvPr>
+        </p:nvSpPr>
+        <p:spPr/>
+        <p:txBody>
+          <a:bodyPr/>
+          <a:lstStyle/>
+          <a:p>
+            <a:r>
+              <a:rPr lang="zh-CN" altLang="en-US" dirty="0" smtClean="0"/>
+              <a:t>关于这个课</a:t>
+            </a:r>
+            <a:endParaRPr lang="zh-CN" altLang="en-US" dirty="0"/>
+          </a:p>
+        </p:txBody>
+      </p:sp>
+      <p:sp>
+        <p:nvSpPr>
+          <p:cNvPr id="3" name="内容占位符 2"/>
+          <p:cNvSpPr>
+            <a:spLocks noGrp="1"/>
+          </p:cNvSpPr>
+          <p:nvPr>
+            <p:ph idx="1"/>
+          </p:nvPr>
+        </p:nvSpPr>
+        <p:spPr/>
+        <p:txBody>
+          <a:bodyPr/>
+          <a:lstStyle/>
+          <a:p>
+            <a:r>
+              <a:rPr lang="zh-CN" altLang="en-US" dirty="0" smtClean="0"/>
+              <a:t>我们主要讲面向工程应用的</a:t>
+            </a:r>
+            <a:r>
+              <a:rPr lang="en-US" altLang="zh-CN" dirty="0" smtClean="0"/>
+              <a:t>Python</a:t>
+            </a:r>
+            <a:r>
+              <a:rPr lang="zh-CN" altLang="en-US" dirty="0" smtClean="0"/>
+              <a:t>和数学技术</a:t>
+            </a:r>
+            <a:endParaRPr lang="en-US" altLang="zh-CN" dirty="0" smtClean="0"/>
+          </a:p>
+          <a:p>
+            <a:r>
+              <a:rPr lang="zh-CN" altLang="en-US" dirty="0" smtClean="0"/>
+              <a:t>其中有很多都可以引用与数学建模比赛，因为比赛也是是基于实际</a:t>
+            </a:r>
+            <a:r>
+              <a:rPr lang="zh-CN" altLang="en-US" dirty="0"/>
+              <a:t>应用</a:t>
+            </a:r>
+            <a:r>
+              <a:rPr lang="zh-CN" altLang="en-US" dirty="0" smtClean="0"/>
+              <a:t>的</a:t>
+            </a:r>
+            <a:endParaRPr lang="en-US" altLang="zh-CN" dirty="0" smtClean="0"/>
+          </a:p>
+          <a:p>
+            <a:r>
+              <a:rPr lang="zh-CN" altLang="en-US" dirty="0"/>
+              <a:t>是一</a:t>
+            </a:r>
+            <a:r>
+              <a:rPr lang="zh-CN" altLang="en-US" dirty="0" smtClean="0"/>
+              <a:t>门非常实用的课，你以后科研、工作，只要不是转文科了，</a:t>
+            </a:r>
+            <a:r>
+              <a:rPr lang="en-US" altLang="zh-CN" dirty="0" smtClean="0"/>
+              <a:t>100%</a:t>
+            </a:r>
+            <a:r>
+              <a:rPr lang="zh-CN" altLang="en-US" dirty="0" smtClean="0"/>
+              <a:t>用得上。</a:t>
+            </a:r>
+            <a:endParaRPr lang="en-US" altLang="zh-CN" dirty="0" smtClean="0"/>
+          </a:p>
+        </p:txBody>
+      </p:sp>
+    </p:spTree>
+    <p:extLst>
+      <p:ext uri="{BB962C8B-B14F-4D97-AF65-F5344CB8AC3E}">
+        <p14:creationId xmlns:p14="http://schemas.microsoft.com/office/powerpoint/2010/main" val="3784256098"/>
+      </p:ext>
+    </p:extLst>
+  </p:cSld>
+  <p:clrMapOvr>
+    <a:masterClrMapping/>
+  </p:clrMapOvr>
+  <p:timing>
+    <p:tnLst>
+      <p:par>
+        <p:cTn id="1" dur="indefinite" restart="never" nodeType="tmRoot"/>
+      </p:par>
+    </p:tnLst>
+  </p:timing>
+</p:sld>
+</file>
+
+<file path=ppt/slides/slide22.xml><?xml version="1.0" encoding="utf-8"?>
+<p:sld xmlns:a="http://schemas.openxmlformats.org/drawingml/2006/main" xmlns:r="http://schemas.openxmlformats.org/officeDocument/2006/relationships" xmlns:p="http://schemas.openxmlformats.org/presentationml/2006/main">
+  <p:cSld>
+    <p:spTree>
+      <p:nvGrpSpPr>
+        <p:cNvPr id="1" name=""/>
+        <p:cNvGrpSpPr/>
+        <p:nvPr/>
+      </p:nvGrpSpPr>
+      <p:grpSpPr>
+        <a:xfrm>
+          <a:off x="0" y="0"/>
+          <a:ext cx="0" cy="0"/>
+          <a:chOff x="0" y="0"/>
+          <a:chExt cx="0" cy="0"/>
+        </a:xfrm>
+      </p:grpSpPr>
+      <p:sp>
+        <p:nvSpPr>
+          <p:cNvPr id="2" name="标题 1"/>
+          <p:cNvSpPr>
+            <a:spLocks noGrp="1"/>
+          </p:cNvSpPr>
+          <p:nvPr>
+            <p:ph type="title"/>
+          </p:nvPr>
+        </p:nvSpPr>
+        <p:spPr/>
+        <p:txBody>
+          <a:bodyPr/>
+          <a:lstStyle/>
+          <a:p>
+            <a:r>
               <a:rPr lang="zh-CN" altLang="en-US" dirty="0" smtClean="0"/>
               <a:t>关于这个课</a:t>
             </a:r>
@@ -4956,7 +5327,7 @@
 </p:sld>
 </file>
 
-<file path=ppt/slides/slide21.xml><?xml version="1.0" encoding="utf-8"?>
+<file path=ppt/slides/slide23.xml><?xml version="1.0" encoding="utf-8"?>
 <p:sld xmlns:a="http://schemas.openxmlformats.org/drawingml/2006/main" xmlns:r="http://schemas.openxmlformats.org/officeDocument/2006/relationships" xmlns:p="http://schemas.openxmlformats.org/presentationml/2006/main">
   <p:cSld>
     <p:spTree>
@@ -6364,215 +6735,6 @@
 </p:sld>
 </file>
 
-<file path=ppt/slides/slide22.xml><?xml version="1.0" encoding="utf-8"?>
-<p:sld xmlns:a="http://schemas.openxmlformats.org/drawingml/2006/main" xmlns:r="http://schemas.openxmlformats.org/officeDocument/2006/relationships" xmlns:p="http://schemas.openxmlformats.org/presentationml/2006/main">
-  <p:cSld>
-    <p:spTree>
-      <p:nvGrpSpPr>
-        <p:cNvPr id="1" name=""/>
-        <p:cNvGrpSpPr/>
-        <p:nvPr/>
-      </p:nvGrpSpPr>
-      <p:grpSpPr>
-        <a:xfrm>
-          <a:off x="0" y="0"/>
-          <a:ext cx="0" cy="0"/>
-          <a:chOff x="0" y="0"/>
-          <a:chExt cx="0" cy="0"/>
-        </a:xfrm>
-      </p:grpSpPr>
-      <p:sp>
-        <p:nvSpPr>
-          <p:cNvPr id="2" name="标题 1"/>
-          <p:cNvSpPr>
-            <a:spLocks noGrp="1"/>
-          </p:cNvSpPr>
-          <p:nvPr>
-            <p:ph type="title"/>
-          </p:nvPr>
-        </p:nvSpPr>
-        <p:spPr/>
-        <p:txBody>
-          <a:bodyPr/>
-          <a:lstStyle/>
-          <a:p>
-            <a:r>
-              <a:rPr lang="zh-CN" altLang="en-US" dirty="0"/>
-              <a:t>本节课</a:t>
-            </a:r>
-          </a:p>
-        </p:txBody>
-      </p:sp>
-      <p:sp>
-        <p:nvSpPr>
-          <p:cNvPr id="3" name="内容占位符 2"/>
-          <p:cNvSpPr>
-            <a:spLocks noGrp="1"/>
-          </p:cNvSpPr>
-          <p:nvPr>
-            <p:ph idx="1"/>
-          </p:nvPr>
-        </p:nvSpPr>
-        <p:spPr/>
-        <p:txBody>
-          <a:bodyPr/>
-          <a:lstStyle/>
-          <a:p>
-            <a:r>
-              <a:rPr lang="en-US" altLang="zh-CN" b="1" dirty="0" smtClean="0"/>
-              <a:t>Python </a:t>
-            </a:r>
-            <a:r>
-              <a:rPr lang="zh-CN" altLang="en-US" b="1" dirty="0" smtClean="0"/>
-              <a:t>基础</a:t>
-            </a:r>
-            <a:endParaRPr lang="zh-CN" altLang="en-US" dirty="0"/>
-          </a:p>
-        </p:txBody>
-      </p:sp>
-    </p:spTree>
-    <p:extLst>
-      <p:ext uri="{BB962C8B-B14F-4D97-AF65-F5344CB8AC3E}">
-        <p14:creationId xmlns:p14="http://schemas.microsoft.com/office/powerpoint/2010/main" val="3100484949"/>
-      </p:ext>
-    </p:extLst>
-  </p:cSld>
-  <p:clrMapOvr>
-    <a:masterClrMapping/>
-  </p:clrMapOvr>
-  <p:timing>
-    <p:tnLst>
-      <p:par>
-        <p:cTn id="1" dur="indefinite" restart="never" nodeType="tmRoot"/>
-      </p:par>
-    </p:tnLst>
-  </p:timing>
-</p:sld>
-</file>
-
-<file path=ppt/slides/slide23.xml><?xml version="1.0" encoding="utf-8"?>
-<p:sld xmlns:a="http://schemas.openxmlformats.org/drawingml/2006/main" xmlns:r="http://schemas.openxmlformats.org/officeDocument/2006/relationships" xmlns:p="http://schemas.openxmlformats.org/presentationml/2006/main">
-  <p:cSld>
-    <p:spTree>
-      <p:nvGrpSpPr>
-        <p:cNvPr id="1" name=""/>
-        <p:cNvGrpSpPr/>
-        <p:nvPr/>
-      </p:nvGrpSpPr>
-      <p:grpSpPr>
-        <a:xfrm>
-          <a:off x="0" y="0"/>
-          <a:ext cx="0" cy="0"/>
-          <a:chOff x="0" y="0"/>
-          <a:chExt cx="0" cy="0"/>
-        </a:xfrm>
-      </p:grpSpPr>
-      <p:sp>
-        <p:nvSpPr>
-          <p:cNvPr id="2" name="标题 1"/>
-          <p:cNvSpPr>
-            <a:spLocks noGrp="1"/>
-          </p:cNvSpPr>
-          <p:nvPr>
-            <p:ph type="title"/>
-          </p:nvPr>
-        </p:nvSpPr>
-        <p:spPr/>
-        <p:txBody>
-          <a:bodyPr/>
-          <a:lstStyle/>
-          <a:p>
-            <a:r>
-              <a:rPr lang="en-US" altLang="zh-CN" b="1" dirty="0"/>
-              <a:t>Python </a:t>
-            </a:r>
-            <a:r>
-              <a:rPr lang="zh-CN" altLang="en-US" b="1" dirty="0" smtClean="0"/>
-              <a:t>基础</a:t>
-            </a:r>
-            <a:endParaRPr lang="zh-CN" altLang="en-US" dirty="0"/>
-          </a:p>
-        </p:txBody>
-      </p:sp>
-      <p:sp>
-        <p:nvSpPr>
-          <p:cNvPr id="3" name="内容占位符 2"/>
-          <p:cNvSpPr>
-            <a:spLocks noGrp="1"/>
-          </p:cNvSpPr>
-          <p:nvPr>
-            <p:ph idx="1"/>
-          </p:nvPr>
-        </p:nvSpPr>
-        <p:spPr/>
-        <p:txBody>
-          <a:bodyPr/>
-          <a:lstStyle/>
-          <a:p>
-            <a:r>
-              <a:rPr lang="zh-CN" altLang="en-US" dirty="0"/>
-              <a:t>基本的数值操作</a:t>
-            </a:r>
-          </a:p>
-          <a:p>
-            <a:r>
-              <a:rPr lang="zh-CN" altLang="en-US" dirty="0"/>
-              <a:t>变量和赋值</a:t>
-            </a:r>
-          </a:p>
-          <a:p>
-            <a:r>
-              <a:rPr lang="zh-CN" altLang="en-US" dirty="0"/>
-              <a:t>流程控制</a:t>
-            </a:r>
-          </a:p>
-          <a:p>
-            <a:r>
-              <a:rPr lang="zh-CN" altLang="en-US" dirty="0"/>
-              <a:t>定义函数</a:t>
-            </a:r>
-          </a:p>
-          <a:p>
-            <a:r>
-              <a:rPr lang="zh-CN" altLang="en-US" dirty="0"/>
-              <a:t>基本数据结构</a:t>
-            </a:r>
-          </a:p>
-          <a:p>
-            <a:r>
-              <a:rPr lang="en-US" altLang="zh-CN" dirty="0" err="1"/>
-              <a:t>NumPy</a:t>
-            </a:r>
-            <a:endParaRPr lang="en-US" altLang="zh-CN" dirty="0"/>
-          </a:p>
-          <a:p>
-            <a:pPr marL="0" indent="0">
-              <a:buNone/>
-            </a:pPr>
-            <a:endParaRPr lang="zh-CN" altLang="en-US" dirty="0"/>
-          </a:p>
-        </p:txBody>
-      </p:sp>
-    </p:spTree>
-    <p:extLst>
-      <p:ext uri="{BB962C8B-B14F-4D97-AF65-F5344CB8AC3E}">
-        <p14:creationId xmlns:p14="http://schemas.microsoft.com/office/powerpoint/2010/main" val="2346951991"/>
-      </p:ext>
-    </p:extLst>
-  </p:cSld>
-  <p:clrMapOvr>
-    <a:masterClrMapping/>
-  </p:clrMapOvr>
-  <p:timing>
-    <p:tnLst>
-      <p:par>
-        <p:cTn id="1" dur="indefinite" restart="never" nodeType="tmRoot"/>
-      </p:par>
-    </p:tnLst>
-  </p:timing>
-</p:sld>
-</file>
-
 <file path=ppt/slides/slide24.xml><?xml version="1.0" encoding="utf-8"?>
 <p:sld xmlns:a="http://schemas.openxmlformats.org/drawingml/2006/main" xmlns:r="http://schemas.openxmlformats.org/officeDocument/2006/relationships" xmlns:p="http://schemas.openxmlformats.org/presentationml/2006/main">
   <p:cSld>
@@ -6606,86 +6768,35 @@
           <a:lstStyle/>
           <a:p>
             <a:r>
-              <a:rPr lang="en-US" altLang="zh-CN" b="1" dirty="0"/>
+              <a:rPr lang="zh-CN" altLang="en-US" dirty="0"/>
+              <a:t>本节课</a:t>
+            </a:r>
+          </a:p>
+        </p:txBody>
+      </p:sp>
+      <p:sp>
+        <p:nvSpPr>
+          <p:cNvPr id="3" name="内容占位符 2"/>
+          <p:cNvSpPr>
+            <a:spLocks noGrp="1"/>
+          </p:cNvSpPr>
+          <p:nvPr>
+            <p:ph idx="1"/>
+          </p:nvPr>
+        </p:nvSpPr>
+        <p:spPr/>
+        <p:txBody>
+          <a:bodyPr/>
+          <a:lstStyle/>
+          <a:p>
+            <a:r>
+              <a:rPr lang="en-US" altLang="zh-CN" b="1" dirty="0" smtClean="0"/>
               <a:t>Python </a:t>
             </a:r>
             <a:r>
-              <a:rPr lang="zh-CN" altLang="en-US" b="1" dirty="0"/>
-              <a:t>基础 </a:t>
-            </a:r>
-            <a:r>
-              <a:rPr lang="en-US" altLang="zh-CN" b="1" dirty="0" smtClean="0"/>
-              <a:t>2</a:t>
-            </a:r>
-            <a:endParaRPr lang="zh-CN" altLang="en-US" dirty="0"/>
-          </a:p>
-        </p:txBody>
-      </p:sp>
-      <p:sp>
-        <p:nvSpPr>
-          <p:cNvPr id="3" name="内容占位符 2"/>
-          <p:cNvSpPr>
-            <a:spLocks noGrp="1"/>
-          </p:cNvSpPr>
-          <p:nvPr>
-            <p:ph idx="1"/>
-          </p:nvPr>
-        </p:nvSpPr>
-        <p:spPr/>
-        <p:txBody>
-          <a:bodyPr/>
-          <a:lstStyle/>
-          <a:p>
-            <a:r>
-              <a:rPr lang="en-US" altLang="zh-CN" dirty="0"/>
-              <a:t>calculate derivative </a:t>
-            </a:r>
-            <a:r>
-              <a:rPr lang="zh-CN" altLang="en-US" dirty="0"/>
-              <a:t>计算微分</a:t>
-            </a:r>
-          </a:p>
-          <a:p>
-            <a:r>
-              <a:rPr lang="en-US" altLang="zh-CN" dirty="0"/>
-              <a:t>calculate gradient </a:t>
-            </a:r>
-            <a:r>
-              <a:rPr lang="zh-CN" altLang="en-US" dirty="0"/>
-              <a:t>计算梯度</a:t>
-            </a:r>
-          </a:p>
-          <a:p>
-            <a:r>
-              <a:rPr lang="en-US" altLang="zh-CN" dirty="0"/>
-              <a:t>integrations </a:t>
-            </a:r>
-            <a:r>
-              <a:rPr lang="zh-CN" altLang="en-US" dirty="0"/>
-              <a:t>积分</a:t>
-            </a:r>
-          </a:p>
-          <a:p>
-            <a:r>
-              <a:rPr lang="en-US" altLang="zh-CN" dirty="0"/>
-              <a:t>solving linear equations </a:t>
-            </a:r>
-            <a:r>
-              <a:rPr lang="zh-CN" altLang="en-US" dirty="0"/>
-              <a:t>解线性方程</a:t>
-            </a:r>
-          </a:p>
-          <a:p>
-            <a:r>
-              <a:rPr lang="en-US" altLang="zh-CN" dirty="0"/>
-              <a:t>soling non-linear equations </a:t>
-            </a:r>
-            <a:r>
-              <a:rPr lang="zh-CN" altLang="en-US" dirty="0"/>
-              <a:t>解非线性方程</a:t>
-            </a:r>
-          </a:p>
-          <a:p>
+              <a:rPr lang="zh-CN" altLang="en-US" b="1" dirty="0" smtClean="0"/>
+              <a:t>基础</a:t>
+            </a:r>
             <a:endParaRPr lang="zh-CN" altLang="en-US" dirty="0"/>
           </a:p>
         </p:txBody>
@@ -6693,7 +6804,7 @@
     </p:spTree>
     <p:extLst>
       <p:ext uri="{BB962C8B-B14F-4D97-AF65-F5344CB8AC3E}">
-        <p14:creationId xmlns:p14="http://schemas.microsoft.com/office/powerpoint/2010/main" val="3211904499"/>
+        <p14:creationId xmlns:p14="http://schemas.microsoft.com/office/powerpoint/2010/main" val="3100484949"/>
       </p:ext>
     </p:extLst>
   </p:cSld>
@@ -6737,6 +6848,266 @@
             <p:ph type="title"/>
           </p:nvPr>
         </p:nvSpPr>
+        <p:spPr/>
+        <p:txBody>
+          <a:bodyPr/>
+          <a:lstStyle/>
+          <a:p>
+            <a:r>
+              <a:rPr lang="en-US" altLang="zh-CN" b="1" dirty="0"/>
+              <a:t>Python </a:t>
+            </a:r>
+            <a:r>
+              <a:rPr lang="zh-CN" altLang="en-US" b="1" dirty="0" smtClean="0"/>
+              <a:t>基础</a:t>
+            </a:r>
+            <a:endParaRPr lang="zh-CN" altLang="en-US" dirty="0"/>
+          </a:p>
+        </p:txBody>
+      </p:sp>
+      <p:sp>
+        <p:nvSpPr>
+          <p:cNvPr id="3" name="内容占位符 2"/>
+          <p:cNvSpPr>
+            <a:spLocks noGrp="1"/>
+          </p:cNvSpPr>
+          <p:nvPr>
+            <p:ph idx="1"/>
+          </p:nvPr>
+        </p:nvSpPr>
+        <p:spPr/>
+        <p:txBody>
+          <a:bodyPr/>
+          <a:lstStyle/>
+          <a:p>
+            <a:r>
+              <a:rPr lang="zh-CN" altLang="en-US" dirty="0"/>
+              <a:t>基本的数值操作</a:t>
+            </a:r>
+          </a:p>
+          <a:p>
+            <a:r>
+              <a:rPr lang="zh-CN" altLang="en-US" dirty="0"/>
+              <a:t>变量和赋值</a:t>
+            </a:r>
+          </a:p>
+          <a:p>
+            <a:r>
+              <a:rPr lang="zh-CN" altLang="en-US" dirty="0"/>
+              <a:t>流程控制</a:t>
+            </a:r>
+          </a:p>
+          <a:p>
+            <a:r>
+              <a:rPr lang="zh-CN" altLang="en-US" dirty="0"/>
+              <a:t>定义函数</a:t>
+            </a:r>
+          </a:p>
+          <a:p>
+            <a:r>
+              <a:rPr lang="zh-CN" altLang="en-US" dirty="0"/>
+              <a:t>基本数据结构</a:t>
+            </a:r>
+          </a:p>
+          <a:p>
+            <a:r>
+              <a:rPr lang="en-US" altLang="zh-CN" dirty="0" err="1"/>
+              <a:t>NumPy</a:t>
+            </a:r>
+            <a:endParaRPr lang="en-US" altLang="zh-CN" dirty="0"/>
+          </a:p>
+          <a:p>
+            <a:pPr marL="0" indent="0">
+              <a:buNone/>
+            </a:pPr>
+            <a:endParaRPr lang="zh-CN" altLang="en-US" dirty="0"/>
+          </a:p>
+        </p:txBody>
+      </p:sp>
+    </p:spTree>
+    <p:extLst>
+      <p:ext uri="{BB962C8B-B14F-4D97-AF65-F5344CB8AC3E}">
+        <p14:creationId xmlns:p14="http://schemas.microsoft.com/office/powerpoint/2010/main" val="2346951991"/>
+      </p:ext>
+    </p:extLst>
+  </p:cSld>
+  <p:clrMapOvr>
+    <a:masterClrMapping/>
+  </p:clrMapOvr>
+  <p:timing>
+    <p:tnLst>
+      <p:par>
+        <p:cTn id="1" dur="indefinite" restart="never" nodeType="tmRoot"/>
+      </p:par>
+    </p:tnLst>
+  </p:timing>
+</p:sld>
+</file>
+
+<file path=ppt/slides/slide26.xml><?xml version="1.0" encoding="utf-8"?>
+<p:sld xmlns:a="http://schemas.openxmlformats.org/drawingml/2006/main" xmlns:r="http://schemas.openxmlformats.org/officeDocument/2006/relationships" xmlns:p="http://schemas.openxmlformats.org/presentationml/2006/main">
+  <p:cSld>
+    <p:spTree>
+      <p:nvGrpSpPr>
+        <p:cNvPr id="1" name=""/>
+        <p:cNvGrpSpPr/>
+        <p:nvPr/>
+      </p:nvGrpSpPr>
+      <p:grpSpPr>
+        <a:xfrm>
+          <a:off x="0" y="0"/>
+          <a:ext cx="0" cy="0"/>
+          <a:chOff x="0" y="0"/>
+          <a:chExt cx="0" cy="0"/>
+        </a:xfrm>
+      </p:grpSpPr>
+      <p:sp>
+        <p:nvSpPr>
+          <p:cNvPr id="2" name="标题 1"/>
+          <p:cNvSpPr>
+            <a:spLocks noGrp="1"/>
+          </p:cNvSpPr>
+          <p:nvPr>
+            <p:ph type="title"/>
+          </p:nvPr>
+        </p:nvSpPr>
+        <p:spPr/>
+        <p:txBody>
+          <a:bodyPr/>
+          <a:lstStyle/>
+          <a:p>
+            <a:r>
+              <a:rPr lang="en-US" altLang="zh-CN" b="1" dirty="0"/>
+              <a:t>Python </a:t>
+            </a:r>
+            <a:r>
+              <a:rPr lang="zh-CN" altLang="en-US" b="1" dirty="0"/>
+              <a:t>基础 </a:t>
+            </a:r>
+            <a:r>
+              <a:rPr lang="en-US" altLang="zh-CN" b="1" dirty="0" smtClean="0"/>
+              <a:t>2</a:t>
+            </a:r>
+            <a:endParaRPr lang="zh-CN" altLang="en-US" dirty="0"/>
+          </a:p>
+        </p:txBody>
+      </p:sp>
+      <p:sp>
+        <p:nvSpPr>
+          <p:cNvPr id="3" name="内容占位符 2"/>
+          <p:cNvSpPr>
+            <a:spLocks noGrp="1"/>
+          </p:cNvSpPr>
+          <p:nvPr>
+            <p:ph idx="1"/>
+          </p:nvPr>
+        </p:nvSpPr>
+        <p:spPr/>
+        <p:txBody>
+          <a:bodyPr/>
+          <a:lstStyle/>
+          <a:p>
+            <a:r>
+              <a:rPr lang="en-US" altLang="zh-CN" dirty="0"/>
+              <a:t>calculate derivative </a:t>
+            </a:r>
+            <a:r>
+              <a:rPr lang="zh-CN" altLang="en-US" dirty="0"/>
+              <a:t>计算微分</a:t>
+            </a:r>
+          </a:p>
+          <a:p>
+            <a:r>
+              <a:rPr lang="en-US" altLang="zh-CN" dirty="0"/>
+              <a:t>calculate gradient </a:t>
+            </a:r>
+            <a:r>
+              <a:rPr lang="zh-CN" altLang="en-US" dirty="0"/>
+              <a:t>计算梯度</a:t>
+            </a:r>
+          </a:p>
+          <a:p>
+            <a:r>
+              <a:rPr lang="en-US" altLang="zh-CN" dirty="0"/>
+              <a:t>integrations </a:t>
+            </a:r>
+            <a:r>
+              <a:rPr lang="zh-CN" altLang="en-US" dirty="0"/>
+              <a:t>积分</a:t>
+            </a:r>
+          </a:p>
+          <a:p>
+            <a:r>
+              <a:rPr lang="en-US" altLang="zh-CN" dirty="0"/>
+              <a:t>solving linear equations </a:t>
+            </a:r>
+            <a:r>
+              <a:rPr lang="zh-CN" altLang="en-US" dirty="0"/>
+              <a:t>解线性方程</a:t>
+            </a:r>
+          </a:p>
+          <a:p>
+            <a:r>
+              <a:rPr lang="en-US" altLang="zh-CN" dirty="0"/>
+              <a:t>soling non-linear equations </a:t>
+            </a:r>
+            <a:r>
+              <a:rPr lang="zh-CN" altLang="en-US" dirty="0"/>
+              <a:t>解非线性方程</a:t>
+            </a:r>
+          </a:p>
+          <a:p>
+            <a:endParaRPr lang="zh-CN" altLang="en-US" dirty="0"/>
+          </a:p>
+        </p:txBody>
+      </p:sp>
+    </p:spTree>
+    <p:extLst>
+      <p:ext uri="{BB962C8B-B14F-4D97-AF65-F5344CB8AC3E}">
+        <p14:creationId xmlns:p14="http://schemas.microsoft.com/office/powerpoint/2010/main" val="3211904499"/>
+      </p:ext>
+    </p:extLst>
+  </p:cSld>
+  <p:clrMapOvr>
+    <a:masterClrMapping/>
+  </p:clrMapOvr>
+  <p:timing>
+    <p:tnLst>
+      <p:par>
+        <p:cTn id="1" dur="indefinite" restart="never" nodeType="tmRoot"/>
+      </p:par>
+    </p:tnLst>
+  </p:timing>
+</p:sld>
+</file>
+
+<file path=ppt/slides/slide27.xml><?xml version="1.0" encoding="utf-8"?>
+<p:sld xmlns:a="http://schemas.openxmlformats.org/drawingml/2006/main" xmlns:r="http://schemas.openxmlformats.org/officeDocument/2006/relationships" xmlns:p="http://schemas.openxmlformats.org/presentationml/2006/main">
+  <p:cSld>
+    <p:spTree>
+      <p:nvGrpSpPr>
+        <p:cNvPr id="1" name=""/>
+        <p:cNvGrpSpPr/>
+        <p:nvPr/>
+      </p:nvGrpSpPr>
+      <p:grpSpPr>
+        <a:xfrm>
+          <a:off x="0" y="0"/>
+          <a:ext cx="0" cy="0"/>
+          <a:chOff x="0" y="0"/>
+          <a:chExt cx="0" cy="0"/>
+        </a:xfrm>
+      </p:grpSpPr>
+      <p:sp>
+        <p:nvSpPr>
+          <p:cNvPr id="2" name="标题 1"/>
+          <p:cNvSpPr>
+            <a:spLocks noGrp="1"/>
+          </p:cNvSpPr>
+          <p:nvPr>
+            <p:ph type="title"/>
+          </p:nvPr>
+        </p:nvSpPr>
         <p:spPr>
           <a:xfrm>
             <a:off x="2640687" y="3147796"/>
@@ -6795,6 +7166,99 @@
 </file>
 
 <file path=ppt/slides/slide3.xml><?xml version="1.0" encoding="utf-8"?>
+<p:sld xmlns:a="http://schemas.openxmlformats.org/drawingml/2006/main" xmlns:r="http://schemas.openxmlformats.org/officeDocument/2006/relationships" xmlns:p="http://schemas.openxmlformats.org/presentationml/2006/main">
+  <p:cSld>
+    <p:spTree>
+      <p:nvGrpSpPr>
+        <p:cNvPr id="1" name=""/>
+        <p:cNvGrpSpPr/>
+        <p:nvPr/>
+      </p:nvGrpSpPr>
+      <p:grpSpPr>
+        <a:xfrm>
+          <a:off x="0" y="0"/>
+          <a:ext cx="0" cy="0"/>
+          <a:chOff x="0" y="0"/>
+          <a:chExt cx="0" cy="0"/>
+        </a:xfrm>
+      </p:grpSpPr>
+      <p:sp>
+        <p:nvSpPr>
+          <p:cNvPr id="2" name="标题 1"/>
+          <p:cNvSpPr>
+            <a:spLocks noGrp="1"/>
+          </p:cNvSpPr>
+          <p:nvPr>
+            <p:ph type="title"/>
+          </p:nvPr>
+        </p:nvSpPr>
+        <p:spPr/>
+        <p:txBody>
+          <a:bodyPr/>
+          <a:lstStyle/>
+          <a:p>
+            <a:r>
+              <a:rPr lang="zh-CN" altLang="en-US" b="1" dirty="0"/>
+              <a:t>什么是数学建模？</a:t>
+            </a:r>
+            <a:endParaRPr lang="zh-CN" altLang="en-US" dirty="0"/>
+          </a:p>
+        </p:txBody>
+      </p:sp>
+      <p:sp>
+        <p:nvSpPr>
+          <p:cNvPr id="3" name="内容占位符 2"/>
+          <p:cNvSpPr>
+            <a:spLocks noGrp="1"/>
+          </p:cNvSpPr>
+          <p:nvPr>
+            <p:ph idx="1"/>
+          </p:nvPr>
+        </p:nvSpPr>
+        <p:spPr/>
+        <p:txBody>
+          <a:bodyPr/>
+          <a:lstStyle/>
+          <a:p>
+            <a:pPr algn="ctr"/>
+            <a:r>
+              <a:rPr lang="zh-CN" altLang="en-US" sz="4400" dirty="0"/>
+              <a:t>什么是模型？</a:t>
+            </a:r>
+          </a:p>
+          <a:p>
+            <a:pPr lvl="1" algn="ctr"/>
+            <a:r>
+              <a:rPr lang="en-US" altLang="zh-CN" sz="3600" dirty="0"/>
+              <a:t>“A model is an informative representation of an object, person or system.”</a:t>
+            </a:r>
+          </a:p>
+          <a:p>
+            <a:endParaRPr lang="zh-CN" altLang="en-US" dirty="0"/>
+          </a:p>
+        </p:txBody>
+      </p:sp>
+    </p:spTree>
+    <p:extLst>
+      <p:ext uri="{BB962C8B-B14F-4D97-AF65-F5344CB8AC3E}">
+        <p14:creationId xmlns:p14="http://schemas.microsoft.com/office/powerpoint/2010/main" val="2433825118"/>
+      </p:ext>
+    </p:extLst>
+  </p:cSld>
+  <p:clrMapOvr>
+    <a:masterClrMapping/>
+  </p:clrMapOvr>
+  <p:timing>
+    <p:tnLst>
+      <p:par>
+        <p:cTn id="1" dur="indefinite" restart="never" nodeType="tmRoot"/>
+      </p:par>
+    </p:tnLst>
+  </p:timing>
+</p:sld>
+</file>
+
+<file path=ppt/slides/slide4.xml><?xml version="1.0" encoding="utf-8"?>
 <p:sld xmlns:a="http://schemas.openxmlformats.org/drawingml/2006/main" xmlns:r="http://schemas.openxmlformats.org/officeDocument/2006/relationships" xmlns:p="http://schemas.openxmlformats.org/presentationml/2006/main">
   <p:cSld>
     <p:spTree>
@@ -7497,7 +7961,7 @@
 </p:sld>
 </file>
 
-<file path=ppt/slides/slide4.xml><?xml version="1.0" encoding="utf-8"?>
+<file path=ppt/slides/slide5.xml><?xml version="1.0" encoding="utf-8"?>
 <p:sld xmlns:a="http://schemas.openxmlformats.org/drawingml/2006/main" xmlns:r="http://schemas.openxmlformats.org/officeDocument/2006/relationships" xmlns:p="http://schemas.openxmlformats.org/presentationml/2006/main">
   <p:cSld>
     <p:spTree>
@@ -7621,7 +8085,7 @@
 </p:sld>
 </file>
 
-<file path=ppt/slides/slide5.xml><?xml version="1.0" encoding="utf-8"?>
+<file path=ppt/slides/slide6.xml><?xml version="1.0" encoding="utf-8"?>
 <p:sld xmlns:a="http://schemas.openxmlformats.org/drawingml/2006/main" xmlns:r="http://schemas.openxmlformats.org/officeDocument/2006/relationships" xmlns:p="http://schemas.openxmlformats.org/presentationml/2006/main">
   <p:cSld>
     <p:spTree>
@@ -7686,15 +8150,7 @@
             </a:r>
             <a:r>
               <a:rPr lang="zh-CN" altLang="en-US" dirty="0" smtClean="0"/>
-              <a:t>去</a:t>
-            </a:r>
-            <a:r>
-              <a:rPr lang="zh-CN" altLang="en-US" dirty="0" smtClean="0"/>
-              <a:t>沟通、</a:t>
-            </a:r>
-            <a:r>
-              <a:rPr lang="zh-CN" altLang="en-US" dirty="0" smtClean="0"/>
-              <a:t>理解</a:t>
+              <a:t>去沟通、理解</a:t>
             </a:r>
             <a:r>
               <a:rPr lang="zh-CN" altLang="en-US" dirty="0"/>
@@ -8227,150 +8683,6 @@
 </p:sld>
 </file>
 
-<file path=ppt/slides/slide6.xml><?xml version="1.0" encoding="utf-8"?>
-<p:sld xmlns:a="http://schemas.openxmlformats.org/drawingml/2006/main" xmlns:r="http://schemas.openxmlformats.org/officeDocument/2006/relationships" xmlns:p="http://schemas.openxmlformats.org/presentationml/2006/main">
-  <p:cSld>
-    <p:spTree>
-      <p:nvGrpSpPr>
-        <p:cNvPr id="1" name=""/>
-        <p:cNvGrpSpPr/>
-        <p:nvPr/>
-      </p:nvGrpSpPr>
-      <p:grpSpPr>
-        <a:xfrm>
-          <a:off x="0" y="0"/>
-          <a:ext cx="0" cy="0"/>
-          <a:chOff x="0" y="0"/>
-          <a:chExt cx="0" cy="0"/>
-        </a:xfrm>
-      </p:grpSpPr>
-      <p:sp>
-        <p:nvSpPr>
-          <p:cNvPr id="2" name="标题 1"/>
-          <p:cNvSpPr>
-            <a:spLocks noGrp="1"/>
-          </p:cNvSpPr>
-          <p:nvPr>
-            <p:ph type="title"/>
-          </p:nvPr>
-        </p:nvSpPr>
-        <p:spPr/>
-        <p:txBody>
-          <a:bodyPr/>
-          <a:lstStyle/>
-          <a:p>
-            <a:r>
-              <a:rPr lang="zh-CN" altLang="en-US" dirty="0" smtClean="0"/>
-              <a:t>模型的特点</a:t>
-            </a:r>
-            <a:endParaRPr lang="zh-CN" altLang="en-US" dirty="0"/>
-          </a:p>
-        </p:txBody>
-      </p:sp>
-      <p:sp>
-        <p:nvSpPr>
-          <p:cNvPr id="3" name="内容占位符 2"/>
-          <p:cNvSpPr>
-            <a:spLocks noGrp="1"/>
-          </p:cNvSpPr>
-          <p:nvPr>
-            <p:ph idx="1"/>
-          </p:nvPr>
-        </p:nvSpPr>
-        <p:spPr/>
-        <p:txBody>
-          <a:bodyPr>
-            <a:normAutofit lnSpcReduction="10000"/>
-          </a:bodyPr>
-          <a:lstStyle/>
-          <a:p>
-            <a:pPr>
-              <a:lnSpc>
-                <a:spcPct val="150000"/>
-              </a:lnSpc>
-              <a:spcAft>
-                <a:spcPts val="600"/>
-              </a:spcAft>
-            </a:pPr>
-            <a:r>
-              <a:rPr lang="en-US" altLang="zh-CN" dirty="0"/>
-              <a:t>1.</a:t>
-            </a:r>
-            <a:r>
-              <a:rPr lang="zh-CN" altLang="en-US" dirty="0"/>
-              <a:t> 抽象、简化，剥离掉不必要的细节和干扰因素，模型是用来解决问题的，你只用保留对解决问题关键的要素就可以了。例如</a:t>
-            </a:r>
-          </a:p>
-          <a:p>
-            <a:pPr>
-              <a:lnSpc>
-                <a:spcPct val="150000"/>
-              </a:lnSpc>
-              <a:spcAft>
-                <a:spcPts val="600"/>
-              </a:spcAft>
-            </a:pPr>
-            <a:r>
-              <a:rPr lang="en-US" altLang="zh-CN" dirty="0"/>
-              <a:t>2.</a:t>
-            </a:r>
-            <a:r>
-              <a:rPr lang="zh-CN" altLang="en-US" dirty="0"/>
-              <a:t> 都是形式化的（（</a:t>
-            </a:r>
-            <a:r>
-              <a:rPr lang="en-US" altLang="zh-CN" dirty="0"/>
-              <a:t>formal</a:t>
-            </a:r>
-            <a:r>
-              <a:rPr lang="zh-CN" altLang="en-US" dirty="0"/>
-              <a:t>）模型的一切都是有准去的定义和描述的，即便是随机和概率的模型，对概率分布也是有准确描述的</a:t>
-            </a:r>
-          </a:p>
-          <a:p>
-            <a:pPr>
-              <a:lnSpc>
-                <a:spcPct val="150000"/>
-              </a:lnSpc>
-              <a:spcAft>
-                <a:spcPts val="600"/>
-              </a:spcAft>
-            </a:pPr>
-            <a:r>
-              <a:rPr lang="en-US" altLang="zh-CN" dirty="0"/>
-              <a:t>3.</a:t>
-            </a:r>
-            <a:r>
-              <a:rPr lang="zh-CN" altLang="en-US" dirty="0"/>
-              <a:t> 一定会有一定的错误。模型不可能 </a:t>
-            </a:r>
-            <a:r>
-              <a:rPr lang="en-US" altLang="zh-CN" dirty="0"/>
-              <a:t>100%</a:t>
-            </a:r>
-            <a:r>
-              <a:rPr lang="zh-CN" altLang="en-US" dirty="0"/>
-              <a:t>的还原真实的情况，或多或少都是由误差的，这个误差也是可以定量分析的</a:t>
-            </a:r>
-          </a:p>
-          <a:p>
-            <a:endParaRPr lang="zh-CN" altLang="en-US" dirty="0"/>
-          </a:p>
-        </p:txBody>
-      </p:sp>
-    </p:spTree>
-    <p:extLst>
-      <p:ext uri="{BB962C8B-B14F-4D97-AF65-F5344CB8AC3E}">
-        <p14:creationId xmlns:p14="http://schemas.microsoft.com/office/powerpoint/2010/main" val="2249616365"/>
-      </p:ext>
-    </p:extLst>
-  </p:cSld>
-  <p:clrMapOvr>
-    <a:masterClrMapping/>
-  </p:clrMapOvr>
-</p:sld>
-</file>
-
 <file path=ppt/slides/slide7.xml><?xml version="1.0" encoding="utf-8"?>
 <p:sld xmlns:a="http://schemas.openxmlformats.org/drawingml/2006/main" xmlns:r="http://schemas.openxmlformats.org/officeDocument/2006/relationships" xmlns:p="http://schemas.openxmlformats.org/presentationml/2006/main">
   <p:cSld>
@@ -8404,12 +8716,8 @@
           <a:lstStyle/>
           <a:p>
             <a:r>
-              <a:rPr lang="zh-CN" altLang="en-US" b="1" dirty="0"/>
-              <a:t>什么是</a:t>
-            </a:r>
-            <a:r>
-              <a:rPr lang="zh-CN" altLang="en-US" b="1" dirty="0" smtClean="0"/>
-              <a:t>建模</a:t>
+              <a:rPr lang="zh-CN" altLang="en-US" dirty="0" smtClean="0"/>
+              <a:t>模型的特点</a:t>
             </a:r>
             <a:endParaRPr lang="zh-CN" altLang="en-US" dirty="0"/>
           </a:p>
@@ -8427,12 +8735,78 @@
         </p:nvSpPr>
         <p:spPr/>
         <p:txBody>
-          <a:bodyPr/>
-          <a:lstStyle/>
-          <a:p>
+          <a:bodyPr>
+            <a:normAutofit lnSpcReduction="10000"/>
+          </a:bodyPr>
+          <a:lstStyle/>
+          <a:p>
+            <a:pPr>
+              <a:lnSpc>
+                <a:spcPct val="150000"/>
+              </a:lnSpc>
+              <a:spcAft>
+                <a:spcPts val="600"/>
+              </a:spcAft>
+            </a:pPr>
+            <a:r>
+              <a:rPr lang="en-US" altLang="zh-CN" dirty="0"/>
+              <a:t>1.</a:t>
+            </a:r>
             <a:r>
               <a:rPr lang="zh-CN" altLang="en-US" dirty="0"/>
-              <a:t>建模就是建立模型的一个操作，废话。</a:t>
+              <a:t> 抽象、简化，剥离掉不必要的细节和干扰因素，模型是用来解决问题的，你只用保留对解决问题关键的要素就可以了。例如</a:t>
+            </a:r>
+          </a:p>
+          <a:p>
+            <a:pPr>
+              <a:lnSpc>
+                <a:spcPct val="150000"/>
+              </a:lnSpc>
+              <a:spcAft>
+                <a:spcPts val="600"/>
+              </a:spcAft>
+            </a:pPr>
+            <a:r>
+              <a:rPr lang="en-US" altLang="zh-CN" dirty="0"/>
+              <a:t>2.</a:t>
+            </a:r>
+            <a:r>
+              <a:rPr lang="zh-CN" altLang="en-US" dirty="0"/>
+              <a:t> 都是形式化的（（</a:t>
+            </a:r>
+            <a:r>
+              <a:rPr lang="en-US" altLang="zh-CN" dirty="0"/>
+              <a:t>formal</a:t>
+            </a:r>
+            <a:r>
+              <a:rPr lang="zh-CN" altLang="en-US" dirty="0"/>
+              <a:t>）模型的一切都是有准去的定义和描述的，即便是随机和概率的模型，对概率分布也是有准确描述的</a:t>
+            </a:r>
+          </a:p>
+          <a:p>
+            <a:pPr>
+              <a:lnSpc>
+                <a:spcPct val="150000"/>
+              </a:lnSpc>
+              <a:spcAft>
+                <a:spcPts val="600"/>
+              </a:spcAft>
+            </a:pPr>
+            <a:r>
+              <a:rPr lang="en-US" altLang="zh-CN" dirty="0"/>
+              <a:t>3.</a:t>
+            </a:r>
+            <a:r>
+              <a:rPr lang="zh-CN" altLang="en-US" dirty="0"/>
+              <a:t> 一定会有一定的错误。模型不可能 </a:t>
+            </a:r>
+            <a:r>
+              <a:rPr lang="en-US" altLang="zh-CN" dirty="0"/>
+              <a:t>100%</a:t>
+            </a:r>
+            <a:r>
+              <a:rPr lang="zh-CN" altLang="en-US" dirty="0"/>
+              <a:t>的还原真实的情况，或多或少都是由误差的，这个误差也是可以定量分析的</a:t>
             </a:r>
           </a:p>
           <a:p>
@@ -8443,7 +8817,7 @@
     </p:spTree>
     <p:extLst>
       <p:ext uri="{BB962C8B-B14F-4D97-AF65-F5344CB8AC3E}">
-        <p14:creationId xmlns:p14="http://schemas.microsoft.com/office/powerpoint/2010/main" val="3069497260"/>
+        <p14:creationId xmlns:p14="http://schemas.microsoft.com/office/powerpoint/2010/main" val="2249616365"/>
       </p:ext>
     </p:extLst>
   </p:cSld>
@@ -8493,124 +8867,36 @@
           <a:lstStyle/>
           <a:p>
             <a:r>
+              <a:rPr lang="zh-CN" altLang="en-US" b="1" dirty="0"/>
+              <a:t>什么是</a:t>
+            </a:r>
+            <a:r>
+              <a:rPr lang="zh-CN" altLang="en-US" b="1" dirty="0" smtClean="0"/>
+              <a:t>建模</a:t>
+            </a:r>
+            <a:endParaRPr lang="zh-CN" altLang="en-US" dirty="0"/>
+          </a:p>
+        </p:txBody>
+      </p:sp>
+      <p:sp>
+        <p:nvSpPr>
+          <p:cNvPr id="3" name="内容占位符 2"/>
+          <p:cNvSpPr>
+            <a:spLocks noGrp="1"/>
+          </p:cNvSpPr>
+          <p:nvPr>
+            <p:ph idx="1"/>
+          </p:nvPr>
+        </p:nvSpPr>
+        <p:spPr/>
+        <p:txBody>
+          <a:bodyPr/>
+          <a:lstStyle/>
+          <a:p>
+            <a:r>
               <a:rPr lang="zh-CN" altLang="en-US" dirty="0"/>
-              <a:t>那怎么建模</a:t>
-            </a:r>
-            <a:r>
-              <a:rPr lang="zh-CN" altLang="en-US" dirty="0" smtClean="0"/>
-              <a:t>的？</a:t>
-            </a:r>
-            <a:endParaRPr lang="zh-CN" altLang="en-US" dirty="0"/>
-          </a:p>
-        </p:txBody>
-      </p:sp>
-      <p:sp>
-        <p:nvSpPr>
-          <p:cNvPr id="3" name="内容占位符 2"/>
-          <p:cNvSpPr>
-            <a:spLocks noGrp="1"/>
-          </p:cNvSpPr>
-          <p:nvPr>
-            <p:ph idx="1"/>
-          </p:nvPr>
-        </p:nvSpPr>
-        <p:spPr>
-          <a:xfrm>
-            <a:off x="838199" y="1825625"/>
-            <a:ext cx="10939999" cy="4351338"/>
-          </a:xfrm>
-        </p:spPr>
-        <p:txBody>
-          <a:bodyPr/>
-          <a:lstStyle/>
-          <a:p>
-            <a:r>
-              <a:rPr lang="en-US" altLang="zh-CN" dirty="0"/>
-              <a:t>1.</a:t>
-            </a:r>
-            <a:r>
-              <a:rPr lang="zh-CN" altLang="en-US" dirty="0"/>
-              <a:t> </a:t>
-            </a:r>
-            <a:r>
-              <a:rPr lang="en-US" altLang="zh-CN" dirty="0"/>
-              <a:t>scale</a:t>
-            </a:r>
-            <a:r>
-              <a:rPr lang="zh-CN" altLang="en-US" dirty="0"/>
-              <a:t>，就是缩小或方法，在小东西上得到的结论也许可以放大，对大东西也灵，或者反过来。</a:t>
-            </a:r>
-          </a:p>
-          <a:p>
-            <a:r>
-              <a:rPr lang="en-US" altLang="zh-CN" dirty="0"/>
-              <a:t>2.</a:t>
-            </a:r>
-            <a:r>
-              <a:rPr lang="zh-CN" altLang="en-US" dirty="0"/>
-              <a:t> </a:t>
-            </a:r>
-            <a:r>
-              <a:rPr lang="en-US" altLang="zh-CN" dirty="0"/>
-              <a:t>Symbolize</a:t>
-            </a:r>
-            <a:r>
-              <a:rPr lang="zh-CN" altLang="en-US" dirty="0"/>
-              <a:t>：就是符号化，对关键信息进行抽象，发明对应的符号</a:t>
-            </a:r>
-          </a:p>
-          <a:p>
-            <a:r>
-              <a:rPr lang="en-US" altLang="zh-CN" dirty="0"/>
-              <a:t>3.</a:t>
-            </a:r>
-            <a:r>
-              <a:rPr lang="zh-CN" altLang="en-US" dirty="0"/>
-              <a:t> </a:t>
-            </a:r>
-            <a:r>
-              <a:rPr lang="en-US" altLang="zh-CN" dirty="0"/>
-              <a:t>Quantify</a:t>
-            </a:r>
-            <a:r>
-              <a:rPr lang="zh-CN" altLang="en-US" dirty="0"/>
-              <a:t>：就是量化，这里可以理解为列方程</a:t>
-            </a:r>
-          </a:p>
-          <a:p>
-            <a:r>
-              <a:rPr lang="en-US" altLang="zh-CN" dirty="0"/>
-              <a:t>4.</a:t>
-            </a:r>
-            <a:r>
-              <a:rPr lang="zh-CN" altLang="en-US" dirty="0"/>
-              <a:t> </a:t>
-            </a:r>
-            <a:r>
-              <a:rPr lang="en-US" altLang="zh-CN" dirty="0"/>
-              <a:t>Simplify</a:t>
-            </a:r>
-            <a:r>
-              <a:rPr lang="zh-CN" altLang="en-US" dirty="0"/>
-              <a:t>：简化，就是把没用的东西去掉，剩下的就是一个模型</a:t>
-            </a:r>
-            <a:r>
-              <a:rPr lang="zh-CN" altLang="en-US" dirty="0" smtClean="0"/>
-              <a:t>了</a:t>
-            </a:r>
-            <a:endParaRPr lang="en-US" altLang="zh-CN" dirty="0" smtClean="0"/>
-          </a:p>
-          <a:p>
-            <a:endParaRPr lang="en-US" altLang="zh-CN" dirty="0"/>
-          </a:p>
-          <a:p>
-            <a:r>
-              <a:rPr lang="zh-CN" altLang="en-US" dirty="0"/>
-              <a:t>很多时候这个是混合起来使用的，并不是只用一种方法。</a:t>
-            </a:r>
-          </a:p>
-          <a:p>
-            <a:endParaRPr lang="zh-CN" altLang="en-US" dirty="0"/>
+              <a:t>建模就是建立模型的一个操作，废话。</a:t>
+            </a:r>
           </a:p>
           <a:p>
             <a:endParaRPr lang="zh-CN" altLang="en-US" dirty="0"/>
@@ -8620,7 +8906,7 @@
     </p:spTree>
     <p:extLst>
       <p:ext uri="{BB962C8B-B14F-4D97-AF65-F5344CB8AC3E}">
-        <p14:creationId xmlns:p14="http://schemas.microsoft.com/office/powerpoint/2010/main" val="972471103"/>
+        <p14:creationId xmlns:p14="http://schemas.microsoft.com/office/powerpoint/2010/main" val="3069497260"/>
       </p:ext>
     </p:extLst>
   </p:cSld>
@@ -8666,18 +8952,16 @@
         </p:nvSpPr>
         <p:spPr/>
         <p:txBody>
-          <a:bodyPr>
-            <a:normAutofit/>
-          </a:bodyPr>
+          <a:bodyPr/>
           <a:lstStyle/>
           <a:p>
             <a:r>
               <a:rPr lang="zh-CN" altLang="en-US" dirty="0"/>
-              <a:t>数据建模的模型，是用数学的语言描述实际现实中的事物</a:t>
+              <a:t>那怎么建模</a:t>
             </a:r>
             <a:r>
               <a:rPr lang="zh-CN" altLang="en-US" dirty="0" smtClean="0"/>
-              <a:t>模型</a:t>
+              <a:t>的？</a:t>
             </a:r>
             <a:endParaRPr lang="zh-CN" altLang="en-US" dirty="0"/>
           </a:p>
@@ -8693,93 +8977,113 @@
             <p:ph idx="1"/>
           </p:nvPr>
         </p:nvSpPr>
-        <p:spPr/>
-        <p:txBody>
-          <a:bodyPr/>
-          <a:lstStyle/>
-          <a:p>
-            <a:r>
-              <a:rPr lang="zh-CN" altLang="en-US" dirty="0"/>
-              <a:t>比如： </a:t>
-            </a:r>
-            <a:r>
-              <a:rPr lang="en-US" altLang="zh-CN" i="1" dirty="0" smtClean="0"/>
-              <a:t>F</a:t>
-            </a:r>
-            <a:r>
-              <a:rPr lang="en-US" altLang="zh-CN" dirty="0" smtClean="0"/>
-              <a:t>=</a:t>
-            </a:r>
-            <a:r>
-              <a:rPr lang="en-US" altLang="zh-CN" i="1" dirty="0" smtClean="0"/>
-              <a:t>ma</a:t>
-            </a:r>
-          </a:p>
-        </p:txBody>
-      </p:sp>
-      <p:pic>
-        <p:nvPicPr>
-          <p:cNvPr id="5" name="图片 4"/>
-          <p:cNvPicPr>
-            <a:picLocks noChangeAspect="1"/>
-          </p:cNvPicPr>
-          <p:nvPr/>
-        </p:nvPicPr>
-        <p:blipFill>
-          <a:blip r:embed="rId2"/>
-          <a:stretch>
-            <a:fillRect/>
-          </a:stretch>
-        </p:blipFill>
         <p:spPr>
           <a:xfrm>
-            <a:off x="1685958" y="2628155"/>
-            <a:ext cx="3840813" cy="899238"/>
+            <a:off x="838199" y="1825625"/>
+            <a:ext cx="10939999" cy="4351338"/>
           </a:xfrm>
-          <a:prstGeom prst="rect">
-            <a:avLst/>
-          </a:prstGeom>
         </p:spPr>
-      </p:pic>
-      <p:sp>
-        <p:nvSpPr>
-          <p:cNvPr id="4" name="矩形 3"/>
-          <p:cNvSpPr/>
-          <p:nvPr/>
-        </p:nvSpPr>
-        <p:spPr>
-          <a:xfrm>
-            <a:off x="2357267" y="3757355"/>
-            <a:ext cx="8437916" cy="1938992"/>
-          </a:xfrm>
-          <a:prstGeom prst="rect">
-            <a:avLst/>
-          </a:prstGeom>
-        </p:spPr>
-        <p:txBody>
-          <a:bodyPr wrap="square">
-            <a:spAutoFit/>
-          </a:bodyPr>
-          <a:lstStyle/>
-          <a:p>
-            <a:r>
-              <a:rPr lang="zh-CN" altLang="en-US" sz="4000" b="0" i="0" dirty="0" smtClean="0">
-                <a:solidFill>
-                  <a:srgbClr val="333333"/>
-                </a:solidFill>
-                <a:effectLst/>
-                <a:latin typeface="Helvetica Neue"/>
-              </a:rPr>
-              <a:t>数学建模就是建模和其他的建模没啥区别，最大的特点就是他用的是数学的语言来描述的。</a:t>
-            </a:r>
-            <a:endParaRPr lang="zh-CN" altLang="en-US" sz="4000" dirty="0"/>
+        <p:txBody>
+          <a:bodyPr/>
+          <a:lstStyle/>
+          <a:p>
+            <a:r>
+              <a:rPr lang="en-US" altLang="zh-CN" dirty="0"/>
+              <a:t>1.</a:t>
+            </a:r>
+            <a:r>
+              <a:rPr lang="zh-CN" altLang="en-US" dirty="0"/>
+              <a:t> </a:t>
+            </a:r>
+            <a:r>
+              <a:rPr lang="en-US" altLang="zh-CN" dirty="0"/>
+              <a:t>scale</a:t>
+            </a:r>
+            <a:r>
+              <a:rPr lang="zh-CN" altLang="en-US" dirty="0"/>
+              <a:t>，就是缩小或方法，在小东西上得到的结论也许可以放大，对大东西也灵，或者反过来。</a:t>
+            </a:r>
+          </a:p>
+          <a:p>
+            <a:r>
+              <a:rPr lang="en-US" altLang="zh-CN" dirty="0"/>
+              <a:t>2.</a:t>
+            </a:r>
+            <a:r>
+              <a:rPr lang="zh-CN" altLang="en-US" dirty="0"/>
+              <a:t> </a:t>
+            </a:r>
+            <a:r>
+              <a:rPr lang="en-US" altLang="zh-CN" dirty="0"/>
+              <a:t>Symbolize</a:t>
+            </a:r>
+            <a:r>
+              <a:rPr lang="zh-CN" altLang="en-US" dirty="0"/>
+              <a:t>：就是符号化，对关键信息进行抽象，发明对应的符号</a:t>
+            </a:r>
+          </a:p>
+          <a:p>
+            <a:r>
+              <a:rPr lang="en-US" altLang="zh-CN" dirty="0"/>
+              <a:t>3.</a:t>
+            </a:r>
+            <a:r>
+              <a:rPr lang="zh-CN" altLang="en-US" dirty="0"/>
+              <a:t> </a:t>
+            </a:r>
+            <a:r>
+              <a:rPr lang="en-US" altLang="zh-CN" dirty="0"/>
+              <a:t>Quantify</a:t>
+            </a:r>
+            <a:r>
+              <a:rPr lang="zh-CN" altLang="en-US" dirty="0"/>
+              <a:t>：就是量化，这里可以理解为列方程</a:t>
+            </a:r>
+          </a:p>
+          <a:p>
+            <a:r>
+              <a:rPr lang="en-US" altLang="zh-CN" dirty="0"/>
+              <a:t>4.</a:t>
+            </a:r>
+            <a:r>
+              <a:rPr lang="zh-CN" altLang="en-US" dirty="0"/>
+              <a:t> </a:t>
+            </a:r>
+            <a:r>
+              <a:rPr lang="en-US" altLang="zh-CN" dirty="0"/>
+              <a:t>Simplify</a:t>
+            </a:r>
+            <a:r>
+              <a:rPr lang="zh-CN" altLang="en-US" dirty="0"/>
+              <a:t>：简化，就是把没用的东西去掉，剩下的就是一个模型</a:t>
+            </a:r>
+            <a:r>
+              <a:rPr lang="zh-CN" altLang="en-US" dirty="0" smtClean="0"/>
+              <a:t>了</a:t>
+            </a:r>
+            <a:endParaRPr lang="en-US" altLang="zh-CN" dirty="0" smtClean="0"/>
+          </a:p>
+          <a:p>
+            <a:endParaRPr lang="en-US" altLang="zh-CN" dirty="0"/>
+          </a:p>
+          <a:p>
+            <a:r>
+              <a:rPr lang="zh-CN" altLang="en-US" dirty="0"/>
+              <a:t>很多时候这个是混合起来使用的，并不是只用一种方法。</a:t>
+            </a:r>
+          </a:p>
+          <a:p>
+            <a:endParaRPr lang="zh-CN" altLang="en-US" dirty="0"/>
+          </a:p>
+          <a:p>
+            <a:endParaRPr lang="zh-CN" altLang="en-US" dirty="0"/>
           </a:p>
         </p:txBody>
       </p:sp>
     </p:spTree>
     <p:extLst>
       <p:ext uri="{BB962C8B-B14F-4D97-AF65-F5344CB8AC3E}">
-        <p14:creationId xmlns:p14="http://schemas.microsoft.com/office/powerpoint/2010/main" val="2193503045"/>
+        <p14:creationId xmlns:p14="http://schemas.microsoft.com/office/powerpoint/2010/main" val="972471103"/>
       </p:ext>
     </p:extLst>
   </p:cSld>
